--- a/Debug/session2/Debugging Workshop 2.pptx
+++ b/Debug/session2/Debugging Workshop 2.pptx
@@ -688,7 +688,7 @@
           </a:ln>
           <a:extLst>
             <a:ext uri="{909E8E84-426E-40dd-AFC4-6F175D3DCCD1}">
-              <a14:hiddenFill xmlns="" xmlns:a14="http://schemas.microsoft.com/office/drawing/2010/main">
+              <a14:hiddenFill xmlns:a14="http://schemas.microsoft.com/office/drawing/2010/main" xmlns="">
                 <a:noFill/>
               </a14:hiddenFill>
             </a:ext>
@@ -732,7 +732,7 @@
           </a:ln>
           <a:extLst>
             <a:ext uri="{909E8E84-426E-40dd-AFC4-6F175D3DCCD1}">
-              <a14:hiddenFill xmlns="" xmlns:a14="http://schemas.microsoft.com/office/drawing/2010/main">
+              <a14:hiddenFill xmlns:a14="http://schemas.microsoft.com/office/drawing/2010/main" xmlns="">
                 <a:noFill/>
               </a14:hiddenFill>
             </a:ext>
@@ -781,14 +781,14 @@
           </a:ln>
           <a:extLst>
             <a:ext uri="{909E8E84-426E-40dd-AFC4-6F175D3DCCD1}">
-              <a14:hiddenFill xmlns="" xmlns:a14="http://schemas.microsoft.com/office/drawing/2010/main">
+              <a14:hiddenFill xmlns:a14="http://schemas.microsoft.com/office/drawing/2010/main" xmlns="">
                 <a:solidFill>
                   <a:srgbClr val="FFFFFF"/>
                 </a:solidFill>
               </a14:hiddenFill>
             </a:ext>
             <a:ext uri="{91240B29-F687-4f45-9708-019B960494DF}">
-              <a14:hiddenLine xmlns="" xmlns:a14="http://schemas.microsoft.com/office/drawing/2010/main" w="9525">
+              <a14:hiddenLine xmlns:a14="http://schemas.microsoft.com/office/drawing/2010/main" xmlns="" w="9525">
                 <a:solidFill>
                   <a:srgbClr val="000000"/>
                 </a:solidFill>
@@ -1134,7 +1134,7 @@
           </a:ln>
           <a:extLst>
             <a:ext uri="{909E8E84-426E-40dd-AFC4-6F175D3DCCD1}">
-              <a14:hiddenFill xmlns="" xmlns:a14="http://schemas.microsoft.com/office/drawing/2010/main">
+              <a14:hiddenFill xmlns:a14="http://schemas.microsoft.com/office/drawing/2010/main" xmlns="">
                 <a:noFill/>
               </a14:hiddenFill>
             </a:ext>
@@ -1183,14 +1183,14 @@
           </a:ln>
           <a:extLst>
             <a:ext uri="{909E8E84-426E-40dd-AFC4-6F175D3DCCD1}">
-              <a14:hiddenFill xmlns="" xmlns:a14="http://schemas.microsoft.com/office/drawing/2010/main">
+              <a14:hiddenFill xmlns:a14="http://schemas.microsoft.com/office/drawing/2010/main" xmlns="">
                 <a:solidFill>
                   <a:srgbClr val="FFFFFF"/>
                 </a:solidFill>
               </a14:hiddenFill>
             </a:ext>
             <a:ext uri="{91240B29-F687-4f45-9708-019B960494DF}">
-              <a14:hiddenLine xmlns="" xmlns:a14="http://schemas.microsoft.com/office/drawing/2010/main" w="9525">
+              <a14:hiddenLine xmlns:a14="http://schemas.microsoft.com/office/drawing/2010/main" xmlns="" w="9525">
                 <a:solidFill>
                   <a:srgbClr val="000000"/>
                 </a:solidFill>
@@ -1419,7 +1419,7 @@
           </a:ln>
           <a:extLst>
             <a:ext uri="{909E8E84-426E-40dd-AFC4-6F175D3DCCD1}">
-              <a14:hiddenFill xmlns="" xmlns:a14="http://schemas.microsoft.com/office/drawing/2010/main">
+              <a14:hiddenFill xmlns:a14="http://schemas.microsoft.com/office/drawing/2010/main" xmlns="">
                 <a:noFill/>
               </a14:hiddenFill>
             </a:ext>
@@ -1463,7 +1463,7 @@
           </a:ln>
           <a:extLst>
             <a:ext uri="{909E8E84-426E-40dd-AFC4-6F175D3DCCD1}">
-              <a14:hiddenFill xmlns="" xmlns:a14="http://schemas.microsoft.com/office/drawing/2010/main">
+              <a14:hiddenFill xmlns:a14="http://schemas.microsoft.com/office/drawing/2010/main" xmlns="">
                 <a:noFill/>
               </a14:hiddenFill>
             </a:ext>
@@ -1512,14 +1512,14 @@
           </a:ln>
           <a:extLst>
             <a:ext uri="{909E8E84-426E-40dd-AFC4-6F175D3DCCD1}">
-              <a14:hiddenFill xmlns="" xmlns:a14="http://schemas.microsoft.com/office/drawing/2010/main">
+              <a14:hiddenFill xmlns:a14="http://schemas.microsoft.com/office/drawing/2010/main" xmlns="">
                 <a:solidFill>
                   <a:srgbClr val="FFFFFF"/>
                 </a:solidFill>
               </a14:hiddenFill>
             </a:ext>
             <a:ext uri="{91240B29-F687-4f45-9708-019B960494DF}">
-              <a14:hiddenLine xmlns="" xmlns:a14="http://schemas.microsoft.com/office/drawing/2010/main" w="9525">
+              <a14:hiddenLine xmlns:a14="http://schemas.microsoft.com/office/drawing/2010/main" xmlns="" w="9525">
                 <a:solidFill>
                   <a:srgbClr val="000000"/>
                 </a:solidFill>
@@ -1791,7 +1791,7 @@
           </a:ln>
           <a:extLst>
             <a:ext uri="{909E8E84-426E-40dd-AFC4-6F175D3DCCD1}">
-              <a14:hiddenFill xmlns="" xmlns:a14="http://schemas.microsoft.com/office/drawing/2010/main">
+              <a14:hiddenFill xmlns:a14="http://schemas.microsoft.com/office/drawing/2010/main" xmlns="">
                 <a:noFill/>
               </a14:hiddenFill>
             </a:ext>
@@ -2003,7 +2003,7 @@
           </a:ln>
           <a:extLst>
             <a:ext uri="{909E8E84-426E-40dd-AFC4-6F175D3DCCD1}">
-              <a14:hiddenFill xmlns="" xmlns:a14="http://schemas.microsoft.com/office/drawing/2010/main">
+              <a14:hiddenFill xmlns:a14="http://schemas.microsoft.com/office/drawing/2010/main" xmlns="">
                 <a:noFill/>
               </a14:hiddenFill>
             </a:ext>
@@ -2220,7 +2220,7 @@
           </a:ln>
           <a:extLst>
             <a:ext uri="{909E8E84-426E-40dd-AFC4-6F175D3DCCD1}">
-              <a14:hiddenFill xmlns="" xmlns:a14="http://schemas.microsoft.com/office/drawing/2010/main">
+              <a14:hiddenFill xmlns:a14="http://schemas.microsoft.com/office/drawing/2010/main" xmlns="">
                 <a:noFill/>
               </a14:hiddenFill>
             </a:ext>
@@ -2469,7 +2469,7 @@
           </a:ln>
           <a:extLst>
             <a:ext uri="{909E8E84-426E-40dd-AFC4-6F175D3DCCD1}">
-              <a14:hiddenFill xmlns="" xmlns:a14="http://schemas.microsoft.com/office/drawing/2010/main">
+              <a14:hiddenFill xmlns:a14="http://schemas.microsoft.com/office/drawing/2010/main" xmlns="">
                 <a:noFill/>
               </a14:hiddenFill>
             </a:ext>
@@ -2518,14 +2518,14 @@
           </a:ln>
           <a:extLst>
             <a:ext uri="{909E8E84-426E-40dd-AFC4-6F175D3DCCD1}">
-              <a14:hiddenFill xmlns="" xmlns:a14="http://schemas.microsoft.com/office/drawing/2010/main">
+              <a14:hiddenFill xmlns:a14="http://schemas.microsoft.com/office/drawing/2010/main" xmlns="">
                 <a:solidFill>
                   <a:srgbClr val="FFFFFF"/>
                 </a:solidFill>
               </a14:hiddenFill>
             </a:ext>
             <a:ext uri="{91240B29-F687-4f45-9708-019B960494DF}">
-              <a14:hiddenLine xmlns="" xmlns:a14="http://schemas.microsoft.com/office/drawing/2010/main" w="9525">
+              <a14:hiddenLine xmlns:a14="http://schemas.microsoft.com/office/drawing/2010/main" xmlns="" w="9525">
                 <a:solidFill>
                   <a:srgbClr val="000000"/>
                 </a:solidFill>
@@ -2786,7 +2786,7 @@
           </a:ln>
           <a:extLst>
             <a:ext uri="{909E8E84-426E-40dd-AFC4-6F175D3DCCD1}">
-              <a14:hiddenFill xmlns="" xmlns:a14="http://schemas.microsoft.com/office/drawing/2010/main">
+              <a14:hiddenFill xmlns:a14="http://schemas.microsoft.com/office/drawing/2010/main" xmlns="">
                 <a:noFill/>
               </a14:hiddenFill>
             </a:ext>
@@ -2835,14 +2835,14 @@
           </a:ln>
           <a:extLst>
             <a:ext uri="{909E8E84-426E-40dd-AFC4-6F175D3DCCD1}">
-              <a14:hiddenFill xmlns="" xmlns:a14="http://schemas.microsoft.com/office/drawing/2010/main">
+              <a14:hiddenFill xmlns:a14="http://schemas.microsoft.com/office/drawing/2010/main" xmlns="">
                 <a:solidFill>
                   <a:srgbClr val="FFFFFF"/>
                 </a:solidFill>
               </a14:hiddenFill>
             </a:ext>
             <a:ext uri="{91240B29-F687-4f45-9708-019B960494DF}">
-              <a14:hiddenLine xmlns="" xmlns:a14="http://schemas.microsoft.com/office/drawing/2010/main" w="9525">
+              <a14:hiddenLine xmlns:a14="http://schemas.microsoft.com/office/drawing/2010/main" xmlns="" w="9525">
                 <a:solidFill>
                   <a:srgbClr val="000000"/>
                 </a:solidFill>
@@ -3489,7 +3489,7 @@
           </a:ln>
           <a:extLst>
             <a:ext uri="{909E8E84-426E-40dd-AFC4-6F175D3DCCD1}">
-              <a14:hiddenFill xmlns="" xmlns:a14="http://schemas.microsoft.com/office/drawing/2010/main">
+              <a14:hiddenFill xmlns:a14="http://schemas.microsoft.com/office/drawing/2010/main" xmlns="">
                 <a:noFill/>
               </a14:hiddenFill>
             </a:ext>
@@ -3692,7 +3692,7 @@
           </a:ln>
           <a:extLst>
             <a:ext uri="{909E8E84-426E-40dd-AFC4-6F175D3DCCD1}">
-              <a14:hiddenFill xmlns="" xmlns:a14="http://schemas.microsoft.com/office/drawing/2010/main">
+              <a14:hiddenFill xmlns:a14="http://schemas.microsoft.com/office/drawing/2010/main" xmlns="">
                 <a:noFill/>
               </a14:hiddenFill>
             </a:ext>
@@ -3733,7 +3733,7 @@
           </a:ln>
           <a:extLst>
             <a:ext uri="{909E8E84-426E-40dd-AFC4-6F175D3DCCD1}">
-              <a14:hiddenFill xmlns="" xmlns:a14="http://schemas.microsoft.com/office/drawing/2010/main">
+              <a14:hiddenFill xmlns:a14="http://schemas.microsoft.com/office/drawing/2010/main" xmlns="">
                 <a:noFill/>
               </a14:hiddenFill>
             </a:ext>
@@ -3943,7 +3943,7 @@
           </a:ln>
           <a:extLst>
             <a:ext uri="{909E8E84-426E-40dd-AFC4-6F175D3DCCD1}">
-              <a14:hiddenFill xmlns="" xmlns:a14="http://schemas.microsoft.com/office/drawing/2010/main">
+              <a14:hiddenFill xmlns:a14="http://schemas.microsoft.com/office/drawing/2010/main" xmlns="">
                 <a:noFill/>
               </a14:hiddenFill>
             </a:ext>
@@ -3992,14 +3992,14 @@
           </a:ln>
           <a:extLst>
             <a:ext uri="{909E8E84-426E-40dd-AFC4-6F175D3DCCD1}">
-              <a14:hiddenFill xmlns="" xmlns:a14="http://schemas.microsoft.com/office/drawing/2010/main">
+              <a14:hiddenFill xmlns:a14="http://schemas.microsoft.com/office/drawing/2010/main" xmlns="">
                 <a:solidFill>
                   <a:srgbClr val="FFFFFF"/>
                 </a:solidFill>
               </a14:hiddenFill>
             </a:ext>
             <a:ext uri="{91240B29-F687-4f45-9708-019B960494DF}">
-              <a14:hiddenLine xmlns="" xmlns:a14="http://schemas.microsoft.com/office/drawing/2010/main" w="9525">
+              <a14:hiddenLine xmlns:a14="http://schemas.microsoft.com/office/drawing/2010/main" xmlns="" w="9525">
                 <a:solidFill>
                   <a:srgbClr val="000000"/>
                 </a:solidFill>
@@ -4228,7 +4228,7 @@
           </a:ln>
           <a:extLst>
             <a:ext uri="{909E8E84-426E-40dd-AFC4-6F175D3DCCD1}">
-              <a14:hiddenFill xmlns="" xmlns:a14="http://schemas.microsoft.com/office/drawing/2010/main">
+              <a14:hiddenFill xmlns:a14="http://schemas.microsoft.com/office/drawing/2010/main" xmlns="">
                 <a:noFill/>
               </a14:hiddenFill>
             </a:ext>
@@ -4436,7 +4436,7 @@
           </a:ln>
           <a:extLst>
             <a:ext uri="{909E8E84-426E-40dd-AFC4-6F175D3DCCD1}">
-              <a14:hiddenFill xmlns="" xmlns:a14="http://schemas.microsoft.com/office/drawing/2010/main">
+              <a14:hiddenFill xmlns:a14="http://schemas.microsoft.com/office/drawing/2010/main" xmlns="">
                 <a:noFill/>
               </a14:hiddenFill>
             </a:ext>
@@ -4685,7 +4685,7 @@
           </a:ln>
           <a:extLst>
             <a:ext uri="{909E8E84-426E-40dd-AFC4-6F175D3DCCD1}">
-              <a14:hiddenFill xmlns="" xmlns:a14="http://schemas.microsoft.com/office/drawing/2010/main">
+              <a14:hiddenFill xmlns:a14="http://schemas.microsoft.com/office/drawing/2010/main" xmlns="">
                 <a:noFill/>
               </a14:hiddenFill>
             </a:ext>
@@ -4734,14 +4734,14 @@
           </a:ln>
           <a:extLst>
             <a:ext uri="{909E8E84-426E-40dd-AFC4-6F175D3DCCD1}">
-              <a14:hiddenFill xmlns="" xmlns:a14="http://schemas.microsoft.com/office/drawing/2010/main">
+              <a14:hiddenFill xmlns:a14="http://schemas.microsoft.com/office/drawing/2010/main" xmlns="">
                 <a:solidFill>
                   <a:srgbClr val="FFFFFF"/>
                 </a:solidFill>
               </a14:hiddenFill>
             </a:ext>
             <a:ext uri="{91240B29-F687-4f45-9708-019B960494DF}">
-              <a14:hiddenLine xmlns="" xmlns:a14="http://schemas.microsoft.com/office/drawing/2010/main" w="9525">
+              <a14:hiddenLine xmlns:a14="http://schemas.microsoft.com/office/drawing/2010/main" xmlns="" w="9525">
                 <a:solidFill>
                   <a:srgbClr val="000000"/>
                 </a:solidFill>
@@ -5002,7 +5002,7 @@
           </a:ln>
           <a:extLst>
             <a:ext uri="{909E8E84-426E-40dd-AFC4-6F175D3DCCD1}">
-              <a14:hiddenFill xmlns="" xmlns:a14="http://schemas.microsoft.com/office/drawing/2010/main">
+              <a14:hiddenFill xmlns:a14="http://schemas.microsoft.com/office/drawing/2010/main" xmlns="">
                 <a:noFill/>
               </a14:hiddenFill>
             </a:ext>
@@ -5051,14 +5051,14 @@
           </a:ln>
           <a:extLst>
             <a:ext uri="{909E8E84-426E-40dd-AFC4-6F175D3DCCD1}">
-              <a14:hiddenFill xmlns="" xmlns:a14="http://schemas.microsoft.com/office/drawing/2010/main">
+              <a14:hiddenFill xmlns:a14="http://schemas.microsoft.com/office/drawing/2010/main" xmlns="">
                 <a:solidFill>
                   <a:srgbClr val="FFFFFF"/>
                 </a:solidFill>
               </a14:hiddenFill>
             </a:ext>
             <a:ext uri="{91240B29-F687-4f45-9708-019B960494DF}">
-              <a14:hiddenLine xmlns="" xmlns:a14="http://schemas.microsoft.com/office/drawing/2010/main" w="9525">
+              <a14:hiddenLine xmlns:a14="http://schemas.microsoft.com/office/drawing/2010/main" xmlns="" w="9525">
                 <a:solidFill>
                   <a:srgbClr val="000000"/>
                 </a:solidFill>
@@ -5699,7 +5699,7 @@
           </a:ln>
           <a:extLst>
             <a:ext uri="{909E8E84-426E-40dd-AFC4-6F175D3DCCD1}">
-              <a14:hiddenFill xmlns="" xmlns:a14="http://schemas.microsoft.com/office/drawing/2010/main">
+              <a14:hiddenFill xmlns:a14="http://schemas.microsoft.com/office/drawing/2010/main" xmlns="">
                 <a:noFill/>
               </a14:hiddenFill>
             </a:ext>
@@ -5740,7 +5740,7 @@
           </a:ln>
           <a:extLst>
             <a:ext uri="{909E8E84-426E-40dd-AFC4-6F175D3DCCD1}">
-              <a14:hiddenFill xmlns="" xmlns:a14="http://schemas.microsoft.com/office/drawing/2010/main">
+              <a14:hiddenFill xmlns:a14="http://schemas.microsoft.com/office/drawing/2010/main" xmlns="">
                 <a:noFill/>
               </a14:hiddenFill>
             </a:ext>
@@ -5882,17 +5882,17 @@
           <a:effectLst/>
           <a:extLst>
             <a:ext uri="{FAA26D3D-D897-4be2-8F04-BA451C77F1D7}">
-              <ma14:placeholderFlag xmlns="" xmlns:ma14="http://schemas.microsoft.com/office/mac/drawingml/2011/main" val="1"/>
+              <ma14:placeholderFlag xmlns:ma14="http://schemas.microsoft.com/office/mac/drawingml/2011/main" xmlns="" val="1"/>
             </a:ext>
             <a:ext uri="{909E8E84-426E-40dd-AFC4-6F175D3DCCD1}">
-              <a14:hiddenFill xmlns="" xmlns:a14="http://schemas.microsoft.com/office/drawing/2010/main">
+              <a14:hiddenFill xmlns:a14="http://schemas.microsoft.com/office/drawing/2010/main" xmlns="">
                 <a:solidFill>
                   <a:srgbClr val="FFFFFF"/>
                 </a:solidFill>
               </a14:hiddenFill>
             </a:ext>
             <a:ext uri="{91240B29-F687-4f45-9708-019B960494DF}">
-              <a14:hiddenLine xmlns="" xmlns:a14="http://schemas.microsoft.com/office/drawing/2010/main" w="12700">
+              <a14:hiddenLine xmlns:a14="http://schemas.microsoft.com/office/drawing/2010/main" xmlns="" w="12700">
                 <a:solidFill>
                   <a:schemeClr val="tx1"/>
                 </a:solidFill>
@@ -5902,7 +5902,7 @@
               </a14:hiddenLine>
             </a:ext>
             <a:ext uri="{AF507438-7753-43e0-B8FC-AC1667EBCBE1}">
-              <a14:hiddenEffects xmlns="" xmlns:a14="http://schemas.microsoft.com/office/drawing/2010/main">
+              <a14:hiddenEffects xmlns:a14="http://schemas.microsoft.com/office/drawing/2010/main" xmlns="">
                 <a:effectLst>
                   <a:outerShdw blurRad="63500" dist="38099" dir="2700000" algn="ctr" rotWithShape="0">
                     <a:srgbClr val="000000">
@@ -5957,17 +5957,17 @@
           <a:effectLst/>
           <a:extLst>
             <a:ext uri="{FAA26D3D-D897-4be2-8F04-BA451C77F1D7}">
-              <ma14:placeholderFlag xmlns="" xmlns:ma14="http://schemas.microsoft.com/office/mac/drawingml/2011/main" val="1"/>
+              <ma14:placeholderFlag xmlns:ma14="http://schemas.microsoft.com/office/mac/drawingml/2011/main" xmlns="" val="1"/>
             </a:ext>
             <a:ext uri="{909E8E84-426E-40dd-AFC4-6F175D3DCCD1}">
-              <a14:hiddenFill xmlns="" xmlns:a14="http://schemas.microsoft.com/office/drawing/2010/main">
+              <a14:hiddenFill xmlns:a14="http://schemas.microsoft.com/office/drawing/2010/main" xmlns="">
                 <a:solidFill>
                   <a:srgbClr val="FFFFFF"/>
                 </a:solidFill>
               </a14:hiddenFill>
             </a:ext>
             <a:ext uri="{91240B29-F687-4f45-9708-019B960494DF}">
-              <a14:hiddenLine xmlns="" xmlns:a14="http://schemas.microsoft.com/office/drawing/2010/main" w="12700">
+              <a14:hiddenLine xmlns:a14="http://schemas.microsoft.com/office/drawing/2010/main" xmlns="" w="12700">
                 <a:solidFill>
                   <a:schemeClr val="tx1"/>
                 </a:solidFill>
@@ -5977,7 +5977,7 @@
               </a14:hiddenLine>
             </a:ext>
             <a:ext uri="{AF507438-7753-43e0-B8FC-AC1667EBCBE1}">
-              <a14:hiddenEffects xmlns="" xmlns:a14="http://schemas.microsoft.com/office/drawing/2010/main">
+              <a14:hiddenEffects xmlns:a14="http://schemas.microsoft.com/office/drawing/2010/main" xmlns="">
                 <a:effectLst>
                   <a:outerShdw blurRad="63500" dist="38099" dir="2700000" algn="ctr" rotWithShape="0">
                     <a:srgbClr val="000000">
@@ -6068,14 +6068,14 @@
           <a:effectLst/>
           <a:extLst>
             <a:ext uri="{909E8E84-426E-40dd-AFC4-6F175D3DCCD1}">
-              <a14:hiddenFill xmlns="" xmlns:a14="http://schemas.microsoft.com/office/drawing/2010/main">
+              <a14:hiddenFill xmlns:a14="http://schemas.microsoft.com/office/drawing/2010/main" xmlns="">
                 <a:solidFill>
                   <a:srgbClr val="FFFFFF"/>
                 </a:solidFill>
               </a14:hiddenFill>
             </a:ext>
             <a:ext uri="{91240B29-F687-4f45-9708-019B960494DF}">
-              <a14:hiddenLine xmlns="" xmlns:a14="http://schemas.microsoft.com/office/drawing/2010/main" w="12700">
+              <a14:hiddenLine xmlns:a14="http://schemas.microsoft.com/office/drawing/2010/main" xmlns="" w="12700">
                 <a:solidFill>
                   <a:schemeClr val="tx1"/>
                 </a:solidFill>
@@ -6085,7 +6085,7 @@
               </a14:hiddenLine>
             </a:ext>
             <a:ext uri="{AF507438-7753-43e0-B8FC-AC1667EBCBE1}">
-              <a14:hiddenEffects xmlns="" xmlns:a14="http://schemas.microsoft.com/office/drawing/2010/main">
+              <a14:hiddenEffects xmlns:a14="http://schemas.microsoft.com/office/drawing/2010/main" xmlns="">
                 <a:effectLst>
                   <a:outerShdw blurRad="63500" dist="38099" dir="2700000" algn="ctr" rotWithShape="0">
                     <a:srgbClr val="000000">
@@ -6780,17 +6780,17 @@
           <a:effectLst/>
           <a:extLst>
             <a:ext uri="{FAA26D3D-D897-4be2-8F04-BA451C77F1D7}">
-              <ma14:placeholderFlag xmlns="" xmlns:ma14="http://schemas.microsoft.com/office/mac/drawingml/2011/main" val="1"/>
+              <ma14:placeholderFlag xmlns:ma14="http://schemas.microsoft.com/office/mac/drawingml/2011/main" xmlns="" val="1"/>
             </a:ext>
             <a:ext uri="{909E8E84-426E-40dd-AFC4-6F175D3DCCD1}">
-              <a14:hiddenFill xmlns="" xmlns:a14="http://schemas.microsoft.com/office/drawing/2010/main">
+              <a14:hiddenFill xmlns:a14="http://schemas.microsoft.com/office/drawing/2010/main" xmlns="">
                 <a:solidFill>
                   <a:srgbClr val="FFFFFF"/>
                 </a:solidFill>
               </a14:hiddenFill>
             </a:ext>
             <a:ext uri="{91240B29-F687-4f45-9708-019B960494DF}">
-              <a14:hiddenLine xmlns="" xmlns:a14="http://schemas.microsoft.com/office/drawing/2010/main" w="12700">
+              <a14:hiddenLine xmlns:a14="http://schemas.microsoft.com/office/drawing/2010/main" xmlns="" w="12700">
                 <a:solidFill>
                   <a:schemeClr val="tx1"/>
                 </a:solidFill>
@@ -6800,7 +6800,7 @@
               </a14:hiddenLine>
             </a:ext>
             <a:ext uri="{AF507438-7753-43e0-B8FC-AC1667EBCBE1}">
-              <a14:hiddenEffects xmlns="" xmlns:a14="http://schemas.microsoft.com/office/drawing/2010/main">
+              <a14:hiddenEffects xmlns:a14="http://schemas.microsoft.com/office/drawing/2010/main" xmlns="">
                 <a:effectLst>
                   <a:outerShdw blurRad="63500" dist="38099" dir="2700000" algn="ctr" rotWithShape="0">
                     <a:srgbClr val="000000">
@@ -6855,17 +6855,17 @@
           <a:effectLst/>
           <a:extLst>
             <a:ext uri="{FAA26D3D-D897-4be2-8F04-BA451C77F1D7}">
-              <ma14:placeholderFlag xmlns="" xmlns:ma14="http://schemas.microsoft.com/office/mac/drawingml/2011/main" val="1"/>
+              <ma14:placeholderFlag xmlns:ma14="http://schemas.microsoft.com/office/mac/drawingml/2011/main" xmlns="" val="1"/>
             </a:ext>
             <a:ext uri="{909E8E84-426E-40dd-AFC4-6F175D3DCCD1}">
-              <a14:hiddenFill xmlns="" xmlns:a14="http://schemas.microsoft.com/office/drawing/2010/main">
+              <a14:hiddenFill xmlns:a14="http://schemas.microsoft.com/office/drawing/2010/main" xmlns="">
                 <a:solidFill>
                   <a:srgbClr val="FFFFFF"/>
                 </a:solidFill>
               </a14:hiddenFill>
             </a:ext>
             <a:ext uri="{91240B29-F687-4f45-9708-019B960494DF}">
-              <a14:hiddenLine xmlns="" xmlns:a14="http://schemas.microsoft.com/office/drawing/2010/main" w="12700">
+              <a14:hiddenLine xmlns:a14="http://schemas.microsoft.com/office/drawing/2010/main" xmlns="" w="12700">
                 <a:solidFill>
                   <a:schemeClr val="tx1"/>
                 </a:solidFill>
@@ -6875,7 +6875,7 @@
               </a14:hiddenLine>
             </a:ext>
             <a:ext uri="{AF507438-7753-43e0-B8FC-AC1667EBCBE1}">
-              <a14:hiddenEffects xmlns="" xmlns:a14="http://schemas.microsoft.com/office/drawing/2010/main">
+              <a14:hiddenEffects xmlns:a14="http://schemas.microsoft.com/office/drawing/2010/main" xmlns="">
                 <a:effectLst>
                   <a:outerShdw blurRad="63500" dist="38099" dir="2700000" algn="ctr" rotWithShape="0">
                     <a:srgbClr val="000000">
@@ -6966,14 +6966,14 @@
           <a:effectLst/>
           <a:extLst>
             <a:ext uri="{909E8E84-426E-40dd-AFC4-6F175D3DCCD1}">
-              <a14:hiddenFill xmlns="" xmlns:a14="http://schemas.microsoft.com/office/drawing/2010/main">
+              <a14:hiddenFill xmlns:a14="http://schemas.microsoft.com/office/drawing/2010/main" xmlns="">
                 <a:solidFill>
                   <a:srgbClr val="FFFFFF"/>
                 </a:solidFill>
               </a14:hiddenFill>
             </a:ext>
             <a:ext uri="{91240B29-F687-4f45-9708-019B960494DF}">
-              <a14:hiddenLine xmlns="" xmlns:a14="http://schemas.microsoft.com/office/drawing/2010/main" w="12700">
+              <a14:hiddenLine xmlns:a14="http://schemas.microsoft.com/office/drawing/2010/main" xmlns="" w="12700">
                 <a:solidFill>
                   <a:schemeClr val="tx1"/>
                 </a:solidFill>
@@ -6983,7 +6983,7 @@
               </a14:hiddenLine>
             </a:ext>
             <a:ext uri="{AF507438-7753-43e0-B8FC-AC1667EBCBE1}">
-              <a14:hiddenEffects xmlns="" xmlns:a14="http://schemas.microsoft.com/office/drawing/2010/main">
+              <a14:hiddenEffects xmlns:a14="http://schemas.microsoft.com/office/drawing/2010/main" xmlns="">
                 <a:effectLst>
                   <a:outerShdw blurRad="63500" dist="38099" dir="2700000" algn="ctr" rotWithShape="0">
                     <a:srgbClr val="000000">
@@ -9299,7 +9299,7 @@
           </a:ln>
           <a:extLst>
             <a:ext uri="{91240B29-F687-4f45-9708-019B960494DF}">
-              <a14:hiddenLine xmlns="" xmlns:a14="http://schemas.microsoft.com/office/drawing/2010/main" w="25400" cap="flat" cmpd="sng" algn="ctr">
+              <a14:hiddenLine xmlns:a14="http://schemas.microsoft.com/office/drawing/2010/main" xmlns="" w="25400" cap="flat" cmpd="sng" algn="ctr">
                 <a:solidFill>
                   <a:srgbClr val="000000"/>
                 </a:solidFill>
@@ -9310,7 +9310,7 @@
               </a14:hiddenLine>
             </a:ext>
             <a:ext uri="{AF507438-7753-43e0-B8FC-AC1667EBCBE1}">
-              <a14:hiddenEffects xmlns="" xmlns:a14="http://schemas.microsoft.com/office/drawing/2010/main">
+              <a14:hiddenEffects xmlns:a14="http://schemas.microsoft.com/office/drawing/2010/main" xmlns="">
                 <a:effectLst>
                   <a:outerShdw blurRad="63500" dist="38099" dir="2700000" algn="ctr" rotWithShape="0">
                     <a:schemeClr val="bg2">
@@ -9360,7 +9360,7 @@
           </a:ln>
           <a:extLst>
             <a:ext uri="{91240B29-F687-4f45-9708-019B960494DF}">
-              <a14:hiddenLine xmlns="" xmlns:a14="http://schemas.microsoft.com/office/drawing/2010/main" w="25400" cap="flat" cmpd="sng" algn="ctr">
+              <a14:hiddenLine xmlns:a14="http://schemas.microsoft.com/office/drawing/2010/main" xmlns="" w="25400" cap="flat" cmpd="sng" algn="ctr">
                 <a:solidFill>
                   <a:srgbClr val="000000"/>
                 </a:solidFill>
@@ -9371,7 +9371,7 @@
               </a14:hiddenLine>
             </a:ext>
             <a:ext uri="{AF507438-7753-43e0-B8FC-AC1667EBCBE1}">
-              <a14:hiddenEffects xmlns="" xmlns:a14="http://schemas.microsoft.com/office/drawing/2010/main">
+              <a14:hiddenEffects xmlns:a14="http://schemas.microsoft.com/office/drawing/2010/main" xmlns="">
                 <a:effectLst>
                   <a:outerShdw blurRad="63500" dist="38099" dir="2700000" algn="ctr" rotWithShape="0">
                     <a:schemeClr val="bg2">
@@ -9421,7 +9421,7 @@
           </a:ln>
           <a:extLst>
             <a:ext uri="{91240B29-F687-4f45-9708-019B960494DF}">
-              <a14:hiddenLine xmlns="" xmlns:a14="http://schemas.microsoft.com/office/drawing/2010/main" w="25400" cap="flat" cmpd="sng" algn="ctr">
+              <a14:hiddenLine xmlns:a14="http://schemas.microsoft.com/office/drawing/2010/main" xmlns="" w="25400" cap="flat" cmpd="sng" algn="ctr">
                 <a:solidFill>
                   <a:srgbClr val="000000"/>
                 </a:solidFill>
@@ -9432,7 +9432,7 @@
               </a14:hiddenLine>
             </a:ext>
             <a:ext uri="{AF507438-7753-43e0-B8FC-AC1667EBCBE1}">
-              <a14:hiddenEffects xmlns="" xmlns:a14="http://schemas.microsoft.com/office/drawing/2010/main">
+              <a14:hiddenEffects xmlns:a14="http://schemas.microsoft.com/office/drawing/2010/main" xmlns="">
                 <a:effectLst>
                   <a:outerShdw blurRad="63500" dist="38099" dir="2700000" algn="ctr" rotWithShape="0">
                     <a:schemeClr val="bg2">
@@ -9485,7 +9485,7 @@
           </a:ln>
           <a:extLst>
             <a:ext uri="{91240B29-F687-4f45-9708-019B960494DF}">
-              <a14:hiddenLine xmlns="" xmlns:a14="http://schemas.microsoft.com/office/drawing/2010/main" w="25400" cap="flat" cmpd="sng" algn="ctr">
+              <a14:hiddenLine xmlns:a14="http://schemas.microsoft.com/office/drawing/2010/main" xmlns="" w="25400" cap="flat" cmpd="sng" algn="ctr">
                 <a:solidFill>
                   <a:srgbClr val="000000"/>
                 </a:solidFill>
@@ -9496,7 +9496,7 @@
               </a14:hiddenLine>
             </a:ext>
             <a:ext uri="{AF507438-7753-43e0-B8FC-AC1667EBCBE1}">
-              <a14:hiddenEffects xmlns="" xmlns:a14="http://schemas.microsoft.com/office/drawing/2010/main">
+              <a14:hiddenEffects xmlns:a14="http://schemas.microsoft.com/office/drawing/2010/main" xmlns="">
                 <a:effectLst>
                   <a:outerShdw blurRad="63500" dist="38099" dir="2700000" algn="ctr" rotWithShape="0">
                     <a:schemeClr val="bg2">
@@ -10256,7 +10256,7 @@
           </a:ln>
           <a:extLst>
             <a:ext uri="{91240B29-F687-4f45-9708-019B960494DF}">
-              <a14:hiddenLine xmlns="" xmlns:a14="http://schemas.microsoft.com/office/drawing/2010/main" w="25400" cap="flat" cmpd="sng" algn="ctr">
+              <a14:hiddenLine xmlns:a14="http://schemas.microsoft.com/office/drawing/2010/main" xmlns="" w="25400" cap="flat" cmpd="sng" algn="ctr">
                 <a:solidFill>
                   <a:srgbClr val="000000"/>
                 </a:solidFill>
@@ -10267,7 +10267,7 @@
               </a14:hiddenLine>
             </a:ext>
             <a:ext uri="{AF507438-7753-43e0-B8FC-AC1667EBCBE1}">
-              <a14:hiddenEffects xmlns="" xmlns:a14="http://schemas.microsoft.com/office/drawing/2010/main">
+              <a14:hiddenEffects xmlns:a14="http://schemas.microsoft.com/office/drawing/2010/main" xmlns="">
                 <a:effectLst>
                   <a:outerShdw blurRad="63500" dist="38099" dir="2700000" algn="ctr" rotWithShape="0">
                     <a:schemeClr val="bg2">
@@ -10316,7 +10316,7 @@
           </a:ln>
           <a:extLst>
             <a:ext uri="{91240B29-F687-4f45-9708-019B960494DF}">
-              <a14:hiddenLine xmlns="" xmlns:a14="http://schemas.microsoft.com/office/drawing/2010/main" w="25400" cap="flat" cmpd="sng" algn="ctr">
+              <a14:hiddenLine xmlns:a14="http://schemas.microsoft.com/office/drawing/2010/main" xmlns="" w="25400" cap="flat" cmpd="sng" algn="ctr">
                 <a:solidFill>
                   <a:srgbClr val="000000"/>
                 </a:solidFill>
@@ -10327,7 +10327,7 @@
               </a14:hiddenLine>
             </a:ext>
             <a:ext uri="{AF507438-7753-43e0-B8FC-AC1667EBCBE1}">
-              <a14:hiddenEffects xmlns="" xmlns:a14="http://schemas.microsoft.com/office/drawing/2010/main">
+              <a14:hiddenEffects xmlns:a14="http://schemas.microsoft.com/office/drawing/2010/main" xmlns="">
                 <a:effectLst>
                   <a:outerShdw blurRad="63500" dist="38099" dir="2700000" algn="ctr" rotWithShape="0">
                     <a:schemeClr val="bg2">
@@ -10377,7 +10377,7 @@
           </a:ln>
           <a:extLst>
             <a:ext uri="{91240B29-F687-4f45-9708-019B960494DF}">
-              <a14:hiddenLine xmlns="" xmlns:a14="http://schemas.microsoft.com/office/drawing/2010/main" w="25400" cap="flat" cmpd="sng" algn="ctr">
+              <a14:hiddenLine xmlns:a14="http://schemas.microsoft.com/office/drawing/2010/main" xmlns="" w="25400" cap="flat" cmpd="sng" algn="ctr">
                 <a:solidFill>
                   <a:srgbClr val="000000"/>
                 </a:solidFill>
@@ -10388,7 +10388,7 @@
               </a14:hiddenLine>
             </a:ext>
             <a:ext uri="{AF507438-7753-43e0-B8FC-AC1667EBCBE1}">
-              <a14:hiddenEffects xmlns="" xmlns:a14="http://schemas.microsoft.com/office/drawing/2010/main">
+              <a14:hiddenEffects xmlns:a14="http://schemas.microsoft.com/office/drawing/2010/main" xmlns="">
                 <a:effectLst>
                   <a:outerShdw blurRad="63500" dist="38099" dir="2700000" algn="ctr" rotWithShape="0">
                     <a:schemeClr val="bg2">
@@ -10438,7 +10438,7 @@
           </a:ln>
           <a:extLst>
             <a:ext uri="{91240B29-F687-4f45-9708-019B960494DF}">
-              <a14:hiddenLine xmlns="" xmlns:a14="http://schemas.microsoft.com/office/drawing/2010/main" w="25400" cap="flat" cmpd="sng" algn="ctr">
+              <a14:hiddenLine xmlns:a14="http://schemas.microsoft.com/office/drawing/2010/main" xmlns="" w="25400" cap="flat" cmpd="sng" algn="ctr">
                 <a:solidFill>
                   <a:srgbClr val="000000"/>
                 </a:solidFill>
@@ -10449,7 +10449,7 @@
               </a14:hiddenLine>
             </a:ext>
             <a:ext uri="{AF507438-7753-43e0-B8FC-AC1667EBCBE1}">
-              <a14:hiddenEffects xmlns="" xmlns:a14="http://schemas.microsoft.com/office/drawing/2010/main">
+              <a14:hiddenEffects xmlns:a14="http://schemas.microsoft.com/office/drawing/2010/main" xmlns="">
                 <a:effectLst>
                   <a:outerShdw blurRad="63500" dist="38099" dir="2700000" algn="ctr" rotWithShape="0">
                     <a:schemeClr val="bg2">
@@ -10499,7 +10499,7 @@
           </a:ln>
           <a:extLst>
             <a:ext uri="{91240B29-F687-4f45-9708-019B960494DF}">
-              <a14:hiddenLine xmlns="" xmlns:a14="http://schemas.microsoft.com/office/drawing/2010/main" w="25400" cap="flat" cmpd="sng" algn="ctr">
+              <a14:hiddenLine xmlns:a14="http://schemas.microsoft.com/office/drawing/2010/main" xmlns="" w="25400" cap="flat" cmpd="sng" algn="ctr">
                 <a:solidFill>
                   <a:srgbClr val="000000"/>
                 </a:solidFill>
@@ -10510,7 +10510,7 @@
               </a14:hiddenLine>
             </a:ext>
             <a:ext uri="{AF507438-7753-43e0-B8FC-AC1667EBCBE1}">
-              <a14:hiddenEffects xmlns="" xmlns:a14="http://schemas.microsoft.com/office/drawing/2010/main">
+              <a14:hiddenEffects xmlns:a14="http://schemas.microsoft.com/office/drawing/2010/main" xmlns="">
                 <a:effectLst>
                   <a:outerShdw blurRad="63500" dist="38099" dir="2700000" algn="ctr" rotWithShape="0">
                     <a:schemeClr val="bg2">
@@ -12639,7 +12639,7 @@
           </a:ln>
           <a:extLst>
             <a:ext uri="{91240B29-F687-4f45-9708-019B960494DF}">
-              <a14:hiddenLine xmlns="" xmlns:a14="http://schemas.microsoft.com/office/drawing/2010/main" w="25400" cap="flat" cmpd="sng" algn="ctr">
+              <a14:hiddenLine xmlns:a14="http://schemas.microsoft.com/office/drawing/2010/main" xmlns="" w="25400" cap="flat" cmpd="sng" algn="ctr">
                 <a:solidFill>
                   <a:srgbClr val="000000"/>
                 </a:solidFill>
@@ -12650,7 +12650,7 @@
               </a14:hiddenLine>
             </a:ext>
             <a:ext uri="{AF507438-7753-43e0-B8FC-AC1667EBCBE1}">
-              <a14:hiddenEffects xmlns="" xmlns:a14="http://schemas.microsoft.com/office/drawing/2010/main">
+              <a14:hiddenEffects xmlns:a14="http://schemas.microsoft.com/office/drawing/2010/main" xmlns="">
                 <a:effectLst>
                   <a:outerShdw blurRad="63500" dist="38099" dir="2700000" algn="ctr" rotWithShape="0">
                     <a:schemeClr val="bg2">
@@ -12700,7 +12700,7 @@
           </a:ln>
           <a:extLst>
             <a:ext uri="{91240B29-F687-4f45-9708-019B960494DF}">
-              <a14:hiddenLine xmlns="" xmlns:a14="http://schemas.microsoft.com/office/drawing/2010/main" w="25400" cap="flat" cmpd="sng" algn="ctr">
+              <a14:hiddenLine xmlns:a14="http://schemas.microsoft.com/office/drawing/2010/main" xmlns="" w="25400" cap="flat" cmpd="sng" algn="ctr">
                 <a:solidFill>
                   <a:srgbClr val="000000"/>
                 </a:solidFill>
@@ -12711,7 +12711,7 @@
               </a14:hiddenLine>
             </a:ext>
             <a:ext uri="{AF507438-7753-43e0-B8FC-AC1667EBCBE1}">
-              <a14:hiddenEffects xmlns="" xmlns:a14="http://schemas.microsoft.com/office/drawing/2010/main">
+              <a14:hiddenEffects xmlns:a14="http://schemas.microsoft.com/office/drawing/2010/main" xmlns="">
                 <a:effectLst>
                   <a:outerShdw blurRad="63500" dist="38099" dir="2700000" algn="ctr" rotWithShape="0">
                     <a:schemeClr val="bg2">
@@ -12761,7 +12761,7 @@
           </a:ln>
           <a:extLst>
             <a:ext uri="{91240B29-F687-4f45-9708-019B960494DF}">
-              <a14:hiddenLine xmlns="" xmlns:a14="http://schemas.microsoft.com/office/drawing/2010/main" w="25400" cap="flat" cmpd="sng" algn="ctr">
+              <a14:hiddenLine xmlns:a14="http://schemas.microsoft.com/office/drawing/2010/main" xmlns="" w="25400" cap="flat" cmpd="sng" algn="ctr">
                 <a:solidFill>
                   <a:srgbClr val="000000"/>
                 </a:solidFill>
@@ -12772,7 +12772,7 @@
               </a14:hiddenLine>
             </a:ext>
             <a:ext uri="{AF507438-7753-43e0-B8FC-AC1667EBCBE1}">
-              <a14:hiddenEffects xmlns="" xmlns:a14="http://schemas.microsoft.com/office/drawing/2010/main">
+              <a14:hiddenEffects xmlns:a14="http://schemas.microsoft.com/office/drawing/2010/main" xmlns="">
                 <a:effectLst>
                   <a:outerShdw blurRad="63500" dist="38099" dir="2700000" algn="ctr" rotWithShape="0">
                     <a:schemeClr val="bg2">
@@ -12825,7 +12825,7 @@
           </a:ln>
           <a:extLst>
             <a:ext uri="{91240B29-F687-4f45-9708-019B960494DF}">
-              <a14:hiddenLine xmlns="" xmlns:a14="http://schemas.microsoft.com/office/drawing/2010/main" w="25400" cap="flat" cmpd="sng" algn="ctr">
+              <a14:hiddenLine xmlns:a14="http://schemas.microsoft.com/office/drawing/2010/main" xmlns="" w="25400" cap="flat" cmpd="sng" algn="ctr">
                 <a:solidFill>
                   <a:srgbClr val="000000"/>
                 </a:solidFill>
@@ -12836,7 +12836,7 @@
               </a14:hiddenLine>
             </a:ext>
             <a:ext uri="{AF507438-7753-43e0-B8FC-AC1667EBCBE1}">
-              <a14:hiddenEffects xmlns="" xmlns:a14="http://schemas.microsoft.com/office/drawing/2010/main">
+              <a14:hiddenEffects xmlns:a14="http://schemas.microsoft.com/office/drawing/2010/main" xmlns="">
                 <a:effectLst>
                   <a:outerShdw blurRad="63500" dist="38099" dir="2700000" algn="ctr" rotWithShape="0">
                     <a:schemeClr val="bg2">
@@ -13496,7 +13496,7 @@
           </a:ln>
           <a:extLst>
             <a:ext uri="{91240B29-F687-4f45-9708-019B960494DF}">
-              <a14:hiddenLine xmlns="" xmlns:a14="http://schemas.microsoft.com/office/drawing/2010/main" w="25400" cap="flat" cmpd="sng" algn="ctr">
+              <a14:hiddenLine xmlns:a14="http://schemas.microsoft.com/office/drawing/2010/main" xmlns="" w="25400" cap="flat" cmpd="sng" algn="ctr">
                 <a:solidFill>
                   <a:srgbClr val="000000"/>
                 </a:solidFill>
@@ -13507,7 +13507,7 @@
               </a14:hiddenLine>
             </a:ext>
             <a:ext uri="{AF507438-7753-43e0-B8FC-AC1667EBCBE1}">
-              <a14:hiddenEffects xmlns="" xmlns:a14="http://schemas.microsoft.com/office/drawing/2010/main">
+              <a14:hiddenEffects xmlns:a14="http://schemas.microsoft.com/office/drawing/2010/main" xmlns="">
                 <a:effectLst>
                   <a:outerShdw blurRad="63500" dist="38099" dir="2700000" algn="ctr" rotWithShape="0">
                     <a:schemeClr val="bg2">
@@ -13557,7 +13557,7 @@
           </a:ln>
           <a:extLst>
             <a:ext uri="{91240B29-F687-4f45-9708-019B960494DF}">
-              <a14:hiddenLine xmlns="" xmlns:a14="http://schemas.microsoft.com/office/drawing/2010/main" w="25400" cap="flat" cmpd="sng" algn="ctr">
+              <a14:hiddenLine xmlns:a14="http://schemas.microsoft.com/office/drawing/2010/main" xmlns="" w="25400" cap="flat" cmpd="sng" algn="ctr">
                 <a:solidFill>
                   <a:srgbClr val="000000"/>
                 </a:solidFill>
@@ -13568,7 +13568,7 @@
               </a14:hiddenLine>
             </a:ext>
             <a:ext uri="{AF507438-7753-43e0-B8FC-AC1667EBCBE1}">
-              <a14:hiddenEffects xmlns="" xmlns:a14="http://schemas.microsoft.com/office/drawing/2010/main">
+              <a14:hiddenEffects xmlns:a14="http://schemas.microsoft.com/office/drawing/2010/main" xmlns="">
                 <a:effectLst>
                   <a:outerShdw blurRad="63500" dist="38099" dir="2700000" algn="ctr" rotWithShape="0">
                     <a:schemeClr val="bg2">
@@ -13618,7 +13618,7 @@
           </a:ln>
           <a:extLst>
             <a:ext uri="{91240B29-F687-4f45-9708-019B960494DF}">
-              <a14:hiddenLine xmlns="" xmlns:a14="http://schemas.microsoft.com/office/drawing/2010/main" w="25400" cap="flat" cmpd="sng" algn="ctr">
+              <a14:hiddenLine xmlns:a14="http://schemas.microsoft.com/office/drawing/2010/main" xmlns="" w="25400" cap="flat" cmpd="sng" algn="ctr">
                 <a:solidFill>
                   <a:srgbClr val="000000"/>
                 </a:solidFill>
@@ -13629,7 +13629,7 @@
               </a14:hiddenLine>
             </a:ext>
             <a:ext uri="{AF507438-7753-43e0-B8FC-AC1667EBCBE1}">
-              <a14:hiddenEffects xmlns="" xmlns:a14="http://schemas.microsoft.com/office/drawing/2010/main">
+              <a14:hiddenEffects xmlns:a14="http://schemas.microsoft.com/office/drawing/2010/main" xmlns="">
                 <a:effectLst>
                   <a:outerShdw blurRad="63500" dist="38099" dir="2700000" algn="ctr" rotWithShape="0">
                     <a:schemeClr val="bg2">
@@ -13679,7 +13679,7 @@
           </a:ln>
           <a:extLst>
             <a:ext uri="{91240B29-F687-4f45-9708-019B960494DF}">
-              <a14:hiddenLine xmlns="" xmlns:a14="http://schemas.microsoft.com/office/drawing/2010/main" w="25400" cap="flat" cmpd="sng" algn="ctr">
+              <a14:hiddenLine xmlns:a14="http://schemas.microsoft.com/office/drawing/2010/main" xmlns="" w="25400" cap="flat" cmpd="sng" algn="ctr">
                 <a:solidFill>
                   <a:srgbClr val="000000"/>
                 </a:solidFill>
@@ -13690,7 +13690,7 @@
               </a14:hiddenLine>
             </a:ext>
             <a:ext uri="{AF507438-7753-43e0-B8FC-AC1667EBCBE1}">
-              <a14:hiddenEffects xmlns="" xmlns:a14="http://schemas.microsoft.com/office/drawing/2010/main">
+              <a14:hiddenEffects xmlns:a14="http://schemas.microsoft.com/office/drawing/2010/main" xmlns="">
                 <a:effectLst>
                   <a:outerShdw blurRad="63500" dist="38099" dir="2700000" algn="ctr" rotWithShape="0">
                     <a:schemeClr val="bg2">
@@ -13740,7 +13740,7 @@
           </a:ln>
           <a:extLst>
             <a:ext uri="{91240B29-F687-4f45-9708-019B960494DF}">
-              <a14:hiddenLine xmlns="" xmlns:a14="http://schemas.microsoft.com/office/drawing/2010/main" w="25400" cap="flat" cmpd="sng" algn="ctr">
+              <a14:hiddenLine xmlns:a14="http://schemas.microsoft.com/office/drawing/2010/main" xmlns="" w="25400" cap="flat" cmpd="sng" algn="ctr">
                 <a:solidFill>
                   <a:srgbClr val="000000"/>
                 </a:solidFill>
@@ -13751,7 +13751,7 @@
               </a14:hiddenLine>
             </a:ext>
             <a:ext uri="{AF507438-7753-43e0-B8FC-AC1667EBCBE1}">
-              <a14:hiddenEffects xmlns="" xmlns:a14="http://schemas.microsoft.com/office/drawing/2010/main">
+              <a14:hiddenEffects xmlns:a14="http://schemas.microsoft.com/office/drawing/2010/main" xmlns="">
                 <a:effectLst>
                   <a:outerShdw blurRad="63500" dist="38099" dir="2700000" algn="ctr" rotWithShape="0">
                     <a:schemeClr val="bg2">
@@ -15562,18 +15562,11 @@
           <a:lstStyle/>
           <a:p>
             <a:r>
-              <a:rPr lang="en-US" altLang="zh-CN" b="1" dirty="0" err="1">
+              <a:rPr lang="en-US" altLang="zh-CN" b="1" dirty="0">
                 <a:latin typeface="微软雅黑" panose="020B0503020204020204" pitchFamily="34" charset="-122"/>
                 <a:ea typeface="微软雅黑" panose="020B0503020204020204" pitchFamily="34" charset="-122"/>
               </a:rPr>
-              <a:t>gcc</a:t>
-            </a:r>
-            <a:r>
-              <a:rPr lang="en-US" altLang="zh-CN" b="1" dirty="0">
-                <a:latin typeface="微软雅黑" panose="020B0503020204020204" pitchFamily="34" charset="-122"/>
-                <a:ea typeface="微软雅黑" panose="020B0503020204020204" pitchFamily="34" charset="-122"/>
-              </a:rPr>
-              <a:t> 4.1.2 STL Internals —— STRING</a:t>
+              <a:t>Custom Data Structure</a:t>
             </a:r>
             <a:endParaRPr lang="zh-CN" altLang="en-US" b="1" dirty="0">
               <a:latin typeface="微软雅黑" panose="020B0503020204020204" pitchFamily="34" charset="-122"/>
@@ -15582,9 +15575,65 @@
           </a:p>
         </p:txBody>
       </p:sp>
+      <p:sp>
+        <p:nvSpPr>
+          <p:cNvPr id="7" name="内容占位符 2"/>
+          <p:cNvSpPr>
+            <a:spLocks noGrp="1"/>
+          </p:cNvSpPr>
+          <p:nvPr>
+            <p:ph idx="1"/>
+          </p:nvPr>
+        </p:nvSpPr>
+        <p:spPr>
+          <a:xfrm>
+            <a:off x="7438504" y="7832923"/>
+            <a:ext cx="4896544" cy="973367"/>
+          </a:xfrm>
+        </p:spPr>
+        <p:txBody>
+          <a:bodyPr/>
+          <a:lstStyle/>
+          <a:p>
+            <a:pPr marL="0" indent="0">
+              <a:buNone/>
+            </a:pPr>
+            <a:r>
+              <a:rPr lang="en-US" altLang="zh-CN" sz="3200" dirty="0">
+                <a:latin typeface="微软雅黑" panose="020B0503020204020204" pitchFamily="34" charset="-122"/>
+                <a:ea typeface="微软雅黑" panose="020B0503020204020204" pitchFamily="34" charset="-122"/>
+              </a:rPr>
+              <a:t>(</a:t>
+            </a:r>
+            <a:r>
+              <a:rPr lang="en-US" altLang="zh-CN" sz="3200" dirty="0" err="1">
+                <a:latin typeface="微软雅黑" panose="020B0503020204020204" pitchFamily="34" charset="-122"/>
+                <a:ea typeface="微软雅黑" panose="020B0503020204020204" pitchFamily="34" charset="-122"/>
+              </a:rPr>
+              <a:t>gdb</a:t>
+            </a:r>
+            <a:r>
+              <a:rPr lang="en-US" altLang="zh-CN" sz="3200" dirty="0">
+                <a:latin typeface="微软雅黑" panose="020B0503020204020204" pitchFamily="34" charset="-122"/>
+                <a:ea typeface="微软雅黑" panose="020B0503020204020204" pitchFamily="34" charset="-122"/>
+              </a:rPr>
+              <a:t>) set print pretty on</a:t>
+            </a:r>
+          </a:p>
+          <a:p>
+            <a:pPr marL="0" indent="0">
+              <a:buNone/>
+            </a:pPr>
+            <a:endParaRPr lang="zh-CN" altLang="en-US" sz="3200" dirty="0">
+              <a:latin typeface="微软雅黑" panose="020B0503020204020204" pitchFamily="34" charset="-122"/>
+              <a:ea typeface="微软雅黑" panose="020B0503020204020204" pitchFamily="34" charset="-122"/>
+            </a:endParaRPr>
+          </a:p>
+        </p:txBody>
+      </p:sp>
       <p:pic>
         <p:nvPicPr>
-          <p:cNvPr id="9" name="图片 8"/>
+          <p:cNvPr id="3" name="图片 2"/>
           <p:cNvPicPr>
             <a:picLocks noChangeAspect="1"/>
           </p:cNvPicPr>
@@ -15598,17 +15647,22 @@
         </p:blipFill>
         <p:spPr>
           <a:xfrm>
-            <a:off x="388676" y="5926175"/>
-            <a:ext cx="10802810" cy="1531272"/>
+            <a:off x="1029792" y="1564430"/>
+            <a:ext cx="3687619" cy="3509524"/>
           </a:xfrm>
           <a:prstGeom prst="rect">
             <a:avLst/>
           </a:prstGeom>
+          <a:ln>
+            <a:solidFill>
+              <a:schemeClr val="tx1"/>
+            </a:solidFill>
+          </a:ln>
         </p:spPr>
       </p:pic>
       <p:pic>
         <p:nvPicPr>
-          <p:cNvPr id="11" name="图片 10"/>
+          <p:cNvPr id="4" name="图片 3"/>
           <p:cNvPicPr>
             <a:picLocks noChangeAspect="1"/>
           </p:cNvPicPr>
@@ -15622,17 +15676,63 @@
         </p:blipFill>
         <p:spPr>
           <a:xfrm>
-            <a:off x="407374" y="8079897"/>
-            <a:ext cx="3917785" cy="973367"/>
+            <a:off x="5764360" y="1742525"/>
+            <a:ext cx="6662857" cy="3153334"/>
           </a:xfrm>
           <a:prstGeom prst="rect">
             <a:avLst/>
           </a:prstGeom>
+          <a:ln>
+            <a:solidFill>
+              <a:schemeClr val="tx1"/>
+            </a:solidFill>
+          </a:ln>
         </p:spPr>
       </p:pic>
+      <p:sp>
+        <p:nvSpPr>
+          <p:cNvPr id="14" name="椭圆 13"/>
+          <p:cNvSpPr/>
+          <p:nvPr/>
+        </p:nvSpPr>
+        <p:spPr bwMode="auto">
+          <a:xfrm>
+            <a:off x="6142360" y="4300736"/>
+            <a:ext cx="169885" cy="169885"/>
+          </a:xfrm>
+          <a:prstGeom prst="ellipse">
+            <a:avLst/>
+          </a:prstGeom>
+          <a:solidFill>
+            <a:srgbClr val="FF0000"/>
+          </a:solidFill>
+          <a:ln>
+            <a:solidFill>
+              <a:srgbClr val="FF0000"/>
+            </a:solidFill>
+          </a:ln>
+        </p:spPr>
+        <p:txBody>
+          <a:bodyPr lIns="457200" tIns="228600" rIns="457200" bIns="228600" rtlCol="0" anchor="ctr"/>
+          <a:lstStyle/>
+          <a:p>
+            <a:pPr algn="ctr">
+              <a:lnSpc>
+                <a:spcPct val="100000"/>
+              </a:lnSpc>
+            </a:pPr>
+            <a:endParaRPr lang="zh-CN" altLang="en-US" dirty="0">
+              <a:solidFill>
+                <a:schemeClr val="tx1"/>
+              </a:solidFill>
+              <a:ea typeface="ＭＳ Ｐゴシック" charset="0"/>
+            </a:endParaRPr>
+          </a:p>
+        </p:txBody>
+      </p:sp>
       <p:pic>
         <p:nvPicPr>
-          <p:cNvPr id="16" name="图片 15"/>
+          <p:cNvPr id="15" name="图片 14"/>
           <p:cNvPicPr>
             <a:picLocks noChangeAspect="1"/>
           </p:cNvPicPr>
@@ -15646,17 +15746,22 @@
         </p:blipFill>
         <p:spPr>
           <a:xfrm>
-            <a:off x="381000" y="1420416"/>
-            <a:ext cx="6436027" cy="3584839"/>
+            <a:off x="1029792" y="5956920"/>
+            <a:ext cx="11050470" cy="1402008"/>
           </a:xfrm>
           <a:prstGeom prst="rect">
             <a:avLst/>
           </a:prstGeom>
+          <a:ln>
+            <a:solidFill>
+              <a:schemeClr val="tx1"/>
+            </a:solidFill>
+          </a:ln>
         </p:spPr>
       </p:pic>
       <p:pic>
         <p:nvPicPr>
-          <p:cNvPr id="22" name="图片 21"/>
+          <p:cNvPr id="17" name="图片 16"/>
           <p:cNvPicPr>
             <a:picLocks noChangeAspect="1"/>
           </p:cNvPicPr>
@@ -15670,70 +15775,19 @@
         </p:blipFill>
         <p:spPr>
           <a:xfrm>
-            <a:off x="7582520" y="1420416"/>
-            <a:ext cx="4495209" cy="3584839"/>
+            <a:off x="1029791" y="7756178"/>
+            <a:ext cx="5976762" cy="1126858"/>
           </a:xfrm>
           <a:prstGeom prst="rect">
             <a:avLst/>
           </a:prstGeom>
+          <a:ln>
+            <a:solidFill>
+              <a:schemeClr val="tx1"/>
+            </a:solidFill>
+          </a:ln>
         </p:spPr>
       </p:pic>
-      <p:sp>
-        <p:nvSpPr>
-          <p:cNvPr id="7" name="内容占位符 2"/>
-          <p:cNvSpPr>
-            <a:spLocks noGrp="1"/>
-          </p:cNvSpPr>
-          <p:nvPr>
-            <p:ph idx="1"/>
-          </p:nvPr>
-        </p:nvSpPr>
-        <p:spPr>
-          <a:xfrm>
-            <a:off x="5790081" y="8076498"/>
-            <a:ext cx="6584520" cy="973367"/>
-          </a:xfrm>
-        </p:spPr>
-        <p:txBody>
-          <a:bodyPr/>
-          <a:lstStyle/>
-          <a:p>
-            <a:pPr marL="0" indent="0">
-              <a:buNone/>
-            </a:pPr>
-            <a:r>
-              <a:rPr lang="en-US" altLang="zh-CN" sz="3200" dirty="0">
-                <a:latin typeface="微软雅黑" panose="020B0503020204020204" pitchFamily="34" charset="-122"/>
-                <a:ea typeface="微软雅黑" panose="020B0503020204020204" pitchFamily="34" charset="-122"/>
-              </a:rPr>
-              <a:t>(</a:t>
-            </a:r>
-            <a:r>
-              <a:rPr lang="en-US" altLang="zh-CN" sz="3200" dirty="0" err="1">
-                <a:latin typeface="微软雅黑" panose="020B0503020204020204" pitchFamily="34" charset="-122"/>
-                <a:ea typeface="微软雅黑" panose="020B0503020204020204" pitchFamily="34" charset="-122"/>
-              </a:rPr>
-              <a:t>gdb</a:t>
-            </a:r>
-            <a:r>
-              <a:rPr lang="en-US" altLang="zh-CN" sz="3200" dirty="0">
-                <a:latin typeface="微软雅黑" panose="020B0503020204020204" pitchFamily="34" charset="-122"/>
-                <a:ea typeface="微软雅黑" panose="020B0503020204020204" pitchFamily="34" charset="-122"/>
-              </a:rPr>
-              <a:t>) set print pretty on</a:t>
-            </a:r>
-          </a:p>
-          <a:p>
-            <a:pPr marL="0" indent="0">
-              <a:buNone/>
-            </a:pPr>
-            <a:endParaRPr lang="zh-CN" altLang="en-US" sz="3200" dirty="0">
-              <a:latin typeface="微软雅黑" panose="020B0503020204020204" pitchFamily="34" charset="-122"/>
-              <a:ea typeface="微软雅黑" panose="020B0503020204020204" pitchFamily="34" charset="-122"/>
-            </a:endParaRPr>
-          </a:p>
-        </p:txBody>
-      </p:sp>
     </p:spTree>
     <p:extLst>
       <p:ext uri="{BB962C8B-B14F-4D97-AF65-F5344CB8AC3E}">
@@ -15745,6 +15799,89 @@
     <a:masterClrMapping/>
   </p:clrMapOvr>
   <p:transition/>
+  <p:timing>
+    <p:tnLst>
+      <p:par>
+        <p:cTn id="1" dur="indefinite" restart="never" nodeType="tmRoot">
+          <p:childTnLst>
+            <p:seq concurrent="1" nextAc="seek">
+              <p:cTn id="2" dur="indefinite" nodeType="mainSeq">
+                <p:childTnLst>
+                  <p:par>
+                    <p:cTn id="3" fill="hold">
+                      <p:stCondLst>
+                        <p:cond delay="indefinite"/>
+                      </p:stCondLst>
+                      <p:childTnLst>
+                        <p:par>
+                          <p:cTn id="4" fill="hold">
+                            <p:stCondLst>
+                              <p:cond delay="0"/>
+                            </p:stCondLst>
+                            <p:childTnLst>
+                              <p:par>
+                                <p:cTn id="5" presetID="10" presetClass="entr" presetSubtype="0" fill="hold" nodeType="clickEffect">
+                                  <p:stCondLst>
+                                    <p:cond delay="0"/>
+                                  </p:stCondLst>
+                                  <p:childTnLst>
+                                    <p:set>
+                                      <p:cBhvr>
+                                        <p:cTn id="6" dur="1" fill="hold">
+                                          <p:stCondLst>
+                                            <p:cond delay="0"/>
+                                          </p:stCondLst>
+                                        </p:cTn>
+                                        <p:tgtEl>
+                                          <p:spTgt spid="17"/>
+                                        </p:tgtEl>
+                                        <p:attrNameLst>
+                                          <p:attrName>style.visibility</p:attrName>
+                                        </p:attrNameLst>
+                                      </p:cBhvr>
+                                      <p:to>
+                                        <p:strVal val="visible"/>
+                                      </p:to>
+                                    </p:set>
+                                    <p:animEffect transition="in" filter="fade">
+                                      <p:cBhvr>
+                                        <p:cTn id="7" dur="500"/>
+                                        <p:tgtEl>
+                                          <p:spTgt spid="17"/>
+                                        </p:tgtEl>
+                                      </p:cBhvr>
+                                    </p:animEffect>
+                                  </p:childTnLst>
+                                </p:cTn>
+                              </p:par>
+                            </p:childTnLst>
+                          </p:cTn>
+                        </p:par>
+                      </p:childTnLst>
+                    </p:cTn>
+                  </p:par>
+                </p:childTnLst>
+              </p:cTn>
+              <p:prevCondLst>
+                <p:cond evt="onPrev" delay="0">
+                  <p:tgtEl>
+                    <p:sldTgt/>
+                  </p:tgtEl>
+                </p:cond>
+              </p:prevCondLst>
+              <p:nextCondLst>
+                <p:cond evt="onNext" delay="0">
+                  <p:tgtEl>
+                    <p:sldTgt/>
+                  </p:tgtEl>
+                </p:cond>
+              </p:nextCondLst>
+            </p:seq>
+          </p:childTnLst>
+        </p:cTn>
+      </p:par>
+    </p:tnLst>
+  </p:timing>
 </p:sld>
 </file>
 
@@ -16659,7 +16796,7 @@
             <a:effectLst/>
             <a:extLst>
               <a:ext uri="{91240B29-F687-4f45-9708-019B960494DF}">
-                <a14:hiddenLine xmlns="" xmlns:a14="http://schemas.microsoft.com/office/drawing/2010/main" w="25400" cap="flat" cmpd="sng" algn="ctr">
+                <a14:hiddenLine xmlns:a14="http://schemas.microsoft.com/office/drawing/2010/main" xmlns="" w="25400" cap="flat" cmpd="sng" algn="ctr">
                   <a:solidFill>
                     <a:srgbClr val="000000"/>
                   </a:solidFill>
@@ -16670,7 +16807,7 @@
                 </a14:hiddenLine>
               </a:ext>
               <a:ext uri="{AF507438-7753-43e0-B8FC-AC1667EBCBE1}">
-                <a14:hiddenEffects xmlns="" xmlns:a14="http://schemas.microsoft.com/office/drawing/2010/main">
+                <a14:hiddenEffects xmlns:a14="http://schemas.microsoft.com/office/drawing/2010/main" xmlns="">
                   <a:effectLst>
                     <a:outerShdw blurRad="63500" dist="38099" dir="2700000" algn="ctr" rotWithShape="0">
                       <a:schemeClr val="bg2">
@@ -16711,7 +16848,7 @@
             <a:effectLst/>
             <a:extLst>
               <a:ext uri="{91240B29-F687-4f45-9708-019B960494DF}">
-                <a14:hiddenLine xmlns="" xmlns:a14="http://schemas.microsoft.com/office/drawing/2010/main" w="25400" cap="flat" cmpd="sng" algn="ctr">
+                <a14:hiddenLine xmlns:a14="http://schemas.microsoft.com/office/drawing/2010/main" xmlns="" w="25400" cap="flat" cmpd="sng" algn="ctr">
                   <a:solidFill>
                     <a:srgbClr val="000000"/>
                   </a:solidFill>
@@ -16722,7 +16859,7 @@
                 </a14:hiddenLine>
               </a:ext>
               <a:ext uri="{AF507438-7753-43e0-B8FC-AC1667EBCBE1}">
-                <a14:hiddenEffects xmlns="" xmlns:a14="http://schemas.microsoft.com/office/drawing/2010/main">
+                <a14:hiddenEffects xmlns:a14="http://schemas.microsoft.com/office/drawing/2010/main" xmlns="">
                   <a:effectLst>
                     <a:outerShdw blurRad="63500" dist="38099" dir="2700000" algn="ctr" rotWithShape="0">
                       <a:schemeClr val="bg2">
@@ -16811,7 +16948,7 @@
             <a:effectLst/>
             <a:extLst>
               <a:ext uri="{91240B29-F687-4f45-9708-019B960494DF}">
-                <a14:hiddenLine xmlns="" xmlns:a14="http://schemas.microsoft.com/office/drawing/2010/main" w="25400" cap="flat" cmpd="sng" algn="ctr">
+                <a14:hiddenLine xmlns:a14="http://schemas.microsoft.com/office/drawing/2010/main" xmlns="" w="25400" cap="flat" cmpd="sng" algn="ctr">
                   <a:solidFill>
                     <a:srgbClr val="000000"/>
                   </a:solidFill>
@@ -16822,7 +16959,7 @@
                 </a14:hiddenLine>
               </a:ext>
               <a:ext uri="{AF507438-7753-43e0-B8FC-AC1667EBCBE1}">
-                <a14:hiddenEffects xmlns="" xmlns:a14="http://schemas.microsoft.com/office/drawing/2010/main">
+                <a14:hiddenEffects xmlns:a14="http://schemas.microsoft.com/office/drawing/2010/main" xmlns="">
                   <a:effectLst>
                     <a:outerShdw blurRad="63500" dist="38099" dir="2700000" algn="ctr" rotWithShape="0">
                       <a:schemeClr val="bg2">
@@ -16946,7 +17083,7 @@
             <a:effectLst/>
             <a:extLst>
               <a:ext uri="{91240B29-F687-4f45-9708-019B960494DF}">
-                <a14:hiddenLine xmlns="" xmlns:a14="http://schemas.microsoft.com/office/drawing/2010/main" w="25400" cap="flat" cmpd="sng" algn="ctr">
+                <a14:hiddenLine xmlns:a14="http://schemas.microsoft.com/office/drawing/2010/main" xmlns="" w="25400" cap="flat" cmpd="sng" algn="ctr">
                   <a:solidFill>
                     <a:srgbClr val="000000"/>
                   </a:solidFill>
@@ -16957,7 +17094,7 @@
                 </a14:hiddenLine>
               </a:ext>
               <a:ext uri="{AF507438-7753-43e0-B8FC-AC1667EBCBE1}">
-                <a14:hiddenEffects xmlns="" xmlns:a14="http://schemas.microsoft.com/office/drawing/2010/main">
+                <a14:hiddenEffects xmlns:a14="http://schemas.microsoft.com/office/drawing/2010/main" xmlns="">
                   <a:effectLst>
                     <a:outerShdw blurRad="63500" dist="38099" dir="2700000" algn="ctr" rotWithShape="0">
                       <a:schemeClr val="bg2">
@@ -18384,7 +18521,7 @@
             <a:effectLst/>
             <a:extLst>
               <a:ext uri="{91240B29-F687-4f45-9708-019B960494DF}">
-                <a14:hiddenLine xmlns="" xmlns:a14="http://schemas.microsoft.com/office/drawing/2010/main" w="25400" cap="flat" cmpd="sng" algn="ctr">
+                <a14:hiddenLine xmlns:a14="http://schemas.microsoft.com/office/drawing/2010/main" xmlns="" w="25400" cap="flat" cmpd="sng" algn="ctr">
                   <a:solidFill>
                     <a:srgbClr val="000000"/>
                   </a:solidFill>
@@ -18395,7 +18532,7 @@
                 </a14:hiddenLine>
               </a:ext>
               <a:ext uri="{AF507438-7753-43e0-B8FC-AC1667EBCBE1}">
-                <a14:hiddenEffects xmlns="" xmlns:a14="http://schemas.microsoft.com/office/drawing/2010/main">
+                <a14:hiddenEffects xmlns:a14="http://schemas.microsoft.com/office/drawing/2010/main" xmlns="">
                   <a:effectLst>
                     <a:outerShdw blurRad="63500" dist="38099" dir="2700000" algn="ctr" rotWithShape="0">
                       <a:schemeClr val="bg2">
@@ -18437,7 +18574,7 @@
             <a:effectLst/>
             <a:extLst>
               <a:ext uri="{91240B29-F687-4f45-9708-019B960494DF}">
-                <a14:hiddenLine xmlns="" xmlns:a14="http://schemas.microsoft.com/office/drawing/2010/main" w="25400" cap="flat" cmpd="sng" algn="ctr">
+                <a14:hiddenLine xmlns:a14="http://schemas.microsoft.com/office/drawing/2010/main" xmlns="" w="25400" cap="flat" cmpd="sng" algn="ctr">
                   <a:solidFill>
                     <a:srgbClr val="000000"/>
                   </a:solidFill>
@@ -18448,7 +18585,7 @@
                 </a14:hiddenLine>
               </a:ext>
               <a:ext uri="{AF507438-7753-43e0-B8FC-AC1667EBCBE1}">
-                <a14:hiddenEffects xmlns="" xmlns:a14="http://schemas.microsoft.com/office/drawing/2010/main">
+                <a14:hiddenEffects xmlns:a14="http://schemas.microsoft.com/office/drawing/2010/main" xmlns="">
                   <a:effectLst>
                     <a:outerShdw blurRad="63500" dist="38099" dir="2700000" algn="ctr" rotWithShape="0">
                       <a:schemeClr val="bg2">
@@ -18487,7 +18624,7 @@
             <a:effectLst/>
             <a:extLst>
               <a:ext uri="{91240B29-F687-4f45-9708-019B960494DF}">
-                <a14:hiddenLine xmlns="" xmlns:a14="http://schemas.microsoft.com/office/drawing/2010/main" w="25400" cap="flat" cmpd="sng" algn="ctr">
+                <a14:hiddenLine xmlns:a14="http://schemas.microsoft.com/office/drawing/2010/main" xmlns="" w="25400" cap="flat" cmpd="sng" algn="ctr">
                   <a:solidFill>
                     <a:srgbClr val="000000"/>
                   </a:solidFill>
@@ -18498,7 +18635,7 @@
                 </a14:hiddenLine>
               </a:ext>
               <a:ext uri="{AF507438-7753-43e0-B8FC-AC1667EBCBE1}">
-                <a14:hiddenEffects xmlns="" xmlns:a14="http://schemas.microsoft.com/office/drawing/2010/main">
+                <a14:hiddenEffects xmlns:a14="http://schemas.microsoft.com/office/drawing/2010/main" xmlns="">
                   <a:effectLst>
                     <a:outerShdw blurRad="63500" dist="38099" dir="2700000" algn="ctr" rotWithShape="0">
                       <a:schemeClr val="bg2">
@@ -18540,7 +18677,7 @@
             <a:effectLst/>
             <a:extLst>
               <a:ext uri="{91240B29-F687-4f45-9708-019B960494DF}">
-                <a14:hiddenLine xmlns="" xmlns:a14="http://schemas.microsoft.com/office/drawing/2010/main" w="25400" cap="flat" cmpd="sng" algn="ctr">
+                <a14:hiddenLine xmlns:a14="http://schemas.microsoft.com/office/drawing/2010/main" xmlns="" w="25400" cap="flat" cmpd="sng" algn="ctr">
                   <a:solidFill>
                     <a:srgbClr val="000000"/>
                   </a:solidFill>
@@ -18551,7 +18688,7 @@
                 </a14:hiddenLine>
               </a:ext>
               <a:ext uri="{AF507438-7753-43e0-B8FC-AC1667EBCBE1}">
-                <a14:hiddenEffects xmlns="" xmlns:a14="http://schemas.microsoft.com/office/drawing/2010/main">
+                <a14:hiddenEffects xmlns:a14="http://schemas.microsoft.com/office/drawing/2010/main" xmlns="">
                   <a:effectLst>
                     <a:outerShdw blurRad="63500" dist="38099" dir="2700000" algn="ctr" rotWithShape="0">
                       <a:schemeClr val="bg2">
@@ -18590,7 +18727,7 @@
             <a:effectLst/>
             <a:extLst>
               <a:ext uri="{91240B29-F687-4f45-9708-019B960494DF}">
-                <a14:hiddenLine xmlns="" xmlns:a14="http://schemas.microsoft.com/office/drawing/2010/main" w="25400" cap="flat" cmpd="sng" algn="ctr">
+                <a14:hiddenLine xmlns:a14="http://schemas.microsoft.com/office/drawing/2010/main" xmlns="" w="25400" cap="flat" cmpd="sng" algn="ctr">
                   <a:solidFill>
                     <a:srgbClr val="000000"/>
                   </a:solidFill>
@@ -18601,7 +18738,7 @@
                 </a14:hiddenLine>
               </a:ext>
               <a:ext uri="{AF507438-7753-43e0-B8FC-AC1667EBCBE1}">
-                <a14:hiddenEffects xmlns="" xmlns:a14="http://schemas.microsoft.com/office/drawing/2010/main">
+                <a14:hiddenEffects xmlns:a14="http://schemas.microsoft.com/office/drawing/2010/main" xmlns="">
                   <a:effectLst>
                     <a:outerShdw blurRad="63500" dist="38099" dir="2700000" algn="ctr" rotWithShape="0">
                       <a:schemeClr val="bg2">
@@ -18643,7 +18780,7 @@
             <a:effectLst/>
             <a:extLst>
               <a:ext uri="{91240B29-F687-4f45-9708-019B960494DF}">
-                <a14:hiddenLine xmlns="" xmlns:a14="http://schemas.microsoft.com/office/drawing/2010/main" w="25400" cap="flat" cmpd="sng" algn="ctr">
+                <a14:hiddenLine xmlns:a14="http://schemas.microsoft.com/office/drawing/2010/main" xmlns="" w="25400" cap="flat" cmpd="sng" algn="ctr">
                   <a:solidFill>
                     <a:srgbClr val="000000"/>
                   </a:solidFill>
@@ -18654,7 +18791,7 @@
                 </a14:hiddenLine>
               </a:ext>
               <a:ext uri="{AF507438-7753-43e0-B8FC-AC1667EBCBE1}">
-                <a14:hiddenEffects xmlns="" xmlns:a14="http://schemas.microsoft.com/office/drawing/2010/main">
+                <a14:hiddenEffects xmlns:a14="http://schemas.microsoft.com/office/drawing/2010/main" xmlns="">
                   <a:effectLst>
                     <a:outerShdw blurRad="63500" dist="38099" dir="2700000" algn="ctr" rotWithShape="0">
                       <a:schemeClr val="bg2">
@@ -18699,7 +18836,7 @@
             <a:effectLst/>
             <a:extLst>
               <a:ext uri="{91240B29-F687-4f45-9708-019B960494DF}">
-                <a14:hiddenLine xmlns="" xmlns:a14="http://schemas.microsoft.com/office/drawing/2010/main" w="25400" cap="flat" cmpd="sng" algn="ctr">
+                <a14:hiddenLine xmlns:a14="http://schemas.microsoft.com/office/drawing/2010/main" xmlns="" w="25400" cap="flat" cmpd="sng" algn="ctr">
                   <a:solidFill>
                     <a:srgbClr val="000000"/>
                   </a:solidFill>
@@ -18710,7 +18847,7 @@
                 </a14:hiddenLine>
               </a:ext>
               <a:ext uri="{AF507438-7753-43e0-B8FC-AC1667EBCBE1}">
-                <a14:hiddenEffects xmlns="" xmlns:a14="http://schemas.microsoft.com/office/drawing/2010/main">
+                <a14:hiddenEffects xmlns:a14="http://schemas.microsoft.com/office/drawing/2010/main" xmlns="">
                   <a:effectLst>
                     <a:outerShdw blurRad="63500" dist="38099" dir="2700000" algn="ctr" rotWithShape="0">
                       <a:schemeClr val="bg2">
@@ -18752,7 +18889,7 @@
             <a:effectLst/>
             <a:extLst>
               <a:ext uri="{91240B29-F687-4f45-9708-019B960494DF}">
-                <a14:hiddenLine xmlns="" xmlns:a14="http://schemas.microsoft.com/office/drawing/2010/main" w="25400" cap="flat" cmpd="sng" algn="ctr">
+                <a14:hiddenLine xmlns:a14="http://schemas.microsoft.com/office/drawing/2010/main" xmlns="" w="25400" cap="flat" cmpd="sng" algn="ctr">
                   <a:solidFill>
                     <a:srgbClr val="000000"/>
                   </a:solidFill>
@@ -18763,7 +18900,7 @@
                 </a14:hiddenLine>
               </a:ext>
               <a:ext uri="{AF507438-7753-43e0-B8FC-AC1667EBCBE1}">
-                <a14:hiddenEffects xmlns="" xmlns:a14="http://schemas.microsoft.com/office/drawing/2010/main">
+                <a14:hiddenEffects xmlns:a14="http://schemas.microsoft.com/office/drawing/2010/main" xmlns="">
                   <a:effectLst>
                     <a:outerShdw blurRad="63500" dist="38099" dir="2700000" algn="ctr" rotWithShape="0">
                       <a:schemeClr val="bg2">
@@ -18808,7 +18945,7 @@
             <a:effectLst/>
             <a:extLst>
               <a:ext uri="{91240B29-F687-4f45-9708-019B960494DF}">
-                <a14:hiddenLine xmlns="" xmlns:a14="http://schemas.microsoft.com/office/drawing/2010/main" w="25400" cap="flat" cmpd="sng" algn="ctr">
+                <a14:hiddenLine xmlns:a14="http://schemas.microsoft.com/office/drawing/2010/main" xmlns="" w="25400" cap="flat" cmpd="sng" algn="ctr">
                   <a:solidFill>
                     <a:srgbClr val="000000"/>
                   </a:solidFill>
@@ -18819,7 +18956,7 @@
                 </a14:hiddenLine>
               </a:ext>
               <a:ext uri="{AF507438-7753-43e0-B8FC-AC1667EBCBE1}">
-                <a14:hiddenEffects xmlns="" xmlns:a14="http://schemas.microsoft.com/office/drawing/2010/main">
+                <a14:hiddenEffects xmlns:a14="http://schemas.microsoft.com/office/drawing/2010/main" xmlns="">
                   <a:effectLst>
                     <a:outerShdw blurRad="63500" dist="38099" dir="2700000" algn="ctr" rotWithShape="0">
                       <a:schemeClr val="bg2">
@@ -19650,7 +19787,7 @@
             <a:effectLst/>
             <a:extLst>
               <a:ext uri="{91240B29-F687-4f45-9708-019B960494DF}">
-                <a14:hiddenLine xmlns="" xmlns:a14="http://schemas.microsoft.com/office/drawing/2010/main" w="25400" cap="flat" cmpd="sng" algn="ctr">
+                <a14:hiddenLine xmlns:a14="http://schemas.microsoft.com/office/drawing/2010/main" xmlns="" w="25400" cap="flat" cmpd="sng" algn="ctr">
                   <a:solidFill>
                     <a:srgbClr val="000000"/>
                   </a:solidFill>
@@ -19661,7 +19798,7 @@
                 </a14:hiddenLine>
               </a:ext>
               <a:ext uri="{AF507438-7753-43e0-B8FC-AC1667EBCBE1}">
-                <a14:hiddenEffects xmlns="" xmlns:a14="http://schemas.microsoft.com/office/drawing/2010/main">
+                <a14:hiddenEffects xmlns:a14="http://schemas.microsoft.com/office/drawing/2010/main" xmlns="">
                   <a:effectLst>
                     <a:outerShdw blurRad="63500" dist="38099" dir="2700000" algn="ctr" rotWithShape="0">
                       <a:schemeClr val="bg2">
@@ -19703,7 +19840,7 @@
             <a:effectLst/>
             <a:extLst>
               <a:ext uri="{91240B29-F687-4f45-9708-019B960494DF}">
-                <a14:hiddenLine xmlns="" xmlns:a14="http://schemas.microsoft.com/office/drawing/2010/main" w="25400" cap="flat" cmpd="sng" algn="ctr">
+                <a14:hiddenLine xmlns:a14="http://schemas.microsoft.com/office/drawing/2010/main" xmlns="" w="25400" cap="flat" cmpd="sng" algn="ctr">
                   <a:solidFill>
                     <a:srgbClr val="000000"/>
                   </a:solidFill>
@@ -19714,7 +19851,7 @@
                 </a14:hiddenLine>
               </a:ext>
               <a:ext uri="{AF507438-7753-43e0-B8FC-AC1667EBCBE1}">
-                <a14:hiddenEffects xmlns="" xmlns:a14="http://schemas.microsoft.com/office/drawing/2010/main">
+                <a14:hiddenEffects xmlns:a14="http://schemas.microsoft.com/office/drawing/2010/main" xmlns="">
                   <a:effectLst>
                     <a:outerShdw blurRad="63500" dist="38099" dir="2700000" algn="ctr" rotWithShape="0">
                       <a:schemeClr val="bg2">
@@ -19753,7 +19890,7 @@
             <a:effectLst/>
             <a:extLst>
               <a:ext uri="{91240B29-F687-4f45-9708-019B960494DF}">
-                <a14:hiddenLine xmlns="" xmlns:a14="http://schemas.microsoft.com/office/drawing/2010/main" w="25400" cap="flat" cmpd="sng" algn="ctr">
+                <a14:hiddenLine xmlns:a14="http://schemas.microsoft.com/office/drawing/2010/main" xmlns="" w="25400" cap="flat" cmpd="sng" algn="ctr">
                   <a:solidFill>
                     <a:srgbClr val="000000"/>
                   </a:solidFill>
@@ -19764,7 +19901,7 @@
                 </a14:hiddenLine>
               </a:ext>
               <a:ext uri="{AF507438-7753-43e0-B8FC-AC1667EBCBE1}">
-                <a14:hiddenEffects xmlns="" xmlns:a14="http://schemas.microsoft.com/office/drawing/2010/main">
+                <a14:hiddenEffects xmlns:a14="http://schemas.microsoft.com/office/drawing/2010/main" xmlns="">
                   <a:effectLst>
                     <a:outerShdw blurRad="63500" dist="38099" dir="2700000" algn="ctr" rotWithShape="0">
                       <a:schemeClr val="bg2">
@@ -19806,7 +19943,7 @@
             <a:effectLst/>
             <a:extLst>
               <a:ext uri="{91240B29-F687-4f45-9708-019B960494DF}">
-                <a14:hiddenLine xmlns="" xmlns:a14="http://schemas.microsoft.com/office/drawing/2010/main" w="25400" cap="flat" cmpd="sng" algn="ctr">
+                <a14:hiddenLine xmlns:a14="http://schemas.microsoft.com/office/drawing/2010/main" xmlns="" w="25400" cap="flat" cmpd="sng" algn="ctr">
                   <a:solidFill>
                     <a:srgbClr val="000000"/>
                   </a:solidFill>
@@ -19817,7 +19954,7 @@
                 </a14:hiddenLine>
               </a:ext>
               <a:ext uri="{AF507438-7753-43e0-B8FC-AC1667EBCBE1}">
-                <a14:hiddenEffects xmlns="" xmlns:a14="http://schemas.microsoft.com/office/drawing/2010/main">
+                <a14:hiddenEffects xmlns:a14="http://schemas.microsoft.com/office/drawing/2010/main" xmlns="">
                   <a:effectLst>
                     <a:outerShdw blurRad="63500" dist="38099" dir="2700000" algn="ctr" rotWithShape="0">
                       <a:schemeClr val="bg2">
@@ -19856,7 +19993,7 @@
             <a:effectLst/>
             <a:extLst>
               <a:ext uri="{91240B29-F687-4f45-9708-019B960494DF}">
-                <a14:hiddenLine xmlns="" xmlns:a14="http://schemas.microsoft.com/office/drawing/2010/main" w="25400" cap="flat" cmpd="sng" algn="ctr">
+                <a14:hiddenLine xmlns:a14="http://schemas.microsoft.com/office/drawing/2010/main" xmlns="" w="25400" cap="flat" cmpd="sng" algn="ctr">
                   <a:solidFill>
                     <a:srgbClr val="000000"/>
                   </a:solidFill>
@@ -19867,7 +20004,7 @@
                 </a14:hiddenLine>
               </a:ext>
               <a:ext uri="{AF507438-7753-43e0-B8FC-AC1667EBCBE1}">
-                <a14:hiddenEffects xmlns="" xmlns:a14="http://schemas.microsoft.com/office/drawing/2010/main">
+                <a14:hiddenEffects xmlns:a14="http://schemas.microsoft.com/office/drawing/2010/main" xmlns="">
                   <a:effectLst>
                     <a:outerShdw blurRad="63500" dist="38099" dir="2700000" algn="ctr" rotWithShape="0">
                       <a:schemeClr val="bg2">
@@ -19909,7 +20046,7 @@
             <a:effectLst/>
             <a:extLst>
               <a:ext uri="{91240B29-F687-4f45-9708-019B960494DF}">
-                <a14:hiddenLine xmlns="" xmlns:a14="http://schemas.microsoft.com/office/drawing/2010/main" w="25400" cap="flat" cmpd="sng" algn="ctr">
+                <a14:hiddenLine xmlns:a14="http://schemas.microsoft.com/office/drawing/2010/main" xmlns="" w="25400" cap="flat" cmpd="sng" algn="ctr">
                   <a:solidFill>
                     <a:srgbClr val="000000"/>
                   </a:solidFill>
@@ -19920,7 +20057,7 @@
                 </a14:hiddenLine>
               </a:ext>
               <a:ext uri="{AF507438-7753-43e0-B8FC-AC1667EBCBE1}">
-                <a14:hiddenEffects xmlns="" xmlns:a14="http://schemas.microsoft.com/office/drawing/2010/main">
+                <a14:hiddenEffects xmlns:a14="http://schemas.microsoft.com/office/drawing/2010/main" xmlns="">
                   <a:effectLst>
                     <a:outerShdw blurRad="63500" dist="38099" dir="2700000" algn="ctr" rotWithShape="0">
                       <a:schemeClr val="bg2">
@@ -19965,7 +20102,7 @@
             <a:effectLst/>
             <a:extLst>
               <a:ext uri="{91240B29-F687-4f45-9708-019B960494DF}">
-                <a14:hiddenLine xmlns="" xmlns:a14="http://schemas.microsoft.com/office/drawing/2010/main" w="25400" cap="flat" cmpd="sng" algn="ctr">
+                <a14:hiddenLine xmlns:a14="http://schemas.microsoft.com/office/drawing/2010/main" xmlns="" w="25400" cap="flat" cmpd="sng" algn="ctr">
                   <a:solidFill>
                     <a:srgbClr val="000000"/>
                   </a:solidFill>
@@ -19976,7 +20113,7 @@
                 </a14:hiddenLine>
               </a:ext>
               <a:ext uri="{AF507438-7753-43e0-B8FC-AC1667EBCBE1}">
-                <a14:hiddenEffects xmlns="" xmlns:a14="http://schemas.microsoft.com/office/drawing/2010/main">
+                <a14:hiddenEffects xmlns:a14="http://schemas.microsoft.com/office/drawing/2010/main" xmlns="">
                   <a:effectLst>
                     <a:outerShdw blurRad="63500" dist="38099" dir="2700000" algn="ctr" rotWithShape="0">
                       <a:schemeClr val="bg2">
@@ -20018,7 +20155,7 @@
             <a:effectLst/>
             <a:extLst>
               <a:ext uri="{91240B29-F687-4f45-9708-019B960494DF}">
-                <a14:hiddenLine xmlns="" xmlns:a14="http://schemas.microsoft.com/office/drawing/2010/main" w="25400" cap="flat" cmpd="sng" algn="ctr">
+                <a14:hiddenLine xmlns:a14="http://schemas.microsoft.com/office/drawing/2010/main" xmlns="" w="25400" cap="flat" cmpd="sng" algn="ctr">
                   <a:solidFill>
                     <a:srgbClr val="000000"/>
                   </a:solidFill>
@@ -20029,7 +20166,7 @@
                 </a14:hiddenLine>
               </a:ext>
               <a:ext uri="{AF507438-7753-43e0-B8FC-AC1667EBCBE1}">
-                <a14:hiddenEffects xmlns="" xmlns:a14="http://schemas.microsoft.com/office/drawing/2010/main">
+                <a14:hiddenEffects xmlns:a14="http://schemas.microsoft.com/office/drawing/2010/main" xmlns="">
                   <a:effectLst>
                     <a:outerShdw blurRad="63500" dist="38099" dir="2700000" algn="ctr" rotWithShape="0">
                       <a:schemeClr val="bg2">
@@ -20074,7 +20211,7 @@
             <a:effectLst/>
             <a:extLst>
               <a:ext uri="{91240B29-F687-4f45-9708-019B960494DF}">
-                <a14:hiddenLine xmlns="" xmlns:a14="http://schemas.microsoft.com/office/drawing/2010/main" w="25400" cap="flat" cmpd="sng" algn="ctr">
+                <a14:hiddenLine xmlns:a14="http://schemas.microsoft.com/office/drawing/2010/main" xmlns="" w="25400" cap="flat" cmpd="sng" algn="ctr">
                   <a:solidFill>
                     <a:srgbClr val="000000"/>
                   </a:solidFill>
@@ -20085,7 +20222,7 @@
                 </a14:hiddenLine>
               </a:ext>
               <a:ext uri="{AF507438-7753-43e0-B8FC-AC1667EBCBE1}">
-                <a14:hiddenEffects xmlns="" xmlns:a14="http://schemas.microsoft.com/office/drawing/2010/main">
+                <a14:hiddenEffects xmlns:a14="http://schemas.microsoft.com/office/drawing/2010/main" xmlns="">
                   <a:effectLst>
                     <a:outerShdw blurRad="63500" dist="38099" dir="2700000" algn="ctr" rotWithShape="0">
                       <a:schemeClr val="bg2">
@@ -20245,7 +20382,7 @@
             </a:ln>
             <a:extLst>
               <a:ext uri="{91240B29-F687-4f45-9708-019B960494DF}">
-                <a14:hiddenLine xmlns="" xmlns:a14="http://schemas.microsoft.com/office/drawing/2010/main" w="25400" cap="flat" cmpd="sng" algn="ctr">
+                <a14:hiddenLine xmlns:a14="http://schemas.microsoft.com/office/drawing/2010/main" xmlns="" w="25400" cap="flat" cmpd="sng" algn="ctr">
                   <a:solidFill>
                     <a:srgbClr val="000000"/>
                   </a:solidFill>
@@ -20256,7 +20393,7 @@
                 </a14:hiddenLine>
               </a:ext>
               <a:ext uri="{AF507438-7753-43e0-B8FC-AC1667EBCBE1}">
-                <a14:hiddenEffects xmlns="" xmlns:a14="http://schemas.microsoft.com/office/drawing/2010/main">
+                <a14:hiddenEffects xmlns:a14="http://schemas.microsoft.com/office/drawing/2010/main" xmlns="">
                   <a:effectLst>
                     <a:outerShdw blurRad="63500" dist="38099" dir="2700000" algn="ctr" rotWithShape="0">
                       <a:schemeClr val="bg2">
@@ -20305,7 +20442,7 @@
             </a:ln>
             <a:extLst>
               <a:ext uri="{91240B29-F687-4f45-9708-019B960494DF}">
-                <a14:hiddenLine xmlns="" xmlns:a14="http://schemas.microsoft.com/office/drawing/2010/main" w="25400" cap="flat" cmpd="sng" algn="ctr">
+                <a14:hiddenLine xmlns:a14="http://schemas.microsoft.com/office/drawing/2010/main" xmlns="" w="25400" cap="flat" cmpd="sng" algn="ctr">
                   <a:solidFill>
                     <a:srgbClr val="000000"/>
                   </a:solidFill>
@@ -20316,7 +20453,7 @@
                 </a14:hiddenLine>
               </a:ext>
               <a:ext uri="{AF507438-7753-43e0-B8FC-AC1667EBCBE1}">
-                <a14:hiddenEffects xmlns="" xmlns:a14="http://schemas.microsoft.com/office/drawing/2010/main">
+                <a14:hiddenEffects xmlns:a14="http://schemas.microsoft.com/office/drawing/2010/main" xmlns="">
                   <a:effectLst>
                     <a:outerShdw blurRad="63500" dist="38099" dir="2700000" algn="ctr" rotWithShape="0">
                       <a:schemeClr val="bg2">
@@ -20394,7 +20531,7 @@
               </a:ln>
               <a:extLst>
                 <a:ext uri="{91240B29-F687-4f45-9708-019B960494DF}">
-                  <a14:hiddenLine xmlns="" xmlns:a14="http://schemas.microsoft.com/office/drawing/2010/main" w="25400" cap="flat" cmpd="sng" algn="ctr">
+                  <a14:hiddenLine xmlns:a14="http://schemas.microsoft.com/office/drawing/2010/main" xmlns="" w="25400" cap="flat" cmpd="sng" algn="ctr">
                     <a:solidFill>
                       <a:srgbClr val="000000"/>
                     </a:solidFill>
@@ -20405,7 +20542,7 @@
                   </a14:hiddenLine>
                 </a:ext>
                 <a:ext uri="{AF507438-7753-43e0-B8FC-AC1667EBCBE1}">
-                  <a14:hiddenEffects xmlns="" xmlns:a14="http://schemas.microsoft.com/office/drawing/2010/main">
+                  <a14:hiddenEffects xmlns:a14="http://schemas.microsoft.com/office/drawing/2010/main" xmlns="">
                     <a:effectLst>
                       <a:outerShdw blurRad="63500" dist="38099" dir="2700000" algn="ctr" rotWithShape="0">
                         <a:schemeClr val="bg2">
@@ -20453,7 +20590,7 @@
               </a:ln>
               <a:extLst>
                 <a:ext uri="{91240B29-F687-4f45-9708-019B960494DF}">
-                  <a14:hiddenLine xmlns="" xmlns:a14="http://schemas.microsoft.com/office/drawing/2010/main" w="25400" cap="flat" cmpd="sng" algn="ctr">
+                  <a14:hiddenLine xmlns:a14="http://schemas.microsoft.com/office/drawing/2010/main" xmlns="" w="25400" cap="flat" cmpd="sng" algn="ctr">
                     <a:solidFill>
                       <a:srgbClr val="000000"/>
                     </a:solidFill>
@@ -20464,7 +20601,7 @@
                   </a14:hiddenLine>
                 </a:ext>
                 <a:ext uri="{AF507438-7753-43e0-B8FC-AC1667EBCBE1}">
-                  <a14:hiddenEffects xmlns="" xmlns:a14="http://schemas.microsoft.com/office/drawing/2010/main">
+                  <a14:hiddenEffects xmlns:a14="http://schemas.microsoft.com/office/drawing/2010/main" xmlns="">
                     <a:effectLst>
                       <a:outerShdw blurRad="63500" dist="38099" dir="2700000" algn="ctr" rotWithShape="0">
                         <a:schemeClr val="bg2">
@@ -20528,7 +20665,7 @@
               </a:ln>
               <a:extLst>
                 <a:ext uri="{91240B29-F687-4f45-9708-019B960494DF}">
-                  <a14:hiddenLine xmlns="" xmlns:a14="http://schemas.microsoft.com/office/drawing/2010/main" w="25400" cap="flat" cmpd="sng" algn="ctr">
+                  <a14:hiddenLine xmlns:a14="http://schemas.microsoft.com/office/drawing/2010/main" xmlns="" w="25400" cap="flat" cmpd="sng" algn="ctr">
                     <a:solidFill>
                       <a:srgbClr val="000000"/>
                     </a:solidFill>
@@ -20539,7 +20676,7 @@
                   </a14:hiddenLine>
                 </a:ext>
                 <a:ext uri="{AF507438-7753-43e0-B8FC-AC1667EBCBE1}">
-                  <a14:hiddenEffects xmlns="" xmlns:a14="http://schemas.microsoft.com/office/drawing/2010/main">
+                  <a14:hiddenEffects xmlns:a14="http://schemas.microsoft.com/office/drawing/2010/main" xmlns="">
                     <a:effectLst>
                       <a:outerShdw blurRad="63500" dist="38099" dir="2700000" algn="ctr" rotWithShape="0">
                         <a:schemeClr val="bg2">
@@ -20587,7 +20724,7 @@
               </a:ln>
               <a:extLst>
                 <a:ext uri="{91240B29-F687-4f45-9708-019B960494DF}">
-                  <a14:hiddenLine xmlns="" xmlns:a14="http://schemas.microsoft.com/office/drawing/2010/main" w="25400" cap="flat" cmpd="sng" algn="ctr">
+                  <a14:hiddenLine xmlns:a14="http://schemas.microsoft.com/office/drawing/2010/main" xmlns="" w="25400" cap="flat" cmpd="sng" algn="ctr">
                     <a:solidFill>
                       <a:srgbClr val="000000"/>
                     </a:solidFill>
@@ -20598,7 +20735,7 @@
                   </a14:hiddenLine>
                 </a:ext>
                 <a:ext uri="{AF507438-7753-43e0-B8FC-AC1667EBCBE1}">
-                  <a14:hiddenEffects xmlns="" xmlns:a14="http://schemas.microsoft.com/office/drawing/2010/main">
+                  <a14:hiddenEffects xmlns:a14="http://schemas.microsoft.com/office/drawing/2010/main" xmlns="">
                     <a:effectLst>
                       <a:outerShdw blurRad="63500" dist="38099" dir="2700000" algn="ctr" rotWithShape="0">
                         <a:schemeClr val="bg2">
@@ -20662,7 +20799,7 @@
               </a:ln>
               <a:extLst>
                 <a:ext uri="{91240B29-F687-4f45-9708-019B960494DF}">
-                  <a14:hiddenLine xmlns="" xmlns:a14="http://schemas.microsoft.com/office/drawing/2010/main" w="25400" cap="flat" cmpd="sng" algn="ctr">
+                  <a14:hiddenLine xmlns:a14="http://schemas.microsoft.com/office/drawing/2010/main" xmlns="" w="25400" cap="flat" cmpd="sng" algn="ctr">
                     <a:solidFill>
                       <a:srgbClr val="000000"/>
                     </a:solidFill>
@@ -20673,7 +20810,7 @@
                   </a14:hiddenLine>
                 </a:ext>
                 <a:ext uri="{AF507438-7753-43e0-B8FC-AC1667EBCBE1}">
-                  <a14:hiddenEffects xmlns="" xmlns:a14="http://schemas.microsoft.com/office/drawing/2010/main">
+                  <a14:hiddenEffects xmlns:a14="http://schemas.microsoft.com/office/drawing/2010/main" xmlns="">
                     <a:effectLst>
                       <a:outerShdw blurRad="63500" dist="38099" dir="2700000" algn="ctr" rotWithShape="0">
                         <a:schemeClr val="bg2">
@@ -20721,7 +20858,7 @@
               </a:ln>
               <a:extLst>
                 <a:ext uri="{91240B29-F687-4f45-9708-019B960494DF}">
-                  <a14:hiddenLine xmlns="" xmlns:a14="http://schemas.microsoft.com/office/drawing/2010/main" w="25400" cap="flat" cmpd="sng" algn="ctr">
+                  <a14:hiddenLine xmlns:a14="http://schemas.microsoft.com/office/drawing/2010/main" xmlns="" w="25400" cap="flat" cmpd="sng" algn="ctr">
                     <a:solidFill>
                       <a:srgbClr val="000000"/>
                     </a:solidFill>
@@ -20732,7 +20869,7 @@
                   </a14:hiddenLine>
                 </a:ext>
                 <a:ext uri="{AF507438-7753-43e0-B8FC-AC1667EBCBE1}">
-                  <a14:hiddenEffects xmlns="" xmlns:a14="http://schemas.microsoft.com/office/drawing/2010/main">
+                  <a14:hiddenEffects xmlns:a14="http://schemas.microsoft.com/office/drawing/2010/main" xmlns="">
                     <a:effectLst>
                       <a:outerShdw blurRad="63500" dist="38099" dir="2700000" algn="ctr" rotWithShape="0">
                         <a:schemeClr val="bg2">
@@ -20810,7 +20947,7 @@
               </a:ln>
               <a:extLst>
                 <a:ext uri="{91240B29-F687-4f45-9708-019B960494DF}">
-                  <a14:hiddenLine xmlns="" xmlns:a14="http://schemas.microsoft.com/office/drawing/2010/main" w="25400" cap="flat" cmpd="sng" algn="ctr">
+                  <a14:hiddenLine xmlns:a14="http://schemas.microsoft.com/office/drawing/2010/main" xmlns="" w="25400" cap="flat" cmpd="sng" algn="ctr">
                     <a:solidFill>
                       <a:srgbClr val="000000"/>
                     </a:solidFill>
@@ -20821,7 +20958,7 @@
                   </a14:hiddenLine>
                 </a:ext>
                 <a:ext uri="{AF507438-7753-43e0-B8FC-AC1667EBCBE1}">
-                  <a14:hiddenEffects xmlns="" xmlns:a14="http://schemas.microsoft.com/office/drawing/2010/main">
+                  <a14:hiddenEffects xmlns:a14="http://schemas.microsoft.com/office/drawing/2010/main" xmlns="">
                     <a:effectLst>
                       <a:outerShdw blurRad="63500" dist="38099" dir="2700000" algn="ctr" rotWithShape="0">
                         <a:schemeClr val="bg2">
@@ -20870,7 +21007,7 @@
               </a:ln>
               <a:extLst>
                 <a:ext uri="{91240B29-F687-4f45-9708-019B960494DF}">
-                  <a14:hiddenLine xmlns="" xmlns:a14="http://schemas.microsoft.com/office/drawing/2010/main" w="25400" cap="flat" cmpd="sng" algn="ctr">
+                  <a14:hiddenLine xmlns:a14="http://schemas.microsoft.com/office/drawing/2010/main" xmlns="" w="25400" cap="flat" cmpd="sng" algn="ctr">
                     <a:solidFill>
                       <a:srgbClr val="000000"/>
                     </a:solidFill>
@@ -20881,7 +21018,7 @@
                   </a14:hiddenLine>
                 </a:ext>
                 <a:ext uri="{AF507438-7753-43e0-B8FC-AC1667EBCBE1}">
-                  <a14:hiddenEffects xmlns="" xmlns:a14="http://schemas.microsoft.com/office/drawing/2010/main">
+                  <a14:hiddenEffects xmlns:a14="http://schemas.microsoft.com/office/drawing/2010/main" xmlns="">
                     <a:effectLst>
                       <a:outerShdw blurRad="63500" dist="38099" dir="2700000" algn="ctr" rotWithShape="0">
                         <a:schemeClr val="bg2">
@@ -20930,7 +21067,7 @@
             </a:ln>
             <a:extLst>
               <a:ext uri="{91240B29-F687-4f45-9708-019B960494DF}">
-                <a14:hiddenLine xmlns="" xmlns:a14="http://schemas.microsoft.com/office/drawing/2010/main" w="25400" cap="flat" cmpd="sng" algn="ctr">
+                <a14:hiddenLine xmlns:a14="http://schemas.microsoft.com/office/drawing/2010/main" xmlns="" w="25400" cap="flat" cmpd="sng" algn="ctr">
                   <a:solidFill>
                     <a:srgbClr val="000000"/>
                   </a:solidFill>
@@ -20941,7 +21078,7 @@
                 </a14:hiddenLine>
               </a:ext>
               <a:ext uri="{AF507438-7753-43e0-B8FC-AC1667EBCBE1}">
-                <a14:hiddenEffects xmlns="" xmlns:a14="http://schemas.microsoft.com/office/drawing/2010/main">
+                <a14:hiddenEffects xmlns:a14="http://schemas.microsoft.com/office/drawing/2010/main" xmlns="">
                   <a:effectLst>
                     <a:outerShdw blurRad="63500" dist="38099" dir="2700000" algn="ctr" rotWithShape="0">
                       <a:schemeClr val="bg2">
@@ -21019,7 +21156,7 @@
               </a:ln>
               <a:extLst>
                 <a:ext uri="{91240B29-F687-4f45-9708-019B960494DF}">
-                  <a14:hiddenLine xmlns="" xmlns:a14="http://schemas.microsoft.com/office/drawing/2010/main" w="25400" cap="flat" cmpd="sng" algn="ctr">
+                  <a14:hiddenLine xmlns:a14="http://schemas.microsoft.com/office/drawing/2010/main" xmlns="" w="25400" cap="flat" cmpd="sng" algn="ctr">
                     <a:solidFill>
                       <a:srgbClr val="000000"/>
                     </a:solidFill>
@@ -21030,7 +21167,7 @@
                   </a14:hiddenLine>
                 </a:ext>
                 <a:ext uri="{AF507438-7753-43e0-B8FC-AC1667EBCBE1}">
-                  <a14:hiddenEffects xmlns="" xmlns:a14="http://schemas.microsoft.com/office/drawing/2010/main">
+                  <a14:hiddenEffects xmlns:a14="http://schemas.microsoft.com/office/drawing/2010/main" xmlns="">
                     <a:effectLst>
                       <a:outerShdw blurRad="63500" dist="38099" dir="2700000" algn="ctr" rotWithShape="0">
                         <a:schemeClr val="bg2">
@@ -21078,7 +21215,7 @@
               </a:ln>
               <a:extLst>
                 <a:ext uri="{91240B29-F687-4f45-9708-019B960494DF}">
-                  <a14:hiddenLine xmlns="" xmlns:a14="http://schemas.microsoft.com/office/drawing/2010/main" w="25400" cap="flat" cmpd="sng" algn="ctr">
+                  <a14:hiddenLine xmlns:a14="http://schemas.microsoft.com/office/drawing/2010/main" xmlns="" w="25400" cap="flat" cmpd="sng" algn="ctr">
                     <a:solidFill>
                       <a:srgbClr val="000000"/>
                     </a:solidFill>
@@ -21089,7 +21226,7 @@
                   </a14:hiddenLine>
                 </a:ext>
                 <a:ext uri="{AF507438-7753-43e0-B8FC-AC1667EBCBE1}">
-                  <a14:hiddenEffects xmlns="" xmlns:a14="http://schemas.microsoft.com/office/drawing/2010/main">
+                  <a14:hiddenEffects xmlns:a14="http://schemas.microsoft.com/office/drawing/2010/main" xmlns="">
                     <a:effectLst>
                       <a:outerShdw blurRad="63500" dist="38099" dir="2700000" algn="ctr" rotWithShape="0">
                         <a:schemeClr val="bg2">
@@ -21153,7 +21290,7 @@
               </a:ln>
               <a:extLst>
                 <a:ext uri="{91240B29-F687-4f45-9708-019B960494DF}">
-                  <a14:hiddenLine xmlns="" xmlns:a14="http://schemas.microsoft.com/office/drawing/2010/main" w="25400" cap="flat" cmpd="sng" algn="ctr">
+                  <a14:hiddenLine xmlns:a14="http://schemas.microsoft.com/office/drawing/2010/main" xmlns="" w="25400" cap="flat" cmpd="sng" algn="ctr">
                     <a:solidFill>
                       <a:srgbClr val="000000"/>
                     </a:solidFill>
@@ -21164,7 +21301,7 @@
                   </a14:hiddenLine>
                 </a:ext>
                 <a:ext uri="{AF507438-7753-43e0-B8FC-AC1667EBCBE1}">
-                  <a14:hiddenEffects xmlns="" xmlns:a14="http://schemas.microsoft.com/office/drawing/2010/main">
+                  <a14:hiddenEffects xmlns:a14="http://schemas.microsoft.com/office/drawing/2010/main" xmlns="">
                     <a:effectLst>
                       <a:outerShdw blurRad="63500" dist="38099" dir="2700000" algn="ctr" rotWithShape="0">
                         <a:schemeClr val="bg2">
@@ -21212,7 +21349,7 @@
               </a:ln>
               <a:extLst>
                 <a:ext uri="{91240B29-F687-4f45-9708-019B960494DF}">
-                  <a14:hiddenLine xmlns="" xmlns:a14="http://schemas.microsoft.com/office/drawing/2010/main" w="25400" cap="flat" cmpd="sng" algn="ctr">
+                  <a14:hiddenLine xmlns:a14="http://schemas.microsoft.com/office/drawing/2010/main" xmlns="" w="25400" cap="flat" cmpd="sng" algn="ctr">
                     <a:solidFill>
                       <a:srgbClr val="000000"/>
                     </a:solidFill>
@@ -21223,7 +21360,7 @@
                   </a14:hiddenLine>
                 </a:ext>
                 <a:ext uri="{AF507438-7753-43e0-B8FC-AC1667EBCBE1}">
-                  <a14:hiddenEffects xmlns="" xmlns:a14="http://schemas.microsoft.com/office/drawing/2010/main">
+                  <a14:hiddenEffects xmlns:a14="http://schemas.microsoft.com/office/drawing/2010/main" xmlns="">
                     <a:effectLst>
                       <a:outerShdw blurRad="63500" dist="38099" dir="2700000" algn="ctr" rotWithShape="0">
                         <a:schemeClr val="bg2">
@@ -21287,7 +21424,7 @@
               </a:ln>
               <a:extLst>
                 <a:ext uri="{91240B29-F687-4f45-9708-019B960494DF}">
-                  <a14:hiddenLine xmlns="" xmlns:a14="http://schemas.microsoft.com/office/drawing/2010/main" w="25400" cap="flat" cmpd="sng" algn="ctr">
+                  <a14:hiddenLine xmlns:a14="http://schemas.microsoft.com/office/drawing/2010/main" xmlns="" w="25400" cap="flat" cmpd="sng" algn="ctr">
                     <a:solidFill>
                       <a:srgbClr val="000000"/>
                     </a:solidFill>
@@ -21298,7 +21435,7 @@
                   </a14:hiddenLine>
                 </a:ext>
                 <a:ext uri="{AF507438-7753-43e0-B8FC-AC1667EBCBE1}">
-                  <a14:hiddenEffects xmlns="" xmlns:a14="http://schemas.microsoft.com/office/drawing/2010/main">
+                  <a14:hiddenEffects xmlns:a14="http://schemas.microsoft.com/office/drawing/2010/main" xmlns="">
                     <a:effectLst>
                       <a:outerShdw blurRad="63500" dist="38099" dir="2700000" algn="ctr" rotWithShape="0">
                         <a:schemeClr val="bg2">
@@ -21346,7 +21483,7 @@
               </a:ln>
               <a:extLst>
                 <a:ext uri="{91240B29-F687-4f45-9708-019B960494DF}">
-                  <a14:hiddenLine xmlns="" xmlns:a14="http://schemas.microsoft.com/office/drawing/2010/main" w="25400" cap="flat" cmpd="sng" algn="ctr">
+                  <a14:hiddenLine xmlns:a14="http://schemas.microsoft.com/office/drawing/2010/main" xmlns="" w="25400" cap="flat" cmpd="sng" algn="ctr">
                     <a:solidFill>
                       <a:srgbClr val="000000"/>
                     </a:solidFill>
@@ -21357,7 +21494,7 @@
                   </a14:hiddenLine>
                 </a:ext>
                 <a:ext uri="{AF507438-7753-43e0-B8FC-AC1667EBCBE1}">
-                  <a14:hiddenEffects xmlns="" xmlns:a14="http://schemas.microsoft.com/office/drawing/2010/main">
+                  <a14:hiddenEffects xmlns:a14="http://schemas.microsoft.com/office/drawing/2010/main" xmlns="">
                     <a:effectLst>
                       <a:outerShdw blurRad="63500" dist="38099" dir="2700000" algn="ctr" rotWithShape="0">
                         <a:schemeClr val="bg2">
@@ -21417,7 +21554,7 @@
             <a:ln/>
             <a:extLst>
               <a:ext uri="{91240B29-F687-4f45-9708-019B960494DF}">
-                <a14:hiddenLine xmlns="" xmlns:a14="http://schemas.microsoft.com/office/drawing/2010/main" w="25400" cap="flat" cmpd="sng" algn="ctr">
+                <a14:hiddenLine xmlns:a14="http://schemas.microsoft.com/office/drawing/2010/main" xmlns="" w="25400" cap="flat" cmpd="sng" algn="ctr">
                   <a:solidFill>
                     <a:srgbClr val="000000"/>
                   </a:solidFill>
@@ -21428,7 +21565,7 @@
                 </a14:hiddenLine>
               </a:ext>
               <a:ext uri="{AF507438-7753-43e0-B8FC-AC1667EBCBE1}">
-                <a14:hiddenEffects xmlns="" xmlns:a14="http://schemas.microsoft.com/office/drawing/2010/main">
+                <a14:hiddenEffects xmlns:a14="http://schemas.microsoft.com/office/drawing/2010/main" xmlns="">
                   <a:effectLst>
                     <a:outerShdw blurRad="63500" dist="38099" dir="2700000" algn="ctr" rotWithShape="0">
                       <a:schemeClr val="bg2">
@@ -21472,7 +21609,7 @@
             <a:ln/>
             <a:extLst>
               <a:ext uri="{91240B29-F687-4f45-9708-019B960494DF}">
-                <a14:hiddenLine xmlns="" xmlns:a14="http://schemas.microsoft.com/office/drawing/2010/main" w="25400" cap="flat" cmpd="sng" algn="ctr">
+                <a14:hiddenLine xmlns:a14="http://schemas.microsoft.com/office/drawing/2010/main" xmlns="" w="25400" cap="flat" cmpd="sng" algn="ctr">
                   <a:solidFill>
                     <a:srgbClr val="000000"/>
                   </a:solidFill>
@@ -21483,7 +21620,7 @@
                 </a14:hiddenLine>
               </a:ext>
               <a:ext uri="{AF507438-7753-43e0-B8FC-AC1667EBCBE1}">
-                <a14:hiddenEffects xmlns="" xmlns:a14="http://schemas.microsoft.com/office/drawing/2010/main">
+                <a14:hiddenEffects xmlns:a14="http://schemas.microsoft.com/office/drawing/2010/main" xmlns="">
                   <a:effectLst>
                     <a:outerShdw blurRad="63500" dist="38099" dir="2700000" algn="ctr" rotWithShape="0">
                       <a:schemeClr val="bg2">
@@ -21527,7 +21664,7 @@
             <a:ln/>
             <a:extLst>
               <a:ext uri="{91240B29-F687-4f45-9708-019B960494DF}">
-                <a14:hiddenLine xmlns="" xmlns:a14="http://schemas.microsoft.com/office/drawing/2010/main" w="25400" cap="flat" cmpd="sng" algn="ctr">
+                <a14:hiddenLine xmlns:a14="http://schemas.microsoft.com/office/drawing/2010/main" xmlns="" w="25400" cap="flat" cmpd="sng" algn="ctr">
                   <a:solidFill>
                     <a:srgbClr val="000000"/>
                   </a:solidFill>
@@ -21538,7 +21675,7 @@
                 </a14:hiddenLine>
               </a:ext>
               <a:ext uri="{AF507438-7753-43e0-B8FC-AC1667EBCBE1}">
-                <a14:hiddenEffects xmlns="" xmlns:a14="http://schemas.microsoft.com/office/drawing/2010/main">
+                <a14:hiddenEffects xmlns:a14="http://schemas.microsoft.com/office/drawing/2010/main" xmlns="">
                   <a:effectLst>
                     <a:outerShdw blurRad="63500" dist="38099" dir="2700000" algn="ctr" rotWithShape="0">
                       <a:schemeClr val="bg2">
@@ -22630,7 +22767,7 @@
         <a:effectLst/>
         <a:extLst>
           <a:ext uri="{91240B29-F687-4f45-9708-019B960494DF}">
-            <a14:hiddenLine xmlns="" xmlns:a14="http://schemas.microsoft.com/office/drawing/2010/main" w="25400" cap="flat" cmpd="sng" algn="ctr">
+            <a14:hiddenLine xmlns:a14="http://schemas.microsoft.com/office/drawing/2010/main" xmlns="" w="25400" cap="flat" cmpd="sng" algn="ctr">
               <a:solidFill>
                 <a:srgbClr val="000000"/>
               </a:solidFill>
@@ -22641,7 +22778,7 @@
             </a14:hiddenLine>
           </a:ext>
           <a:ext uri="{AF507438-7753-43e0-B8FC-AC1667EBCBE1}">
-            <a14:hiddenEffects xmlns="" xmlns:a14="http://schemas.microsoft.com/office/drawing/2010/main">
+            <a14:hiddenEffects xmlns:a14="http://schemas.microsoft.com/office/drawing/2010/main" xmlns="">
               <a:effectLst>
                 <a:outerShdw blurRad="63500" dist="38099" dir="2700000" algn="ctr" rotWithShape="0">
                   <a:schemeClr val="bg2">
@@ -23017,7 +23154,7 @@
         <a:effectLst/>
         <a:extLst>
           <a:ext uri="{91240B29-F687-4f45-9708-019B960494DF}">
-            <a14:hiddenLine xmlns="" xmlns:a14="http://schemas.microsoft.com/office/drawing/2010/main" w="25400" cap="flat" cmpd="sng" algn="ctr">
+            <a14:hiddenLine xmlns:a14="http://schemas.microsoft.com/office/drawing/2010/main" xmlns="" w="25400" cap="flat" cmpd="sng" algn="ctr">
               <a:solidFill>
                 <a:srgbClr val="000000"/>
               </a:solidFill>
@@ -23028,7 +23165,7 @@
             </a14:hiddenLine>
           </a:ext>
           <a:ext uri="{AF507438-7753-43e0-B8FC-AC1667EBCBE1}">
-            <a14:hiddenEffects xmlns="" xmlns:a14="http://schemas.microsoft.com/office/drawing/2010/main">
+            <a14:hiddenEffects xmlns:a14="http://schemas.microsoft.com/office/drawing/2010/main" xmlns="">
               <a:effectLst>
                 <a:outerShdw blurRad="63500" dist="38099" dir="2700000" algn="ctr" rotWithShape="0">
                   <a:schemeClr val="bg2">

--- a/Debug/session2/Debugging Workshop 2.pptx
+++ b/Debug/session2/Debugging Workshop 2.pptx
@@ -688,7 +688,7 @@
           </a:ln>
           <a:extLst>
             <a:ext uri="{909E8E84-426E-40dd-AFC4-6F175D3DCCD1}">
-              <a14:hiddenFill xmlns:a14="http://schemas.microsoft.com/office/drawing/2010/main" xmlns="">
+              <a14:hiddenFill xmlns="" xmlns:a14="http://schemas.microsoft.com/office/drawing/2010/main">
                 <a:noFill/>
               </a14:hiddenFill>
             </a:ext>
@@ -732,7 +732,7 @@
           </a:ln>
           <a:extLst>
             <a:ext uri="{909E8E84-426E-40dd-AFC4-6F175D3DCCD1}">
-              <a14:hiddenFill xmlns:a14="http://schemas.microsoft.com/office/drawing/2010/main" xmlns="">
+              <a14:hiddenFill xmlns="" xmlns:a14="http://schemas.microsoft.com/office/drawing/2010/main">
                 <a:noFill/>
               </a14:hiddenFill>
             </a:ext>
@@ -781,14 +781,14 @@
           </a:ln>
           <a:extLst>
             <a:ext uri="{909E8E84-426E-40dd-AFC4-6F175D3DCCD1}">
-              <a14:hiddenFill xmlns:a14="http://schemas.microsoft.com/office/drawing/2010/main" xmlns="">
+              <a14:hiddenFill xmlns="" xmlns:a14="http://schemas.microsoft.com/office/drawing/2010/main">
                 <a:solidFill>
                   <a:srgbClr val="FFFFFF"/>
                 </a:solidFill>
               </a14:hiddenFill>
             </a:ext>
             <a:ext uri="{91240B29-F687-4f45-9708-019B960494DF}">
-              <a14:hiddenLine xmlns:a14="http://schemas.microsoft.com/office/drawing/2010/main" xmlns="" w="9525">
+              <a14:hiddenLine xmlns="" xmlns:a14="http://schemas.microsoft.com/office/drawing/2010/main" w="9525">
                 <a:solidFill>
                   <a:srgbClr val="000000"/>
                 </a:solidFill>
@@ -1134,7 +1134,7 @@
           </a:ln>
           <a:extLst>
             <a:ext uri="{909E8E84-426E-40dd-AFC4-6F175D3DCCD1}">
-              <a14:hiddenFill xmlns:a14="http://schemas.microsoft.com/office/drawing/2010/main" xmlns="">
+              <a14:hiddenFill xmlns="" xmlns:a14="http://schemas.microsoft.com/office/drawing/2010/main">
                 <a:noFill/>
               </a14:hiddenFill>
             </a:ext>
@@ -1183,14 +1183,14 @@
           </a:ln>
           <a:extLst>
             <a:ext uri="{909E8E84-426E-40dd-AFC4-6F175D3DCCD1}">
-              <a14:hiddenFill xmlns:a14="http://schemas.microsoft.com/office/drawing/2010/main" xmlns="">
+              <a14:hiddenFill xmlns="" xmlns:a14="http://schemas.microsoft.com/office/drawing/2010/main">
                 <a:solidFill>
                   <a:srgbClr val="FFFFFF"/>
                 </a:solidFill>
               </a14:hiddenFill>
             </a:ext>
             <a:ext uri="{91240B29-F687-4f45-9708-019B960494DF}">
-              <a14:hiddenLine xmlns:a14="http://schemas.microsoft.com/office/drawing/2010/main" xmlns="" w="9525">
+              <a14:hiddenLine xmlns="" xmlns:a14="http://schemas.microsoft.com/office/drawing/2010/main" w="9525">
                 <a:solidFill>
                   <a:srgbClr val="000000"/>
                 </a:solidFill>
@@ -1419,7 +1419,7 @@
           </a:ln>
           <a:extLst>
             <a:ext uri="{909E8E84-426E-40dd-AFC4-6F175D3DCCD1}">
-              <a14:hiddenFill xmlns:a14="http://schemas.microsoft.com/office/drawing/2010/main" xmlns="">
+              <a14:hiddenFill xmlns="" xmlns:a14="http://schemas.microsoft.com/office/drawing/2010/main">
                 <a:noFill/>
               </a14:hiddenFill>
             </a:ext>
@@ -1463,7 +1463,7 @@
           </a:ln>
           <a:extLst>
             <a:ext uri="{909E8E84-426E-40dd-AFC4-6F175D3DCCD1}">
-              <a14:hiddenFill xmlns:a14="http://schemas.microsoft.com/office/drawing/2010/main" xmlns="">
+              <a14:hiddenFill xmlns="" xmlns:a14="http://schemas.microsoft.com/office/drawing/2010/main">
                 <a:noFill/>
               </a14:hiddenFill>
             </a:ext>
@@ -1512,14 +1512,14 @@
           </a:ln>
           <a:extLst>
             <a:ext uri="{909E8E84-426E-40dd-AFC4-6F175D3DCCD1}">
-              <a14:hiddenFill xmlns:a14="http://schemas.microsoft.com/office/drawing/2010/main" xmlns="">
+              <a14:hiddenFill xmlns="" xmlns:a14="http://schemas.microsoft.com/office/drawing/2010/main">
                 <a:solidFill>
                   <a:srgbClr val="FFFFFF"/>
                 </a:solidFill>
               </a14:hiddenFill>
             </a:ext>
             <a:ext uri="{91240B29-F687-4f45-9708-019B960494DF}">
-              <a14:hiddenLine xmlns:a14="http://schemas.microsoft.com/office/drawing/2010/main" xmlns="" w="9525">
+              <a14:hiddenLine xmlns="" xmlns:a14="http://schemas.microsoft.com/office/drawing/2010/main" w="9525">
                 <a:solidFill>
                   <a:srgbClr val="000000"/>
                 </a:solidFill>
@@ -1791,7 +1791,7 @@
           </a:ln>
           <a:extLst>
             <a:ext uri="{909E8E84-426E-40dd-AFC4-6F175D3DCCD1}">
-              <a14:hiddenFill xmlns:a14="http://schemas.microsoft.com/office/drawing/2010/main" xmlns="">
+              <a14:hiddenFill xmlns="" xmlns:a14="http://schemas.microsoft.com/office/drawing/2010/main">
                 <a:noFill/>
               </a14:hiddenFill>
             </a:ext>
@@ -2003,7 +2003,7 @@
           </a:ln>
           <a:extLst>
             <a:ext uri="{909E8E84-426E-40dd-AFC4-6F175D3DCCD1}">
-              <a14:hiddenFill xmlns:a14="http://schemas.microsoft.com/office/drawing/2010/main" xmlns="">
+              <a14:hiddenFill xmlns="" xmlns:a14="http://schemas.microsoft.com/office/drawing/2010/main">
                 <a:noFill/>
               </a14:hiddenFill>
             </a:ext>
@@ -2220,7 +2220,7 @@
           </a:ln>
           <a:extLst>
             <a:ext uri="{909E8E84-426E-40dd-AFC4-6F175D3DCCD1}">
-              <a14:hiddenFill xmlns:a14="http://schemas.microsoft.com/office/drawing/2010/main" xmlns="">
+              <a14:hiddenFill xmlns="" xmlns:a14="http://schemas.microsoft.com/office/drawing/2010/main">
                 <a:noFill/>
               </a14:hiddenFill>
             </a:ext>
@@ -2469,7 +2469,7 @@
           </a:ln>
           <a:extLst>
             <a:ext uri="{909E8E84-426E-40dd-AFC4-6F175D3DCCD1}">
-              <a14:hiddenFill xmlns:a14="http://schemas.microsoft.com/office/drawing/2010/main" xmlns="">
+              <a14:hiddenFill xmlns="" xmlns:a14="http://schemas.microsoft.com/office/drawing/2010/main">
                 <a:noFill/>
               </a14:hiddenFill>
             </a:ext>
@@ -2518,14 +2518,14 @@
           </a:ln>
           <a:extLst>
             <a:ext uri="{909E8E84-426E-40dd-AFC4-6F175D3DCCD1}">
-              <a14:hiddenFill xmlns:a14="http://schemas.microsoft.com/office/drawing/2010/main" xmlns="">
+              <a14:hiddenFill xmlns="" xmlns:a14="http://schemas.microsoft.com/office/drawing/2010/main">
                 <a:solidFill>
                   <a:srgbClr val="FFFFFF"/>
                 </a:solidFill>
               </a14:hiddenFill>
             </a:ext>
             <a:ext uri="{91240B29-F687-4f45-9708-019B960494DF}">
-              <a14:hiddenLine xmlns:a14="http://schemas.microsoft.com/office/drawing/2010/main" xmlns="" w="9525">
+              <a14:hiddenLine xmlns="" xmlns:a14="http://schemas.microsoft.com/office/drawing/2010/main" w="9525">
                 <a:solidFill>
                   <a:srgbClr val="000000"/>
                 </a:solidFill>
@@ -2786,7 +2786,7 @@
           </a:ln>
           <a:extLst>
             <a:ext uri="{909E8E84-426E-40dd-AFC4-6F175D3DCCD1}">
-              <a14:hiddenFill xmlns:a14="http://schemas.microsoft.com/office/drawing/2010/main" xmlns="">
+              <a14:hiddenFill xmlns="" xmlns:a14="http://schemas.microsoft.com/office/drawing/2010/main">
                 <a:noFill/>
               </a14:hiddenFill>
             </a:ext>
@@ -2835,14 +2835,14 @@
           </a:ln>
           <a:extLst>
             <a:ext uri="{909E8E84-426E-40dd-AFC4-6F175D3DCCD1}">
-              <a14:hiddenFill xmlns:a14="http://schemas.microsoft.com/office/drawing/2010/main" xmlns="">
+              <a14:hiddenFill xmlns="" xmlns:a14="http://schemas.microsoft.com/office/drawing/2010/main">
                 <a:solidFill>
                   <a:srgbClr val="FFFFFF"/>
                 </a:solidFill>
               </a14:hiddenFill>
             </a:ext>
             <a:ext uri="{91240B29-F687-4f45-9708-019B960494DF}">
-              <a14:hiddenLine xmlns:a14="http://schemas.microsoft.com/office/drawing/2010/main" xmlns="" w="9525">
+              <a14:hiddenLine xmlns="" xmlns:a14="http://schemas.microsoft.com/office/drawing/2010/main" w="9525">
                 <a:solidFill>
                   <a:srgbClr val="000000"/>
                 </a:solidFill>
@@ -3489,7 +3489,7 @@
           </a:ln>
           <a:extLst>
             <a:ext uri="{909E8E84-426E-40dd-AFC4-6F175D3DCCD1}">
-              <a14:hiddenFill xmlns:a14="http://schemas.microsoft.com/office/drawing/2010/main" xmlns="">
+              <a14:hiddenFill xmlns="" xmlns:a14="http://schemas.microsoft.com/office/drawing/2010/main">
                 <a:noFill/>
               </a14:hiddenFill>
             </a:ext>
@@ -3692,7 +3692,7 @@
           </a:ln>
           <a:extLst>
             <a:ext uri="{909E8E84-426E-40dd-AFC4-6F175D3DCCD1}">
-              <a14:hiddenFill xmlns:a14="http://schemas.microsoft.com/office/drawing/2010/main" xmlns="">
+              <a14:hiddenFill xmlns="" xmlns:a14="http://schemas.microsoft.com/office/drawing/2010/main">
                 <a:noFill/>
               </a14:hiddenFill>
             </a:ext>
@@ -3733,7 +3733,7 @@
           </a:ln>
           <a:extLst>
             <a:ext uri="{909E8E84-426E-40dd-AFC4-6F175D3DCCD1}">
-              <a14:hiddenFill xmlns:a14="http://schemas.microsoft.com/office/drawing/2010/main" xmlns="">
+              <a14:hiddenFill xmlns="" xmlns:a14="http://schemas.microsoft.com/office/drawing/2010/main">
                 <a:noFill/>
               </a14:hiddenFill>
             </a:ext>
@@ -3943,7 +3943,7 @@
           </a:ln>
           <a:extLst>
             <a:ext uri="{909E8E84-426E-40dd-AFC4-6F175D3DCCD1}">
-              <a14:hiddenFill xmlns:a14="http://schemas.microsoft.com/office/drawing/2010/main" xmlns="">
+              <a14:hiddenFill xmlns="" xmlns:a14="http://schemas.microsoft.com/office/drawing/2010/main">
                 <a:noFill/>
               </a14:hiddenFill>
             </a:ext>
@@ -3992,14 +3992,14 @@
           </a:ln>
           <a:extLst>
             <a:ext uri="{909E8E84-426E-40dd-AFC4-6F175D3DCCD1}">
-              <a14:hiddenFill xmlns:a14="http://schemas.microsoft.com/office/drawing/2010/main" xmlns="">
+              <a14:hiddenFill xmlns="" xmlns:a14="http://schemas.microsoft.com/office/drawing/2010/main">
                 <a:solidFill>
                   <a:srgbClr val="FFFFFF"/>
                 </a:solidFill>
               </a14:hiddenFill>
             </a:ext>
             <a:ext uri="{91240B29-F687-4f45-9708-019B960494DF}">
-              <a14:hiddenLine xmlns:a14="http://schemas.microsoft.com/office/drawing/2010/main" xmlns="" w="9525">
+              <a14:hiddenLine xmlns="" xmlns:a14="http://schemas.microsoft.com/office/drawing/2010/main" w="9525">
                 <a:solidFill>
                   <a:srgbClr val="000000"/>
                 </a:solidFill>
@@ -4228,7 +4228,7 @@
           </a:ln>
           <a:extLst>
             <a:ext uri="{909E8E84-426E-40dd-AFC4-6F175D3DCCD1}">
-              <a14:hiddenFill xmlns:a14="http://schemas.microsoft.com/office/drawing/2010/main" xmlns="">
+              <a14:hiddenFill xmlns="" xmlns:a14="http://schemas.microsoft.com/office/drawing/2010/main">
                 <a:noFill/>
               </a14:hiddenFill>
             </a:ext>
@@ -4436,7 +4436,7 @@
           </a:ln>
           <a:extLst>
             <a:ext uri="{909E8E84-426E-40dd-AFC4-6F175D3DCCD1}">
-              <a14:hiddenFill xmlns:a14="http://schemas.microsoft.com/office/drawing/2010/main" xmlns="">
+              <a14:hiddenFill xmlns="" xmlns:a14="http://schemas.microsoft.com/office/drawing/2010/main">
                 <a:noFill/>
               </a14:hiddenFill>
             </a:ext>
@@ -4685,7 +4685,7 @@
           </a:ln>
           <a:extLst>
             <a:ext uri="{909E8E84-426E-40dd-AFC4-6F175D3DCCD1}">
-              <a14:hiddenFill xmlns:a14="http://schemas.microsoft.com/office/drawing/2010/main" xmlns="">
+              <a14:hiddenFill xmlns="" xmlns:a14="http://schemas.microsoft.com/office/drawing/2010/main">
                 <a:noFill/>
               </a14:hiddenFill>
             </a:ext>
@@ -4734,14 +4734,14 @@
           </a:ln>
           <a:extLst>
             <a:ext uri="{909E8E84-426E-40dd-AFC4-6F175D3DCCD1}">
-              <a14:hiddenFill xmlns:a14="http://schemas.microsoft.com/office/drawing/2010/main" xmlns="">
+              <a14:hiddenFill xmlns="" xmlns:a14="http://schemas.microsoft.com/office/drawing/2010/main">
                 <a:solidFill>
                   <a:srgbClr val="FFFFFF"/>
                 </a:solidFill>
               </a14:hiddenFill>
             </a:ext>
             <a:ext uri="{91240B29-F687-4f45-9708-019B960494DF}">
-              <a14:hiddenLine xmlns:a14="http://schemas.microsoft.com/office/drawing/2010/main" xmlns="" w="9525">
+              <a14:hiddenLine xmlns="" xmlns:a14="http://schemas.microsoft.com/office/drawing/2010/main" w="9525">
                 <a:solidFill>
                   <a:srgbClr val="000000"/>
                 </a:solidFill>
@@ -5002,7 +5002,7 @@
           </a:ln>
           <a:extLst>
             <a:ext uri="{909E8E84-426E-40dd-AFC4-6F175D3DCCD1}">
-              <a14:hiddenFill xmlns:a14="http://schemas.microsoft.com/office/drawing/2010/main" xmlns="">
+              <a14:hiddenFill xmlns="" xmlns:a14="http://schemas.microsoft.com/office/drawing/2010/main">
                 <a:noFill/>
               </a14:hiddenFill>
             </a:ext>
@@ -5051,14 +5051,14 @@
           </a:ln>
           <a:extLst>
             <a:ext uri="{909E8E84-426E-40dd-AFC4-6F175D3DCCD1}">
-              <a14:hiddenFill xmlns:a14="http://schemas.microsoft.com/office/drawing/2010/main" xmlns="">
+              <a14:hiddenFill xmlns="" xmlns:a14="http://schemas.microsoft.com/office/drawing/2010/main">
                 <a:solidFill>
                   <a:srgbClr val="FFFFFF"/>
                 </a:solidFill>
               </a14:hiddenFill>
             </a:ext>
             <a:ext uri="{91240B29-F687-4f45-9708-019B960494DF}">
-              <a14:hiddenLine xmlns:a14="http://schemas.microsoft.com/office/drawing/2010/main" xmlns="" w="9525">
+              <a14:hiddenLine xmlns="" xmlns:a14="http://schemas.microsoft.com/office/drawing/2010/main" w="9525">
                 <a:solidFill>
                   <a:srgbClr val="000000"/>
                 </a:solidFill>
@@ -5699,7 +5699,7 @@
           </a:ln>
           <a:extLst>
             <a:ext uri="{909E8E84-426E-40dd-AFC4-6F175D3DCCD1}">
-              <a14:hiddenFill xmlns:a14="http://schemas.microsoft.com/office/drawing/2010/main" xmlns="">
+              <a14:hiddenFill xmlns="" xmlns:a14="http://schemas.microsoft.com/office/drawing/2010/main">
                 <a:noFill/>
               </a14:hiddenFill>
             </a:ext>
@@ -5740,7 +5740,7 @@
           </a:ln>
           <a:extLst>
             <a:ext uri="{909E8E84-426E-40dd-AFC4-6F175D3DCCD1}">
-              <a14:hiddenFill xmlns:a14="http://schemas.microsoft.com/office/drawing/2010/main" xmlns="">
+              <a14:hiddenFill xmlns="" xmlns:a14="http://schemas.microsoft.com/office/drawing/2010/main">
                 <a:noFill/>
               </a14:hiddenFill>
             </a:ext>
@@ -5882,17 +5882,17 @@
           <a:effectLst/>
           <a:extLst>
             <a:ext uri="{FAA26D3D-D897-4be2-8F04-BA451C77F1D7}">
-              <ma14:placeholderFlag xmlns:ma14="http://schemas.microsoft.com/office/mac/drawingml/2011/main" xmlns="" val="1"/>
+              <ma14:placeholderFlag xmlns="" xmlns:ma14="http://schemas.microsoft.com/office/mac/drawingml/2011/main" val="1"/>
             </a:ext>
             <a:ext uri="{909E8E84-426E-40dd-AFC4-6F175D3DCCD1}">
-              <a14:hiddenFill xmlns:a14="http://schemas.microsoft.com/office/drawing/2010/main" xmlns="">
+              <a14:hiddenFill xmlns="" xmlns:a14="http://schemas.microsoft.com/office/drawing/2010/main">
                 <a:solidFill>
                   <a:srgbClr val="FFFFFF"/>
                 </a:solidFill>
               </a14:hiddenFill>
             </a:ext>
             <a:ext uri="{91240B29-F687-4f45-9708-019B960494DF}">
-              <a14:hiddenLine xmlns:a14="http://schemas.microsoft.com/office/drawing/2010/main" xmlns="" w="12700">
+              <a14:hiddenLine xmlns="" xmlns:a14="http://schemas.microsoft.com/office/drawing/2010/main" w="12700">
                 <a:solidFill>
                   <a:schemeClr val="tx1"/>
                 </a:solidFill>
@@ -5902,7 +5902,7 @@
               </a14:hiddenLine>
             </a:ext>
             <a:ext uri="{AF507438-7753-43e0-B8FC-AC1667EBCBE1}">
-              <a14:hiddenEffects xmlns:a14="http://schemas.microsoft.com/office/drawing/2010/main" xmlns="">
+              <a14:hiddenEffects xmlns="" xmlns:a14="http://schemas.microsoft.com/office/drawing/2010/main">
                 <a:effectLst>
                   <a:outerShdw blurRad="63500" dist="38099" dir="2700000" algn="ctr" rotWithShape="0">
                     <a:srgbClr val="000000">
@@ -5957,17 +5957,17 @@
           <a:effectLst/>
           <a:extLst>
             <a:ext uri="{FAA26D3D-D897-4be2-8F04-BA451C77F1D7}">
-              <ma14:placeholderFlag xmlns:ma14="http://schemas.microsoft.com/office/mac/drawingml/2011/main" xmlns="" val="1"/>
+              <ma14:placeholderFlag xmlns="" xmlns:ma14="http://schemas.microsoft.com/office/mac/drawingml/2011/main" val="1"/>
             </a:ext>
             <a:ext uri="{909E8E84-426E-40dd-AFC4-6F175D3DCCD1}">
-              <a14:hiddenFill xmlns:a14="http://schemas.microsoft.com/office/drawing/2010/main" xmlns="">
+              <a14:hiddenFill xmlns="" xmlns:a14="http://schemas.microsoft.com/office/drawing/2010/main">
                 <a:solidFill>
                   <a:srgbClr val="FFFFFF"/>
                 </a:solidFill>
               </a14:hiddenFill>
             </a:ext>
             <a:ext uri="{91240B29-F687-4f45-9708-019B960494DF}">
-              <a14:hiddenLine xmlns:a14="http://schemas.microsoft.com/office/drawing/2010/main" xmlns="" w="12700">
+              <a14:hiddenLine xmlns="" xmlns:a14="http://schemas.microsoft.com/office/drawing/2010/main" w="12700">
                 <a:solidFill>
                   <a:schemeClr val="tx1"/>
                 </a:solidFill>
@@ -5977,7 +5977,7 @@
               </a14:hiddenLine>
             </a:ext>
             <a:ext uri="{AF507438-7753-43e0-B8FC-AC1667EBCBE1}">
-              <a14:hiddenEffects xmlns:a14="http://schemas.microsoft.com/office/drawing/2010/main" xmlns="">
+              <a14:hiddenEffects xmlns="" xmlns:a14="http://schemas.microsoft.com/office/drawing/2010/main">
                 <a:effectLst>
                   <a:outerShdw blurRad="63500" dist="38099" dir="2700000" algn="ctr" rotWithShape="0">
                     <a:srgbClr val="000000">
@@ -6068,14 +6068,14 @@
           <a:effectLst/>
           <a:extLst>
             <a:ext uri="{909E8E84-426E-40dd-AFC4-6F175D3DCCD1}">
-              <a14:hiddenFill xmlns:a14="http://schemas.microsoft.com/office/drawing/2010/main" xmlns="">
+              <a14:hiddenFill xmlns="" xmlns:a14="http://schemas.microsoft.com/office/drawing/2010/main">
                 <a:solidFill>
                   <a:srgbClr val="FFFFFF"/>
                 </a:solidFill>
               </a14:hiddenFill>
             </a:ext>
             <a:ext uri="{91240B29-F687-4f45-9708-019B960494DF}">
-              <a14:hiddenLine xmlns:a14="http://schemas.microsoft.com/office/drawing/2010/main" xmlns="" w="12700">
+              <a14:hiddenLine xmlns="" xmlns:a14="http://schemas.microsoft.com/office/drawing/2010/main" w="12700">
                 <a:solidFill>
                   <a:schemeClr val="tx1"/>
                 </a:solidFill>
@@ -6085,7 +6085,7 @@
               </a14:hiddenLine>
             </a:ext>
             <a:ext uri="{AF507438-7753-43e0-B8FC-AC1667EBCBE1}">
-              <a14:hiddenEffects xmlns:a14="http://schemas.microsoft.com/office/drawing/2010/main" xmlns="">
+              <a14:hiddenEffects xmlns="" xmlns:a14="http://schemas.microsoft.com/office/drawing/2010/main">
                 <a:effectLst>
                   <a:outerShdw blurRad="63500" dist="38099" dir="2700000" algn="ctr" rotWithShape="0">
                     <a:srgbClr val="000000">
@@ -6780,17 +6780,17 @@
           <a:effectLst/>
           <a:extLst>
             <a:ext uri="{FAA26D3D-D897-4be2-8F04-BA451C77F1D7}">
-              <ma14:placeholderFlag xmlns:ma14="http://schemas.microsoft.com/office/mac/drawingml/2011/main" xmlns="" val="1"/>
+              <ma14:placeholderFlag xmlns="" xmlns:ma14="http://schemas.microsoft.com/office/mac/drawingml/2011/main" val="1"/>
             </a:ext>
             <a:ext uri="{909E8E84-426E-40dd-AFC4-6F175D3DCCD1}">
-              <a14:hiddenFill xmlns:a14="http://schemas.microsoft.com/office/drawing/2010/main" xmlns="">
+              <a14:hiddenFill xmlns="" xmlns:a14="http://schemas.microsoft.com/office/drawing/2010/main">
                 <a:solidFill>
                   <a:srgbClr val="FFFFFF"/>
                 </a:solidFill>
               </a14:hiddenFill>
             </a:ext>
             <a:ext uri="{91240B29-F687-4f45-9708-019B960494DF}">
-              <a14:hiddenLine xmlns:a14="http://schemas.microsoft.com/office/drawing/2010/main" xmlns="" w="12700">
+              <a14:hiddenLine xmlns="" xmlns:a14="http://schemas.microsoft.com/office/drawing/2010/main" w="12700">
                 <a:solidFill>
                   <a:schemeClr val="tx1"/>
                 </a:solidFill>
@@ -6800,7 +6800,7 @@
               </a14:hiddenLine>
             </a:ext>
             <a:ext uri="{AF507438-7753-43e0-B8FC-AC1667EBCBE1}">
-              <a14:hiddenEffects xmlns:a14="http://schemas.microsoft.com/office/drawing/2010/main" xmlns="">
+              <a14:hiddenEffects xmlns="" xmlns:a14="http://schemas.microsoft.com/office/drawing/2010/main">
                 <a:effectLst>
                   <a:outerShdw blurRad="63500" dist="38099" dir="2700000" algn="ctr" rotWithShape="0">
                     <a:srgbClr val="000000">
@@ -6855,17 +6855,17 @@
           <a:effectLst/>
           <a:extLst>
             <a:ext uri="{FAA26D3D-D897-4be2-8F04-BA451C77F1D7}">
-              <ma14:placeholderFlag xmlns:ma14="http://schemas.microsoft.com/office/mac/drawingml/2011/main" xmlns="" val="1"/>
+              <ma14:placeholderFlag xmlns="" xmlns:ma14="http://schemas.microsoft.com/office/mac/drawingml/2011/main" val="1"/>
             </a:ext>
             <a:ext uri="{909E8E84-426E-40dd-AFC4-6F175D3DCCD1}">
-              <a14:hiddenFill xmlns:a14="http://schemas.microsoft.com/office/drawing/2010/main" xmlns="">
+              <a14:hiddenFill xmlns="" xmlns:a14="http://schemas.microsoft.com/office/drawing/2010/main">
                 <a:solidFill>
                   <a:srgbClr val="FFFFFF"/>
                 </a:solidFill>
               </a14:hiddenFill>
             </a:ext>
             <a:ext uri="{91240B29-F687-4f45-9708-019B960494DF}">
-              <a14:hiddenLine xmlns:a14="http://schemas.microsoft.com/office/drawing/2010/main" xmlns="" w="12700">
+              <a14:hiddenLine xmlns="" xmlns:a14="http://schemas.microsoft.com/office/drawing/2010/main" w="12700">
                 <a:solidFill>
                   <a:schemeClr val="tx1"/>
                 </a:solidFill>
@@ -6875,7 +6875,7 @@
               </a14:hiddenLine>
             </a:ext>
             <a:ext uri="{AF507438-7753-43e0-B8FC-AC1667EBCBE1}">
-              <a14:hiddenEffects xmlns:a14="http://schemas.microsoft.com/office/drawing/2010/main" xmlns="">
+              <a14:hiddenEffects xmlns="" xmlns:a14="http://schemas.microsoft.com/office/drawing/2010/main">
                 <a:effectLst>
                   <a:outerShdw blurRad="63500" dist="38099" dir="2700000" algn="ctr" rotWithShape="0">
                     <a:srgbClr val="000000">
@@ -6966,14 +6966,14 @@
           <a:effectLst/>
           <a:extLst>
             <a:ext uri="{909E8E84-426E-40dd-AFC4-6F175D3DCCD1}">
-              <a14:hiddenFill xmlns:a14="http://schemas.microsoft.com/office/drawing/2010/main" xmlns="">
+              <a14:hiddenFill xmlns="" xmlns:a14="http://schemas.microsoft.com/office/drawing/2010/main">
                 <a:solidFill>
                   <a:srgbClr val="FFFFFF"/>
                 </a:solidFill>
               </a14:hiddenFill>
             </a:ext>
             <a:ext uri="{91240B29-F687-4f45-9708-019B960494DF}">
-              <a14:hiddenLine xmlns:a14="http://schemas.microsoft.com/office/drawing/2010/main" xmlns="" w="12700">
+              <a14:hiddenLine xmlns="" xmlns:a14="http://schemas.microsoft.com/office/drawing/2010/main" w="12700">
                 <a:solidFill>
                   <a:schemeClr val="tx1"/>
                 </a:solidFill>
@@ -6983,7 +6983,7 @@
               </a14:hiddenLine>
             </a:ext>
             <a:ext uri="{AF507438-7753-43e0-B8FC-AC1667EBCBE1}">
-              <a14:hiddenEffects xmlns:a14="http://schemas.microsoft.com/office/drawing/2010/main" xmlns="">
+              <a14:hiddenEffects xmlns="" xmlns:a14="http://schemas.microsoft.com/office/drawing/2010/main">
                 <a:effectLst>
                   <a:outerShdw blurRad="63500" dist="38099" dir="2700000" algn="ctr" rotWithShape="0">
                     <a:srgbClr val="000000">
@@ -9299,7 +9299,7 @@
           </a:ln>
           <a:extLst>
             <a:ext uri="{91240B29-F687-4f45-9708-019B960494DF}">
-              <a14:hiddenLine xmlns:a14="http://schemas.microsoft.com/office/drawing/2010/main" xmlns="" w="25400" cap="flat" cmpd="sng" algn="ctr">
+              <a14:hiddenLine xmlns="" xmlns:a14="http://schemas.microsoft.com/office/drawing/2010/main" w="25400" cap="flat" cmpd="sng" algn="ctr">
                 <a:solidFill>
                   <a:srgbClr val="000000"/>
                 </a:solidFill>
@@ -9310,7 +9310,7 @@
               </a14:hiddenLine>
             </a:ext>
             <a:ext uri="{AF507438-7753-43e0-B8FC-AC1667EBCBE1}">
-              <a14:hiddenEffects xmlns:a14="http://schemas.microsoft.com/office/drawing/2010/main" xmlns="">
+              <a14:hiddenEffects xmlns="" xmlns:a14="http://schemas.microsoft.com/office/drawing/2010/main">
                 <a:effectLst>
                   <a:outerShdw blurRad="63500" dist="38099" dir="2700000" algn="ctr" rotWithShape="0">
                     <a:schemeClr val="bg2">
@@ -9360,7 +9360,7 @@
           </a:ln>
           <a:extLst>
             <a:ext uri="{91240B29-F687-4f45-9708-019B960494DF}">
-              <a14:hiddenLine xmlns:a14="http://schemas.microsoft.com/office/drawing/2010/main" xmlns="" w="25400" cap="flat" cmpd="sng" algn="ctr">
+              <a14:hiddenLine xmlns="" xmlns:a14="http://schemas.microsoft.com/office/drawing/2010/main" w="25400" cap="flat" cmpd="sng" algn="ctr">
                 <a:solidFill>
                   <a:srgbClr val="000000"/>
                 </a:solidFill>
@@ -9371,7 +9371,7 @@
               </a14:hiddenLine>
             </a:ext>
             <a:ext uri="{AF507438-7753-43e0-B8FC-AC1667EBCBE1}">
-              <a14:hiddenEffects xmlns:a14="http://schemas.microsoft.com/office/drawing/2010/main" xmlns="">
+              <a14:hiddenEffects xmlns="" xmlns:a14="http://schemas.microsoft.com/office/drawing/2010/main">
                 <a:effectLst>
                   <a:outerShdw blurRad="63500" dist="38099" dir="2700000" algn="ctr" rotWithShape="0">
                     <a:schemeClr val="bg2">
@@ -9421,7 +9421,7 @@
           </a:ln>
           <a:extLst>
             <a:ext uri="{91240B29-F687-4f45-9708-019B960494DF}">
-              <a14:hiddenLine xmlns:a14="http://schemas.microsoft.com/office/drawing/2010/main" xmlns="" w="25400" cap="flat" cmpd="sng" algn="ctr">
+              <a14:hiddenLine xmlns="" xmlns:a14="http://schemas.microsoft.com/office/drawing/2010/main" w="25400" cap="flat" cmpd="sng" algn="ctr">
                 <a:solidFill>
                   <a:srgbClr val="000000"/>
                 </a:solidFill>
@@ -9432,7 +9432,7 @@
               </a14:hiddenLine>
             </a:ext>
             <a:ext uri="{AF507438-7753-43e0-B8FC-AC1667EBCBE1}">
-              <a14:hiddenEffects xmlns:a14="http://schemas.microsoft.com/office/drawing/2010/main" xmlns="">
+              <a14:hiddenEffects xmlns="" xmlns:a14="http://schemas.microsoft.com/office/drawing/2010/main">
                 <a:effectLst>
                   <a:outerShdw blurRad="63500" dist="38099" dir="2700000" algn="ctr" rotWithShape="0">
                     <a:schemeClr val="bg2">
@@ -9485,7 +9485,7 @@
           </a:ln>
           <a:extLst>
             <a:ext uri="{91240B29-F687-4f45-9708-019B960494DF}">
-              <a14:hiddenLine xmlns:a14="http://schemas.microsoft.com/office/drawing/2010/main" xmlns="" w="25400" cap="flat" cmpd="sng" algn="ctr">
+              <a14:hiddenLine xmlns="" xmlns:a14="http://schemas.microsoft.com/office/drawing/2010/main" w="25400" cap="flat" cmpd="sng" algn="ctr">
                 <a:solidFill>
                   <a:srgbClr val="000000"/>
                 </a:solidFill>
@@ -9496,7 +9496,7 @@
               </a14:hiddenLine>
             </a:ext>
             <a:ext uri="{AF507438-7753-43e0-B8FC-AC1667EBCBE1}">
-              <a14:hiddenEffects xmlns:a14="http://schemas.microsoft.com/office/drawing/2010/main" xmlns="">
+              <a14:hiddenEffects xmlns="" xmlns:a14="http://schemas.microsoft.com/office/drawing/2010/main">
                 <a:effectLst>
                   <a:outerShdw blurRad="63500" dist="38099" dir="2700000" algn="ctr" rotWithShape="0">
                     <a:schemeClr val="bg2">
@@ -10256,7 +10256,7 @@
           </a:ln>
           <a:extLst>
             <a:ext uri="{91240B29-F687-4f45-9708-019B960494DF}">
-              <a14:hiddenLine xmlns:a14="http://schemas.microsoft.com/office/drawing/2010/main" xmlns="" w="25400" cap="flat" cmpd="sng" algn="ctr">
+              <a14:hiddenLine xmlns="" xmlns:a14="http://schemas.microsoft.com/office/drawing/2010/main" w="25400" cap="flat" cmpd="sng" algn="ctr">
                 <a:solidFill>
                   <a:srgbClr val="000000"/>
                 </a:solidFill>
@@ -10267,7 +10267,7 @@
               </a14:hiddenLine>
             </a:ext>
             <a:ext uri="{AF507438-7753-43e0-B8FC-AC1667EBCBE1}">
-              <a14:hiddenEffects xmlns:a14="http://schemas.microsoft.com/office/drawing/2010/main" xmlns="">
+              <a14:hiddenEffects xmlns="" xmlns:a14="http://schemas.microsoft.com/office/drawing/2010/main">
                 <a:effectLst>
                   <a:outerShdw blurRad="63500" dist="38099" dir="2700000" algn="ctr" rotWithShape="0">
                     <a:schemeClr val="bg2">
@@ -10316,7 +10316,7 @@
           </a:ln>
           <a:extLst>
             <a:ext uri="{91240B29-F687-4f45-9708-019B960494DF}">
-              <a14:hiddenLine xmlns:a14="http://schemas.microsoft.com/office/drawing/2010/main" xmlns="" w="25400" cap="flat" cmpd="sng" algn="ctr">
+              <a14:hiddenLine xmlns="" xmlns:a14="http://schemas.microsoft.com/office/drawing/2010/main" w="25400" cap="flat" cmpd="sng" algn="ctr">
                 <a:solidFill>
                   <a:srgbClr val="000000"/>
                 </a:solidFill>
@@ -10327,7 +10327,7 @@
               </a14:hiddenLine>
             </a:ext>
             <a:ext uri="{AF507438-7753-43e0-B8FC-AC1667EBCBE1}">
-              <a14:hiddenEffects xmlns:a14="http://schemas.microsoft.com/office/drawing/2010/main" xmlns="">
+              <a14:hiddenEffects xmlns="" xmlns:a14="http://schemas.microsoft.com/office/drawing/2010/main">
                 <a:effectLst>
                   <a:outerShdw blurRad="63500" dist="38099" dir="2700000" algn="ctr" rotWithShape="0">
                     <a:schemeClr val="bg2">
@@ -10377,7 +10377,7 @@
           </a:ln>
           <a:extLst>
             <a:ext uri="{91240B29-F687-4f45-9708-019B960494DF}">
-              <a14:hiddenLine xmlns:a14="http://schemas.microsoft.com/office/drawing/2010/main" xmlns="" w="25400" cap="flat" cmpd="sng" algn="ctr">
+              <a14:hiddenLine xmlns="" xmlns:a14="http://schemas.microsoft.com/office/drawing/2010/main" w="25400" cap="flat" cmpd="sng" algn="ctr">
                 <a:solidFill>
                   <a:srgbClr val="000000"/>
                 </a:solidFill>
@@ -10388,7 +10388,7 @@
               </a14:hiddenLine>
             </a:ext>
             <a:ext uri="{AF507438-7753-43e0-B8FC-AC1667EBCBE1}">
-              <a14:hiddenEffects xmlns:a14="http://schemas.microsoft.com/office/drawing/2010/main" xmlns="">
+              <a14:hiddenEffects xmlns="" xmlns:a14="http://schemas.microsoft.com/office/drawing/2010/main">
                 <a:effectLst>
                   <a:outerShdw blurRad="63500" dist="38099" dir="2700000" algn="ctr" rotWithShape="0">
                     <a:schemeClr val="bg2">
@@ -10438,7 +10438,7 @@
           </a:ln>
           <a:extLst>
             <a:ext uri="{91240B29-F687-4f45-9708-019B960494DF}">
-              <a14:hiddenLine xmlns:a14="http://schemas.microsoft.com/office/drawing/2010/main" xmlns="" w="25400" cap="flat" cmpd="sng" algn="ctr">
+              <a14:hiddenLine xmlns="" xmlns:a14="http://schemas.microsoft.com/office/drawing/2010/main" w="25400" cap="flat" cmpd="sng" algn="ctr">
                 <a:solidFill>
                   <a:srgbClr val="000000"/>
                 </a:solidFill>
@@ -10449,7 +10449,7 @@
               </a14:hiddenLine>
             </a:ext>
             <a:ext uri="{AF507438-7753-43e0-B8FC-AC1667EBCBE1}">
-              <a14:hiddenEffects xmlns:a14="http://schemas.microsoft.com/office/drawing/2010/main" xmlns="">
+              <a14:hiddenEffects xmlns="" xmlns:a14="http://schemas.microsoft.com/office/drawing/2010/main">
                 <a:effectLst>
                   <a:outerShdw blurRad="63500" dist="38099" dir="2700000" algn="ctr" rotWithShape="0">
                     <a:schemeClr val="bg2">
@@ -10499,7 +10499,7 @@
           </a:ln>
           <a:extLst>
             <a:ext uri="{91240B29-F687-4f45-9708-019B960494DF}">
-              <a14:hiddenLine xmlns:a14="http://schemas.microsoft.com/office/drawing/2010/main" xmlns="" w="25400" cap="flat" cmpd="sng" algn="ctr">
+              <a14:hiddenLine xmlns="" xmlns:a14="http://schemas.microsoft.com/office/drawing/2010/main" w="25400" cap="flat" cmpd="sng" algn="ctr">
                 <a:solidFill>
                   <a:srgbClr val="000000"/>
                 </a:solidFill>
@@ -10510,7 +10510,7 @@
               </a14:hiddenLine>
             </a:ext>
             <a:ext uri="{AF507438-7753-43e0-B8FC-AC1667EBCBE1}">
-              <a14:hiddenEffects xmlns:a14="http://schemas.microsoft.com/office/drawing/2010/main" xmlns="">
+              <a14:hiddenEffects xmlns="" xmlns:a14="http://schemas.microsoft.com/office/drawing/2010/main">
                 <a:effectLst>
                   <a:outerShdw blurRad="63500" dist="38099" dir="2700000" algn="ctr" rotWithShape="0">
                     <a:schemeClr val="bg2">
@@ -12639,7 +12639,7 @@
           </a:ln>
           <a:extLst>
             <a:ext uri="{91240B29-F687-4f45-9708-019B960494DF}">
-              <a14:hiddenLine xmlns:a14="http://schemas.microsoft.com/office/drawing/2010/main" xmlns="" w="25400" cap="flat" cmpd="sng" algn="ctr">
+              <a14:hiddenLine xmlns="" xmlns:a14="http://schemas.microsoft.com/office/drawing/2010/main" w="25400" cap="flat" cmpd="sng" algn="ctr">
                 <a:solidFill>
                   <a:srgbClr val="000000"/>
                 </a:solidFill>
@@ -12650,7 +12650,7 @@
               </a14:hiddenLine>
             </a:ext>
             <a:ext uri="{AF507438-7753-43e0-B8FC-AC1667EBCBE1}">
-              <a14:hiddenEffects xmlns:a14="http://schemas.microsoft.com/office/drawing/2010/main" xmlns="">
+              <a14:hiddenEffects xmlns="" xmlns:a14="http://schemas.microsoft.com/office/drawing/2010/main">
                 <a:effectLst>
                   <a:outerShdw blurRad="63500" dist="38099" dir="2700000" algn="ctr" rotWithShape="0">
                     <a:schemeClr val="bg2">
@@ -12700,7 +12700,7 @@
           </a:ln>
           <a:extLst>
             <a:ext uri="{91240B29-F687-4f45-9708-019B960494DF}">
-              <a14:hiddenLine xmlns:a14="http://schemas.microsoft.com/office/drawing/2010/main" xmlns="" w="25400" cap="flat" cmpd="sng" algn="ctr">
+              <a14:hiddenLine xmlns="" xmlns:a14="http://schemas.microsoft.com/office/drawing/2010/main" w="25400" cap="flat" cmpd="sng" algn="ctr">
                 <a:solidFill>
                   <a:srgbClr val="000000"/>
                 </a:solidFill>
@@ -12711,7 +12711,7 @@
               </a14:hiddenLine>
             </a:ext>
             <a:ext uri="{AF507438-7753-43e0-B8FC-AC1667EBCBE1}">
-              <a14:hiddenEffects xmlns:a14="http://schemas.microsoft.com/office/drawing/2010/main" xmlns="">
+              <a14:hiddenEffects xmlns="" xmlns:a14="http://schemas.microsoft.com/office/drawing/2010/main">
                 <a:effectLst>
                   <a:outerShdw blurRad="63500" dist="38099" dir="2700000" algn="ctr" rotWithShape="0">
                     <a:schemeClr val="bg2">
@@ -12761,7 +12761,7 @@
           </a:ln>
           <a:extLst>
             <a:ext uri="{91240B29-F687-4f45-9708-019B960494DF}">
-              <a14:hiddenLine xmlns:a14="http://schemas.microsoft.com/office/drawing/2010/main" xmlns="" w="25400" cap="flat" cmpd="sng" algn="ctr">
+              <a14:hiddenLine xmlns="" xmlns:a14="http://schemas.microsoft.com/office/drawing/2010/main" w="25400" cap="flat" cmpd="sng" algn="ctr">
                 <a:solidFill>
                   <a:srgbClr val="000000"/>
                 </a:solidFill>
@@ -12772,7 +12772,7 @@
               </a14:hiddenLine>
             </a:ext>
             <a:ext uri="{AF507438-7753-43e0-B8FC-AC1667EBCBE1}">
-              <a14:hiddenEffects xmlns:a14="http://schemas.microsoft.com/office/drawing/2010/main" xmlns="">
+              <a14:hiddenEffects xmlns="" xmlns:a14="http://schemas.microsoft.com/office/drawing/2010/main">
                 <a:effectLst>
                   <a:outerShdw blurRad="63500" dist="38099" dir="2700000" algn="ctr" rotWithShape="0">
                     <a:schemeClr val="bg2">
@@ -12825,7 +12825,7 @@
           </a:ln>
           <a:extLst>
             <a:ext uri="{91240B29-F687-4f45-9708-019B960494DF}">
-              <a14:hiddenLine xmlns:a14="http://schemas.microsoft.com/office/drawing/2010/main" xmlns="" w="25400" cap="flat" cmpd="sng" algn="ctr">
+              <a14:hiddenLine xmlns="" xmlns:a14="http://schemas.microsoft.com/office/drawing/2010/main" w="25400" cap="flat" cmpd="sng" algn="ctr">
                 <a:solidFill>
                   <a:srgbClr val="000000"/>
                 </a:solidFill>
@@ -12836,7 +12836,7 @@
               </a14:hiddenLine>
             </a:ext>
             <a:ext uri="{AF507438-7753-43e0-B8FC-AC1667EBCBE1}">
-              <a14:hiddenEffects xmlns:a14="http://schemas.microsoft.com/office/drawing/2010/main" xmlns="">
+              <a14:hiddenEffects xmlns="" xmlns:a14="http://schemas.microsoft.com/office/drawing/2010/main">
                 <a:effectLst>
                   <a:outerShdw blurRad="63500" dist="38099" dir="2700000" algn="ctr" rotWithShape="0">
                     <a:schemeClr val="bg2">
@@ -13496,7 +13496,7 @@
           </a:ln>
           <a:extLst>
             <a:ext uri="{91240B29-F687-4f45-9708-019B960494DF}">
-              <a14:hiddenLine xmlns:a14="http://schemas.microsoft.com/office/drawing/2010/main" xmlns="" w="25400" cap="flat" cmpd="sng" algn="ctr">
+              <a14:hiddenLine xmlns="" xmlns:a14="http://schemas.microsoft.com/office/drawing/2010/main" w="25400" cap="flat" cmpd="sng" algn="ctr">
                 <a:solidFill>
                   <a:srgbClr val="000000"/>
                 </a:solidFill>
@@ -13507,7 +13507,7 @@
               </a14:hiddenLine>
             </a:ext>
             <a:ext uri="{AF507438-7753-43e0-B8FC-AC1667EBCBE1}">
-              <a14:hiddenEffects xmlns:a14="http://schemas.microsoft.com/office/drawing/2010/main" xmlns="">
+              <a14:hiddenEffects xmlns="" xmlns:a14="http://schemas.microsoft.com/office/drawing/2010/main">
                 <a:effectLst>
                   <a:outerShdw blurRad="63500" dist="38099" dir="2700000" algn="ctr" rotWithShape="0">
                     <a:schemeClr val="bg2">
@@ -13557,7 +13557,7 @@
           </a:ln>
           <a:extLst>
             <a:ext uri="{91240B29-F687-4f45-9708-019B960494DF}">
-              <a14:hiddenLine xmlns:a14="http://schemas.microsoft.com/office/drawing/2010/main" xmlns="" w="25400" cap="flat" cmpd="sng" algn="ctr">
+              <a14:hiddenLine xmlns="" xmlns:a14="http://schemas.microsoft.com/office/drawing/2010/main" w="25400" cap="flat" cmpd="sng" algn="ctr">
                 <a:solidFill>
                   <a:srgbClr val="000000"/>
                 </a:solidFill>
@@ -13568,7 +13568,7 @@
               </a14:hiddenLine>
             </a:ext>
             <a:ext uri="{AF507438-7753-43e0-B8FC-AC1667EBCBE1}">
-              <a14:hiddenEffects xmlns:a14="http://schemas.microsoft.com/office/drawing/2010/main" xmlns="">
+              <a14:hiddenEffects xmlns="" xmlns:a14="http://schemas.microsoft.com/office/drawing/2010/main">
                 <a:effectLst>
                   <a:outerShdw blurRad="63500" dist="38099" dir="2700000" algn="ctr" rotWithShape="0">
                     <a:schemeClr val="bg2">
@@ -13618,7 +13618,7 @@
           </a:ln>
           <a:extLst>
             <a:ext uri="{91240B29-F687-4f45-9708-019B960494DF}">
-              <a14:hiddenLine xmlns:a14="http://schemas.microsoft.com/office/drawing/2010/main" xmlns="" w="25400" cap="flat" cmpd="sng" algn="ctr">
+              <a14:hiddenLine xmlns="" xmlns:a14="http://schemas.microsoft.com/office/drawing/2010/main" w="25400" cap="flat" cmpd="sng" algn="ctr">
                 <a:solidFill>
                   <a:srgbClr val="000000"/>
                 </a:solidFill>
@@ -13629,7 +13629,7 @@
               </a14:hiddenLine>
             </a:ext>
             <a:ext uri="{AF507438-7753-43e0-B8FC-AC1667EBCBE1}">
-              <a14:hiddenEffects xmlns:a14="http://schemas.microsoft.com/office/drawing/2010/main" xmlns="">
+              <a14:hiddenEffects xmlns="" xmlns:a14="http://schemas.microsoft.com/office/drawing/2010/main">
                 <a:effectLst>
                   <a:outerShdw blurRad="63500" dist="38099" dir="2700000" algn="ctr" rotWithShape="0">
                     <a:schemeClr val="bg2">
@@ -13679,7 +13679,7 @@
           </a:ln>
           <a:extLst>
             <a:ext uri="{91240B29-F687-4f45-9708-019B960494DF}">
-              <a14:hiddenLine xmlns:a14="http://schemas.microsoft.com/office/drawing/2010/main" xmlns="" w="25400" cap="flat" cmpd="sng" algn="ctr">
+              <a14:hiddenLine xmlns="" xmlns:a14="http://schemas.microsoft.com/office/drawing/2010/main" w="25400" cap="flat" cmpd="sng" algn="ctr">
                 <a:solidFill>
                   <a:srgbClr val="000000"/>
                 </a:solidFill>
@@ -13690,7 +13690,7 @@
               </a14:hiddenLine>
             </a:ext>
             <a:ext uri="{AF507438-7753-43e0-B8FC-AC1667EBCBE1}">
-              <a14:hiddenEffects xmlns:a14="http://schemas.microsoft.com/office/drawing/2010/main" xmlns="">
+              <a14:hiddenEffects xmlns="" xmlns:a14="http://schemas.microsoft.com/office/drawing/2010/main">
                 <a:effectLst>
                   <a:outerShdw blurRad="63500" dist="38099" dir="2700000" algn="ctr" rotWithShape="0">
                     <a:schemeClr val="bg2">
@@ -13740,7 +13740,7 @@
           </a:ln>
           <a:extLst>
             <a:ext uri="{91240B29-F687-4f45-9708-019B960494DF}">
-              <a14:hiddenLine xmlns:a14="http://schemas.microsoft.com/office/drawing/2010/main" xmlns="" w="25400" cap="flat" cmpd="sng" algn="ctr">
+              <a14:hiddenLine xmlns="" xmlns:a14="http://schemas.microsoft.com/office/drawing/2010/main" w="25400" cap="flat" cmpd="sng" algn="ctr">
                 <a:solidFill>
                   <a:srgbClr val="000000"/>
                 </a:solidFill>
@@ -13751,7 +13751,7 @@
               </a14:hiddenLine>
             </a:ext>
             <a:ext uri="{AF507438-7753-43e0-B8FC-AC1667EBCBE1}">
-              <a14:hiddenEffects xmlns:a14="http://schemas.microsoft.com/office/drawing/2010/main" xmlns="">
+              <a14:hiddenEffects xmlns="" xmlns:a14="http://schemas.microsoft.com/office/drawing/2010/main">
                 <a:effectLst>
                   <a:outerShdw blurRad="63500" dist="38099" dir="2700000" algn="ctr" rotWithShape="0">
                     <a:schemeClr val="bg2">
@@ -16445,11 +16445,11 @@
             </a:pPr>
             <a:r>
               <a:rPr lang="en-US" altLang="en-US" dirty="0"/>
-              <a:t>Liu </a:t>
+              <a:t>Wu </a:t>
             </a:r>
             <a:r>
               <a:rPr lang="en-US" altLang="en-US" dirty="0" err="1"/>
-              <a:t>Jie</a:t>
+              <a:t>Kun</a:t>
             </a:r>
             <a:endParaRPr lang="en-US" altLang="en-US" dirty="0"/>
           </a:p>
@@ -16460,9 +16460,10 @@
               </a:spcBef>
             </a:pPr>
             <a:r>
-              <a:rPr lang="en-US" altLang="en-US" dirty="0"/>
-              <a:t>jieliu@thoughtworks.com</a:t>
-            </a:r>
+              <a:rPr lang="en-US" altLang="en-US"/>
+              <a:t>kunwu@thoughtworks.com</a:t>
+            </a:r>
+            <a:endParaRPr lang="en-US" altLang="en-US" dirty="0"/>
           </a:p>
         </p:txBody>
       </p:sp>
@@ -16796,7 +16797,7 @@
             <a:effectLst/>
             <a:extLst>
               <a:ext uri="{91240B29-F687-4f45-9708-019B960494DF}">
-                <a14:hiddenLine xmlns:a14="http://schemas.microsoft.com/office/drawing/2010/main" xmlns="" w="25400" cap="flat" cmpd="sng" algn="ctr">
+                <a14:hiddenLine xmlns="" xmlns:a14="http://schemas.microsoft.com/office/drawing/2010/main" w="25400" cap="flat" cmpd="sng" algn="ctr">
                   <a:solidFill>
                     <a:srgbClr val="000000"/>
                   </a:solidFill>
@@ -16807,7 +16808,7 @@
                 </a14:hiddenLine>
               </a:ext>
               <a:ext uri="{AF507438-7753-43e0-B8FC-AC1667EBCBE1}">
-                <a14:hiddenEffects xmlns:a14="http://schemas.microsoft.com/office/drawing/2010/main" xmlns="">
+                <a14:hiddenEffects xmlns="" xmlns:a14="http://schemas.microsoft.com/office/drawing/2010/main">
                   <a:effectLst>
                     <a:outerShdw blurRad="63500" dist="38099" dir="2700000" algn="ctr" rotWithShape="0">
                       <a:schemeClr val="bg2">
@@ -16848,7 +16849,7 @@
             <a:effectLst/>
             <a:extLst>
               <a:ext uri="{91240B29-F687-4f45-9708-019B960494DF}">
-                <a14:hiddenLine xmlns:a14="http://schemas.microsoft.com/office/drawing/2010/main" xmlns="" w="25400" cap="flat" cmpd="sng" algn="ctr">
+                <a14:hiddenLine xmlns="" xmlns:a14="http://schemas.microsoft.com/office/drawing/2010/main" w="25400" cap="flat" cmpd="sng" algn="ctr">
                   <a:solidFill>
                     <a:srgbClr val="000000"/>
                   </a:solidFill>
@@ -16859,7 +16860,7 @@
                 </a14:hiddenLine>
               </a:ext>
               <a:ext uri="{AF507438-7753-43e0-B8FC-AC1667EBCBE1}">
-                <a14:hiddenEffects xmlns:a14="http://schemas.microsoft.com/office/drawing/2010/main" xmlns="">
+                <a14:hiddenEffects xmlns="" xmlns:a14="http://schemas.microsoft.com/office/drawing/2010/main">
                   <a:effectLst>
                     <a:outerShdw blurRad="63500" dist="38099" dir="2700000" algn="ctr" rotWithShape="0">
                       <a:schemeClr val="bg2">
@@ -16948,7 +16949,7 @@
             <a:effectLst/>
             <a:extLst>
               <a:ext uri="{91240B29-F687-4f45-9708-019B960494DF}">
-                <a14:hiddenLine xmlns:a14="http://schemas.microsoft.com/office/drawing/2010/main" xmlns="" w="25400" cap="flat" cmpd="sng" algn="ctr">
+                <a14:hiddenLine xmlns="" xmlns:a14="http://schemas.microsoft.com/office/drawing/2010/main" w="25400" cap="flat" cmpd="sng" algn="ctr">
                   <a:solidFill>
                     <a:srgbClr val="000000"/>
                   </a:solidFill>
@@ -16959,7 +16960,7 @@
                 </a14:hiddenLine>
               </a:ext>
               <a:ext uri="{AF507438-7753-43e0-B8FC-AC1667EBCBE1}">
-                <a14:hiddenEffects xmlns:a14="http://schemas.microsoft.com/office/drawing/2010/main" xmlns="">
+                <a14:hiddenEffects xmlns="" xmlns:a14="http://schemas.microsoft.com/office/drawing/2010/main">
                   <a:effectLst>
                     <a:outerShdw blurRad="63500" dist="38099" dir="2700000" algn="ctr" rotWithShape="0">
                       <a:schemeClr val="bg2">
@@ -17083,7 +17084,7 @@
             <a:effectLst/>
             <a:extLst>
               <a:ext uri="{91240B29-F687-4f45-9708-019B960494DF}">
-                <a14:hiddenLine xmlns:a14="http://schemas.microsoft.com/office/drawing/2010/main" xmlns="" w="25400" cap="flat" cmpd="sng" algn="ctr">
+                <a14:hiddenLine xmlns="" xmlns:a14="http://schemas.microsoft.com/office/drawing/2010/main" w="25400" cap="flat" cmpd="sng" algn="ctr">
                   <a:solidFill>
                     <a:srgbClr val="000000"/>
                   </a:solidFill>
@@ -17094,7 +17095,7 @@
                 </a14:hiddenLine>
               </a:ext>
               <a:ext uri="{AF507438-7753-43e0-B8FC-AC1667EBCBE1}">
-                <a14:hiddenEffects xmlns:a14="http://schemas.microsoft.com/office/drawing/2010/main" xmlns="">
+                <a14:hiddenEffects xmlns="" xmlns:a14="http://schemas.microsoft.com/office/drawing/2010/main">
                   <a:effectLst>
                     <a:outerShdw blurRad="63500" dist="38099" dir="2700000" algn="ctr" rotWithShape="0">
                       <a:schemeClr val="bg2">
@@ -18521,7 +18522,7 @@
             <a:effectLst/>
             <a:extLst>
               <a:ext uri="{91240B29-F687-4f45-9708-019B960494DF}">
-                <a14:hiddenLine xmlns:a14="http://schemas.microsoft.com/office/drawing/2010/main" xmlns="" w="25400" cap="flat" cmpd="sng" algn="ctr">
+                <a14:hiddenLine xmlns="" xmlns:a14="http://schemas.microsoft.com/office/drawing/2010/main" w="25400" cap="flat" cmpd="sng" algn="ctr">
                   <a:solidFill>
                     <a:srgbClr val="000000"/>
                   </a:solidFill>
@@ -18532,7 +18533,7 @@
                 </a14:hiddenLine>
               </a:ext>
               <a:ext uri="{AF507438-7753-43e0-B8FC-AC1667EBCBE1}">
-                <a14:hiddenEffects xmlns:a14="http://schemas.microsoft.com/office/drawing/2010/main" xmlns="">
+                <a14:hiddenEffects xmlns="" xmlns:a14="http://schemas.microsoft.com/office/drawing/2010/main">
                   <a:effectLst>
                     <a:outerShdw blurRad="63500" dist="38099" dir="2700000" algn="ctr" rotWithShape="0">
                       <a:schemeClr val="bg2">
@@ -18574,7 +18575,7 @@
             <a:effectLst/>
             <a:extLst>
               <a:ext uri="{91240B29-F687-4f45-9708-019B960494DF}">
-                <a14:hiddenLine xmlns:a14="http://schemas.microsoft.com/office/drawing/2010/main" xmlns="" w="25400" cap="flat" cmpd="sng" algn="ctr">
+                <a14:hiddenLine xmlns="" xmlns:a14="http://schemas.microsoft.com/office/drawing/2010/main" w="25400" cap="flat" cmpd="sng" algn="ctr">
                   <a:solidFill>
                     <a:srgbClr val="000000"/>
                   </a:solidFill>
@@ -18585,7 +18586,7 @@
                 </a14:hiddenLine>
               </a:ext>
               <a:ext uri="{AF507438-7753-43e0-B8FC-AC1667EBCBE1}">
-                <a14:hiddenEffects xmlns:a14="http://schemas.microsoft.com/office/drawing/2010/main" xmlns="">
+                <a14:hiddenEffects xmlns="" xmlns:a14="http://schemas.microsoft.com/office/drawing/2010/main">
                   <a:effectLst>
                     <a:outerShdw blurRad="63500" dist="38099" dir="2700000" algn="ctr" rotWithShape="0">
                       <a:schemeClr val="bg2">
@@ -18624,7 +18625,7 @@
             <a:effectLst/>
             <a:extLst>
               <a:ext uri="{91240B29-F687-4f45-9708-019B960494DF}">
-                <a14:hiddenLine xmlns:a14="http://schemas.microsoft.com/office/drawing/2010/main" xmlns="" w="25400" cap="flat" cmpd="sng" algn="ctr">
+                <a14:hiddenLine xmlns="" xmlns:a14="http://schemas.microsoft.com/office/drawing/2010/main" w="25400" cap="flat" cmpd="sng" algn="ctr">
                   <a:solidFill>
                     <a:srgbClr val="000000"/>
                   </a:solidFill>
@@ -18635,7 +18636,7 @@
                 </a14:hiddenLine>
               </a:ext>
               <a:ext uri="{AF507438-7753-43e0-B8FC-AC1667EBCBE1}">
-                <a14:hiddenEffects xmlns:a14="http://schemas.microsoft.com/office/drawing/2010/main" xmlns="">
+                <a14:hiddenEffects xmlns="" xmlns:a14="http://schemas.microsoft.com/office/drawing/2010/main">
                   <a:effectLst>
                     <a:outerShdw blurRad="63500" dist="38099" dir="2700000" algn="ctr" rotWithShape="0">
                       <a:schemeClr val="bg2">
@@ -18677,7 +18678,7 @@
             <a:effectLst/>
             <a:extLst>
               <a:ext uri="{91240B29-F687-4f45-9708-019B960494DF}">
-                <a14:hiddenLine xmlns:a14="http://schemas.microsoft.com/office/drawing/2010/main" xmlns="" w="25400" cap="flat" cmpd="sng" algn="ctr">
+                <a14:hiddenLine xmlns="" xmlns:a14="http://schemas.microsoft.com/office/drawing/2010/main" w="25400" cap="flat" cmpd="sng" algn="ctr">
                   <a:solidFill>
                     <a:srgbClr val="000000"/>
                   </a:solidFill>
@@ -18688,7 +18689,7 @@
                 </a14:hiddenLine>
               </a:ext>
               <a:ext uri="{AF507438-7753-43e0-B8FC-AC1667EBCBE1}">
-                <a14:hiddenEffects xmlns:a14="http://schemas.microsoft.com/office/drawing/2010/main" xmlns="">
+                <a14:hiddenEffects xmlns="" xmlns:a14="http://schemas.microsoft.com/office/drawing/2010/main">
                   <a:effectLst>
                     <a:outerShdw blurRad="63500" dist="38099" dir="2700000" algn="ctr" rotWithShape="0">
                       <a:schemeClr val="bg2">
@@ -18727,7 +18728,7 @@
             <a:effectLst/>
             <a:extLst>
               <a:ext uri="{91240B29-F687-4f45-9708-019B960494DF}">
-                <a14:hiddenLine xmlns:a14="http://schemas.microsoft.com/office/drawing/2010/main" xmlns="" w="25400" cap="flat" cmpd="sng" algn="ctr">
+                <a14:hiddenLine xmlns="" xmlns:a14="http://schemas.microsoft.com/office/drawing/2010/main" w="25400" cap="flat" cmpd="sng" algn="ctr">
                   <a:solidFill>
                     <a:srgbClr val="000000"/>
                   </a:solidFill>
@@ -18738,7 +18739,7 @@
                 </a14:hiddenLine>
               </a:ext>
               <a:ext uri="{AF507438-7753-43e0-B8FC-AC1667EBCBE1}">
-                <a14:hiddenEffects xmlns:a14="http://schemas.microsoft.com/office/drawing/2010/main" xmlns="">
+                <a14:hiddenEffects xmlns="" xmlns:a14="http://schemas.microsoft.com/office/drawing/2010/main">
                   <a:effectLst>
                     <a:outerShdw blurRad="63500" dist="38099" dir="2700000" algn="ctr" rotWithShape="0">
                       <a:schemeClr val="bg2">
@@ -18780,7 +18781,7 @@
             <a:effectLst/>
             <a:extLst>
               <a:ext uri="{91240B29-F687-4f45-9708-019B960494DF}">
-                <a14:hiddenLine xmlns:a14="http://schemas.microsoft.com/office/drawing/2010/main" xmlns="" w="25400" cap="flat" cmpd="sng" algn="ctr">
+                <a14:hiddenLine xmlns="" xmlns:a14="http://schemas.microsoft.com/office/drawing/2010/main" w="25400" cap="flat" cmpd="sng" algn="ctr">
                   <a:solidFill>
                     <a:srgbClr val="000000"/>
                   </a:solidFill>
@@ -18791,7 +18792,7 @@
                 </a14:hiddenLine>
               </a:ext>
               <a:ext uri="{AF507438-7753-43e0-B8FC-AC1667EBCBE1}">
-                <a14:hiddenEffects xmlns:a14="http://schemas.microsoft.com/office/drawing/2010/main" xmlns="">
+                <a14:hiddenEffects xmlns="" xmlns:a14="http://schemas.microsoft.com/office/drawing/2010/main">
                   <a:effectLst>
                     <a:outerShdw blurRad="63500" dist="38099" dir="2700000" algn="ctr" rotWithShape="0">
                       <a:schemeClr val="bg2">
@@ -18836,7 +18837,7 @@
             <a:effectLst/>
             <a:extLst>
               <a:ext uri="{91240B29-F687-4f45-9708-019B960494DF}">
-                <a14:hiddenLine xmlns:a14="http://schemas.microsoft.com/office/drawing/2010/main" xmlns="" w="25400" cap="flat" cmpd="sng" algn="ctr">
+                <a14:hiddenLine xmlns="" xmlns:a14="http://schemas.microsoft.com/office/drawing/2010/main" w="25400" cap="flat" cmpd="sng" algn="ctr">
                   <a:solidFill>
                     <a:srgbClr val="000000"/>
                   </a:solidFill>
@@ -18847,7 +18848,7 @@
                 </a14:hiddenLine>
               </a:ext>
               <a:ext uri="{AF507438-7753-43e0-B8FC-AC1667EBCBE1}">
-                <a14:hiddenEffects xmlns:a14="http://schemas.microsoft.com/office/drawing/2010/main" xmlns="">
+                <a14:hiddenEffects xmlns="" xmlns:a14="http://schemas.microsoft.com/office/drawing/2010/main">
                   <a:effectLst>
                     <a:outerShdw blurRad="63500" dist="38099" dir="2700000" algn="ctr" rotWithShape="0">
                       <a:schemeClr val="bg2">
@@ -18889,7 +18890,7 @@
             <a:effectLst/>
             <a:extLst>
               <a:ext uri="{91240B29-F687-4f45-9708-019B960494DF}">
-                <a14:hiddenLine xmlns:a14="http://schemas.microsoft.com/office/drawing/2010/main" xmlns="" w="25400" cap="flat" cmpd="sng" algn="ctr">
+                <a14:hiddenLine xmlns="" xmlns:a14="http://schemas.microsoft.com/office/drawing/2010/main" w="25400" cap="flat" cmpd="sng" algn="ctr">
                   <a:solidFill>
                     <a:srgbClr val="000000"/>
                   </a:solidFill>
@@ -18900,7 +18901,7 @@
                 </a14:hiddenLine>
               </a:ext>
               <a:ext uri="{AF507438-7753-43e0-B8FC-AC1667EBCBE1}">
-                <a14:hiddenEffects xmlns:a14="http://schemas.microsoft.com/office/drawing/2010/main" xmlns="">
+                <a14:hiddenEffects xmlns="" xmlns:a14="http://schemas.microsoft.com/office/drawing/2010/main">
                   <a:effectLst>
                     <a:outerShdw blurRad="63500" dist="38099" dir="2700000" algn="ctr" rotWithShape="0">
                       <a:schemeClr val="bg2">
@@ -18945,7 +18946,7 @@
             <a:effectLst/>
             <a:extLst>
               <a:ext uri="{91240B29-F687-4f45-9708-019B960494DF}">
-                <a14:hiddenLine xmlns:a14="http://schemas.microsoft.com/office/drawing/2010/main" xmlns="" w="25400" cap="flat" cmpd="sng" algn="ctr">
+                <a14:hiddenLine xmlns="" xmlns:a14="http://schemas.microsoft.com/office/drawing/2010/main" w="25400" cap="flat" cmpd="sng" algn="ctr">
                   <a:solidFill>
                     <a:srgbClr val="000000"/>
                   </a:solidFill>
@@ -18956,7 +18957,7 @@
                 </a14:hiddenLine>
               </a:ext>
               <a:ext uri="{AF507438-7753-43e0-B8FC-AC1667EBCBE1}">
-                <a14:hiddenEffects xmlns:a14="http://schemas.microsoft.com/office/drawing/2010/main" xmlns="">
+                <a14:hiddenEffects xmlns="" xmlns:a14="http://schemas.microsoft.com/office/drawing/2010/main">
                   <a:effectLst>
                     <a:outerShdw blurRad="63500" dist="38099" dir="2700000" algn="ctr" rotWithShape="0">
                       <a:schemeClr val="bg2">
@@ -19787,7 +19788,7 @@
             <a:effectLst/>
             <a:extLst>
               <a:ext uri="{91240B29-F687-4f45-9708-019B960494DF}">
-                <a14:hiddenLine xmlns:a14="http://schemas.microsoft.com/office/drawing/2010/main" xmlns="" w="25400" cap="flat" cmpd="sng" algn="ctr">
+                <a14:hiddenLine xmlns="" xmlns:a14="http://schemas.microsoft.com/office/drawing/2010/main" w="25400" cap="flat" cmpd="sng" algn="ctr">
                   <a:solidFill>
                     <a:srgbClr val="000000"/>
                   </a:solidFill>
@@ -19798,7 +19799,7 @@
                 </a14:hiddenLine>
               </a:ext>
               <a:ext uri="{AF507438-7753-43e0-B8FC-AC1667EBCBE1}">
-                <a14:hiddenEffects xmlns:a14="http://schemas.microsoft.com/office/drawing/2010/main" xmlns="">
+                <a14:hiddenEffects xmlns="" xmlns:a14="http://schemas.microsoft.com/office/drawing/2010/main">
                   <a:effectLst>
                     <a:outerShdw blurRad="63500" dist="38099" dir="2700000" algn="ctr" rotWithShape="0">
                       <a:schemeClr val="bg2">
@@ -19840,7 +19841,7 @@
             <a:effectLst/>
             <a:extLst>
               <a:ext uri="{91240B29-F687-4f45-9708-019B960494DF}">
-                <a14:hiddenLine xmlns:a14="http://schemas.microsoft.com/office/drawing/2010/main" xmlns="" w="25400" cap="flat" cmpd="sng" algn="ctr">
+                <a14:hiddenLine xmlns="" xmlns:a14="http://schemas.microsoft.com/office/drawing/2010/main" w="25400" cap="flat" cmpd="sng" algn="ctr">
                   <a:solidFill>
                     <a:srgbClr val="000000"/>
                   </a:solidFill>
@@ -19851,7 +19852,7 @@
                 </a14:hiddenLine>
               </a:ext>
               <a:ext uri="{AF507438-7753-43e0-B8FC-AC1667EBCBE1}">
-                <a14:hiddenEffects xmlns:a14="http://schemas.microsoft.com/office/drawing/2010/main" xmlns="">
+                <a14:hiddenEffects xmlns="" xmlns:a14="http://schemas.microsoft.com/office/drawing/2010/main">
                   <a:effectLst>
                     <a:outerShdw blurRad="63500" dist="38099" dir="2700000" algn="ctr" rotWithShape="0">
                       <a:schemeClr val="bg2">
@@ -19890,7 +19891,7 @@
             <a:effectLst/>
             <a:extLst>
               <a:ext uri="{91240B29-F687-4f45-9708-019B960494DF}">
-                <a14:hiddenLine xmlns:a14="http://schemas.microsoft.com/office/drawing/2010/main" xmlns="" w="25400" cap="flat" cmpd="sng" algn="ctr">
+                <a14:hiddenLine xmlns="" xmlns:a14="http://schemas.microsoft.com/office/drawing/2010/main" w="25400" cap="flat" cmpd="sng" algn="ctr">
                   <a:solidFill>
                     <a:srgbClr val="000000"/>
                   </a:solidFill>
@@ -19901,7 +19902,7 @@
                 </a14:hiddenLine>
               </a:ext>
               <a:ext uri="{AF507438-7753-43e0-B8FC-AC1667EBCBE1}">
-                <a14:hiddenEffects xmlns:a14="http://schemas.microsoft.com/office/drawing/2010/main" xmlns="">
+                <a14:hiddenEffects xmlns="" xmlns:a14="http://schemas.microsoft.com/office/drawing/2010/main">
                   <a:effectLst>
                     <a:outerShdw blurRad="63500" dist="38099" dir="2700000" algn="ctr" rotWithShape="0">
                       <a:schemeClr val="bg2">
@@ -19943,7 +19944,7 @@
             <a:effectLst/>
             <a:extLst>
               <a:ext uri="{91240B29-F687-4f45-9708-019B960494DF}">
-                <a14:hiddenLine xmlns:a14="http://schemas.microsoft.com/office/drawing/2010/main" xmlns="" w="25400" cap="flat" cmpd="sng" algn="ctr">
+                <a14:hiddenLine xmlns="" xmlns:a14="http://schemas.microsoft.com/office/drawing/2010/main" w="25400" cap="flat" cmpd="sng" algn="ctr">
                   <a:solidFill>
                     <a:srgbClr val="000000"/>
                   </a:solidFill>
@@ -19954,7 +19955,7 @@
                 </a14:hiddenLine>
               </a:ext>
               <a:ext uri="{AF507438-7753-43e0-B8FC-AC1667EBCBE1}">
-                <a14:hiddenEffects xmlns:a14="http://schemas.microsoft.com/office/drawing/2010/main" xmlns="">
+                <a14:hiddenEffects xmlns="" xmlns:a14="http://schemas.microsoft.com/office/drawing/2010/main">
                   <a:effectLst>
                     <a:outerShdw blurRad="63500" dist="38099" dir="2700000" algn="ctr" rotWithShape="0">
                       <a:schemeClr val="bg2">
@@ -19993,7 +19994,7 @@
             <a:effectLst/>
             <a:extLst>
               <a:ext uri="{91240B29-F687-4f45-9708-019B960494DF}">
-                <a14:hiddenLine xmlns:a14="http://schemas.microsoft.com/office/drawing/2010/main" xmlns="" w="25400" cap="flat" cmpd="sng" algn="ctr">
+                <a14:hiddenLine xmlns="" xmlns:a14="http://schemas.microsoft.com/office/drawing/2010/main" w="25400" cap="flat" cmpd="sng" algn="ctr">
                   <a:solidFill>
                     <a:srgbClr val="000000"/>
                   </a:solidFill>
@@ -20004,7 +20005,7 @@
                 </a14:hiddenLine>
               </a:ext>
               <a:ext uri="{AF507438-7753-43e0-B8FC-AC1667EBCBE1}">
-                <a14:hiddenEffects xmlns:a14="http://schemas.microsoft.com/office/drawing/2010/main" xmlns="">
+                <a14:hiddenEffects xmlns="" xmlns:a14="http://schemas.microsoft.com/office/drawing/2010/main">
                   <a:effectLst>
                     <a:outerShdw blurRad="63500" dist="38099" dir="2700000" algn="ctr" rotWithShape="0">
                       <a:schemeClr val="bg2">
@@ -20046,7 +20047,7 @@
             <a:effectLst/>
             <a:extLst>
               <a:ext uri="{91240B29-F687-4f45-9708-019B960494DF}">
-                <a14:hiddenLine xmlns:a14="http://schemas.microsoft.com/office/drawing/2010/main" xmlns="" w="25400" cap="flat" cmpd="sng" algn="ctr">
+                <a14:hiddenLine xmlns="" xmlns:a14="http://schemas.microsoft.com/office/drawing/2010/main" w="25400" cap="flat" cmpd="sng" algn="ctr">
                   <a:solidFill>
                     <a:srgbClr val="000000"/>
                   </a:solidFill>
@@ -20057,7 +20058,7 @@
                 </a14:hiddenLine>
               </a:ext>
               <a:ext uri="{AF507438-7753-43e0-B8FC-AC1667EBCBE1}">
-                <a14:hiddenEffects xmlns:a14="http://schemas.microsoft.com/office/drawing/2010/main" xmlns="">
+                <a14:hiddenEffects xmlns="" xmlns:a14="http://schemas.microsoft.com/office/drawing/2010/main">
                   <a:effectLst>
                     <a:outerShdw blurRad="63500" dist="38099" dir="2700000" algn="ctr" rotWithShape="0">
                       <a:schemeClr val="bg2">
@@ -20102,7 +20103,7 @@
             <a:effectLst/>
             <a:extLst>
               <a:ext uri="{91240B29-F687-4f45-9708-019B960494DF}">
-                <a14:hiddenLine xmlns:a14="http://schemas.microsoft.com/office/drawing/2010/main" xmlns="" w="25400" cap="flat" cmpd="sng" algn="ctr">
+                <a14:hiddenLine xmlns="" xmlns:a14="http://schemas.microsoft.com/office/drawing/2010/main" w="25400" cap="flat" cmpd="sng" algn="ctr">
                   <a:solidFill>
                     <a:srgbClr val="000000"/>
                   </a:solidFill>
@@ -20113,7 +20114,7 @@
                 </a14:hiddenLine>
               </a:ext>
               <a:ext uri="{AF507438-7753-43e0-B8FC-AC1667EBCBE1}">
-                <a14:hiddenEffects xmlns:a14="http://schemas.microsoft.com/office/drawing/2010/main" xmlns="">
+                <a14:hiddenEffects xmlns="" xmlns:a14="http://schemas.microsoft.com/office/drawing/2010/main">
                   <a:effectLst>
                     <a:outerShdw blurRad="63500" dist="38099" dir="2700000" algn="ctr" rotWithShape="0">
                       <a:schemeClr val="bg2">
@@ -20155,7 +20156,7 @@
             <a:effectLst/>
             <a:extLst>
               <a:ext uri="{91240B29-F687-4f45-9708-019B960494DF}">
-                <a14:hiddenLine xmlns:a14="http://schemas.microsoft.com/office/drawing/2010/main" xmlns="" w="25400" cap="flat" cmpd="sng" algn="ctr">
+                <a14:hiddenLine xmlns="" xmlns:a14="http://schemas.microsoft.com/office/drawing/2010/main" w="25400" cap="flat" cmpd="sng" algn="ctr">
                   <a:solidFill>
                     <a:srgbClr val="000000"/>
                   </a:solidFill>
@@ -20166,7 +20167,7 @@
                 </a14:hiddenLine>
               </a:ext>
               <a:ext uri="{AF507438-7753-43e0-B8FC-AC1667EBCBE1}">
-                <a14:hiddenEffects xmlns:a14="http://schemas.microsoft.com/office/drawing/2010/main" xmlns="">
+                <a14:hiddenEffects xmlns="" xmlns:a14="http://schemas.microsoft.com/office/drawing/2010/main">
                   <a:effectLst>
                     <a:outerShdw blurRad="63500" dist="38099" dir="2700000" algn="ctr" rotWithShape="0">
                       <a:schemeClr val="bg2">
@@ -20211,7 +20212,7 @@
             <a:effectLst/>
             <a:extLst>
               <a:ext uri="{91240B29-F687-4f45-9708-019B960494DF}">
-                <a14:hiddenLine xmlns:a14="http://schemas.microsoft.com/office/drawing/2010/main" xmlns="" w="25400" cap="flat" cmpd="sng" algn="ctr">
+                <a14:hiddenLine xmlns="" xmlns:a14="http://schemas.microsoft.com/office/drawing/2010/main" w="25400" cap="flat" cmpd="sng" algn="ctr">
                   <a:solidFill>
                     <a:srgbClr val="000000"/>
                   </a:solidFill>
@@ -20222,7 +20223,7 @@
                 </a14:hiddenLine>
               </a:ext>
               <a:ext uri="{AF507438-7753-43e0-B8FC-AC1667EBCBE1}">
-                <a14:hiddenEffects xmlns:a14="http://schemas.microsoft.com/office/drawing/2010/main" xmlns="">
+                <a14:hiddenEffects xmlns="" xmlns:a14="http://schemas.microsoft.com/office/drawing/2010/main">
                   <a:effectLst>
                     <a:outerShdw blurRad="63500" dist="38099" dir="2700000" algn="ctr" rotWithShape="0">
                       <a:schemeClr val="bg2">
@@ -20382,7 +20383,7 @@
             </a:ln>
             <a:extLst>
               <a:ext uri="{91240B29-F687-4f45-9708-019B960494DF}">
-                <a14:hiddenLine xmlns:a14="http://schemas.microsoft.com/office/drawing/2010/main" xmlns="" w="25400" cap="flat" cmpd="sng" algn="ctr">
+                <a14:hiddenLine xmlns="" xmlns:a14="http://schemas.microsoft.com/office/drawing/2010/main" w="25400" cap="flat" cmpd="sng" algn="ctr">
                   <a:solidFill>
                     <a:srgbClr val="000000"/>
                   </a:solidFill>
@@ -20393,7 +20394,7 @@
                 </a14:hiddenLine>
               </a:ext>
               <a:ext uri="{AF507438-7753-43e0-B8FC-AC1667EBCBE1}">
-                <a14:hiddenEffects xmlns:a14="http://schemas.microsoft.com/office/drawing/2010/main" xmlns="">
+                <a14:hiddenEffects xmlns="" xmlns:a14="http://schemas.microsoft.com/office/drawing/2010/main">
                   <a:effectLst>
                     <a:outerShdw blurRad="63500" dist="38099" dir="2700000" algn="ctr" rotWithShape="0">
                       <a:schemeClr val="bg2">
@@ -20442,7 +20443,7 @@
             </a:ln>
             <a:extLst>
               <a:ext uri="{91240B29-F687-4f45-9708-019B960494DF}">
-                <a14:hiddenLine xmlns:a14="http://schemas.microsoft.com/office/drawing/2010/main" xmlns="" w="25400" cap="flat" cmpd="sng" algn="ctr">
+                <a14:hiddenLine xmlns="" xmlns:a14="http://schemas.microsoft.com/office/drawing/2010/main" w="25400" cap="flat" cmpd="sng" algn="ctr">
                   <a:solidFill>
                     <a:srgbClr val="000000"/>
                   </a:solidFill>
@@ -20453,7 +20454,7 @@
                 </a14:hiddenLine>
               </a:ext>
               <a:ext uri="{AF507438-7753-43e0-B8FC-AC1667EBCBE1}">
-                <a14:hiddenEffects xmlns:a14="http://schemas.microsoft.com/office/drawing/2010/main" xmlns="">
+                <a14:hiddenEffects xmlns="" xmlns:a14="http://schemas.microsoft.com/office/drawing/2010/main">
                   <a:effectLst>
                     <a:outerShdw blurRad="63500" dist="38099" dir="2700000" algn="ctr" rotWithShape="0">
                       <a:schemeClr val="bg2">
@@ -20531,7 +20532,7 @@
               </a:ln>
               <a:extLst>
                 <a:ext uri="{91240B29-F687-4f45-9708-019B960494DF}">
-                  <a14:hiddenLine xmlns:a14="http://schemas.microsoft.com/office/drawing/2010/main" xmlns="" w="25400" cap="flat" cmpd="sng" algn="ctr">
+                  <a14:hiddenLine xmlns="" xmlns:a14="http://schemas.microsoft.com/office/drawing/2010/main" w="25400" cap="flat" cmpd="sng" algn="ctr">
                     <a:solidFill>
                       <a:srgbClr val="000000"/>
                     </a:solidFill>
@@ -20542,7 +20543,7 @@
                   </a14:hiddenLine>
                 </a:ext>
                 <a:ext uri="{AF507438-7753-43e0-B8FC-AC1667EBCBE1}">
-                  <a14:hiddenEffects xmlns:a14="http://schemas.microsoft.com/office/drawing/2010/main" xmlns="">
+                  <a14:hiddenEffects xmlns="" xmlns:a14="http://schemas.microsoft.com/office/drawing/2010/main">
                     <a:effectLst>
                       <a:outerShdw blurRad="63500" dist="38099" dir="2700000" algn="ctr" rotWithShape="0">
                         <a:schemeClr val="bg2">
@@ -20590,7 +20591,7 @@
               </a:ln>
               <a:extLst>
                 <a:ext uri="{91240B29-F687-4f45-9708-019B960494DF}">
-                  <a14:hiddenLine xmlns:a14="http://schemas.microsoft.com/office/drawing/2010/main" xmlns="" w="25400" cap="flat" cmpd="sng" algn="ctr">
+                  <a14:hiddenLine xmlns="" xmlns:a14="http://schemas.microsoft.com/office/drawing/2010/main" w="25400" cap="flat" cmpd="sng" algn="ctr">
                     <a:solidFill>
                       <a:srgbClr val="000000"/>
                     </a:solidFill>
@@ -20601,7 +20602,7 @@
                   </a14:hiddenLine>
                 </a:ext>
                 <a:ext uri="{AF507438-7753-43e0-B8FC-AC1667EBCBE1}">
-                  <a14:hiddenEffects xmlns:a14="http://schemas.microsoft.com/office/drawing/2010/main" xmlns="">
+                  <a14:hiddenEffects xmlns="" xmlns:a14="http://schemas.microsoft.com/office/drawing/2010/main">
                     <a:effectLst>
                       <a:outerShdw blurRad="63500" dist="38099" dir="2700000" algn="ctr" rotWithShape="0">
                         <a:schemeClr val="bg2">
@@ -20665,7 +20666,7 @@
               </a:ln>
               <a:extLst>
                 <a:ext uri="{91240B29-F687-4f45-9708-019B960494DF}">
-                  <a14:hiddenLine xmlns:a14="http://schemas.microsoft.com/office/drawing/2010/main" xmlns="" w="25400" cap="flat" cmpd="sng" algn="ctr">
+                  <a14:hiddenLine xmlns="" xmlns:a14="http://schemas.microsoft.com/office/drawing/2010/main" w="25400" cap="flat" cmpd="sng" algn="ctr">
                     <a:solidFill>
                       <a:srgbClr val="000000"/>
                     </a:solidFill>
@@ -20676,7 +20677,7 @@
                   </a14:hiddenLine>
                 </a:ext>
                 <a:ext uri="{AF507438-7753-43e0-B8FC-AC1667EBCBE1}">
-                  <a14:hiddenEffects xmlns:a14="http://schemas.microsoft.com/office/drawing/2010/main" xmlns="">
+                  <a14:hiddenEffects xmlns="" xmlns:a14="http://schemas.microsoft.com/office/drawing/2010/main">
                     <a:effectLst>
                       <a:outerShdw blurRad="63500" dist="38099" dir="2700000" algn="ctr" rotWithShape="0">
                         <a:schemeClr val="bg2">
@@ -20724,7 +20725,7 @@
               </a:ln>
               <a:extLst>
                 <a:ext uri="{91240B29-F687-4f45-9708-019B960494DF}">
-                  <a14:hiddenLine xmlns:a14="http://schemas.microsoft.com/office/drawing/2010/main" xmlns="" w="25400" cap="flat" cmpd="sng" algn="ctr">
+                  <a14:hiddenLine xmlns="" xmlns:a14="http://schemas.microsoft.com/office/drawing/2010/main" w="25400" cap="flat" cmpd="sng" algn="ctr">
                     <a:solidFill>
                       <a:srgbClr val="000000"/>
                     </a:solidFill>
@@ -20735,7 +20736,7 @@
                   </a14:hiddenLine>
                 </a:ext>
                 <a:ext uri="{AF507438-7753-43e0-B8FC-AC1667EBCBE1}">
-                  <a14:hiddenEffects xmlns:a14="http://schemas.microsoft.com/office/drawing/2010/main" xmlns="">
+                  <a14:hiddenEffects xmlns="" xmlns:a14="http://schemas.microsoft.com/office/drawing/2010/main">
                     <a:effectLst>
                       <a:outerShdw blurRad="63500" dist="38099" dir="2700000" algn="ctr" rotWithShape="0">
                         <a:schemeClr val="bg2">
@@ -20799,7 +20800,7 @@
               </a:ln>
               <a:extLst>
                 <a:ext uri="{91240B29-F687-4f45-9708-019B960494DF}">
-                  <a14:hiddenLine xmlns:a14="http://schemas.microsoft.com/office/drawing/2010/main" xmlns="" w="25400" cap="flat" cmpd="sng" algn="ctr">
+                  <a14:hiddenLine xmlns="" xmlns:a14="http://schemas.microsoft.com/office/drawing/2010/main" w="25400" cap="flat" cmpd="sng" algn="ctr">
                     <a:solidFill>
                       <a:srgbClr val="000000"/>
                     </a:solidFill>
@@ -20810,7 +20811,7 @@
                   </a14:hiddenLine>
                 </a:ext>
                 <a:ext uri="{AF507438-7753-43e0-B8FC-AC1667EBCBE1}">
-                  <a14:hiddenEffects xmlns:a14="http://schemas.microsoft.com/office/drawing/2010/main" xmlns="">
+                  <a14:hiddenEffects xmlns="" xmlns:a14="http://schemas.microsoft.com/office/drawing/2010/main">
                     <a:effectLst>
                       <a:outerShdw blurRad="63500" dist="38099" dir="2700000" algn="ctr" rotWithShape="0">
                         <a:schemeClr val="bg2">
@@ -20858,7 +20859,7 @@
               </a:ln>
               <a:extLst>
                 <a:ext uri="{91240B29-F687-4f45-9708-019B960494DF}">
-                  <a14:hiddenLine xmlns:a14="http://schemas.microsoft.com/office/drawing/2010/main" xmlns="" w="25400" cap="flat" cmpd="sng" algn="ctr">
+                  <a14:hiddenLine xmlns="" xmlns:a14="http://schemas.microsoft.com/office/drawing/2010/main" w="25400" cap="flat" cmpd="sng" algn="ctr">
                     <a:solidFill>
                       <a:srgbClr val="000000"/>
                     </a:solidFill>
@@ -20869,7 +20870,7 @@
                   </a14:hiddenLine>
                 </a:ext>
                 <a:ext uri="{AF507438-7753-43e0-B8FC-AC1667EBCBE1}">
-                  <a14:hiddenEffects xmlns:a14="http://schemas.microsoft.com/office/drawing/2010/main" xmlns="">
+                  <a14:hiddenEffects xmlns="" xmlns:a14="http://schemas.microsoft.com/office/drawing/2010/main">
                     <a:effectLst>
                       <a:outerShdw blurRad="63500" dist="38099" dir="2700000" algn="ctr" rotWithShape="0">
                         <a:schemeClr val="bg2">
@@ -20947,7 +20948,7 @@
               </a:ln>
               <a:extLst>
                 <a:ext uri="{91240B29-F687-4f45-9708-019B960494DF}">
-                  <a14:hiddenLine xmlns:a14="http://schemas.microsoft.com/office/drawing/2010/main" xmlns="" w="25400" cap="flat" cmpd="sng" algn="ctr">
+                  <a14:hiddenLine xmlns="" xmlns:a14="http://schemas.microsoft.com/office/drawing/2010/main" w="25400" cap="flat" cmpd="sng" algn="ctr">
                     <a:solidFill>
                       <a:srgbClr val="000000"/>
                     </a:solidFill>
@@ -20958,7 +20959,7 @@
                   </a14:hiddenLine>
                 </a:ext>
                 <a:ext uri="{AF507438-7753-43e0-B8FC-AC1667EBCBE1}">
-                  <a14:hiddenEffects xmlns:a14="http://schemas.microsoft.com/office/drawing/2010/main" xmlns="">
+                  <a14:hiddenEffects xmlns="" xmlns:a14="http://schemas.microsoft.com/office/drawing/2010/main">
                     <a:effectLst>
                       <a:outerShdw blurRad="63500" dist="38099" dir="2700000" algn="ctr" rotWithShape="0">
                         <a:schemeClr val="bg2">
@@ -21007,7 +21008,7 @@
               </a:ln>
               <a:extLst>
                 <a:ext uri="{91240B29-F687-4f45-9708-019B960494DF}">
-                  <a14:hiddenLine xmlns:a14="http://schemas.microsoft.com/office/drawing/2010/main" xmlns="" w="25400" cap="flat" cmpd="sng" algn="ctr">
+                  <a14:hiddenLine xmlns="" xmlns:a14="http://schemas.microsoft.com/office/drawing/2010/main" w="25400" cap="flat" cmpd="sng" algn="ctr">
                     <a:solidFill>
                       <a:srgbClr val="000000"/>
                     </a:solidFill>
@@ -21018,7 +21019,7 @@
                   </a14:hiddenLine>
                 </a:ext>
                 <a:ext uri="{AF507438-7753-43e0-B8FC-AC1667EBCBE1}">
-                  <a14:hiddenEffects xmlns:a14="http://schemas.microsoft.com/office/drawing/2010/main" xmlns="">
+                  <a14:hiddenEffects xmlns="" xmlns:a14="http://schemas.microsoft.com/office/drawing/2010/main">
                     <a:effectLst>
                       <a:outerShdw blurRad="63500" dist="38099" dir="2700000" algn="ctr" rotWithShape="0">
                         <a:schemeClr val="bg2">
@@ -21067,7 +21068,7 @@
             </a:ln>
             <a:extLst>
               <a:ext uri="{91240B29-F687-4f45-9708-019B960494DF}">
-                <a14:hiddenLine xmlns:a14="http://schemas.microsoft.com/office/drawing/2010/main" xmlns="" w="25400" cap="flat" cmpd="sng" algn="ctr">
+                <a14:hiddenLine xmlns="" xmlns:a14="http://schemas.microsoft.com/office/drawing/2010/main" w="25400" cap="flat" cmpd="sng" algn="ctr">
                   <a:solidFill>
                     <a:srgbClr val="000000"/>
                   </a:solidFill>
@@ -21078,7 +21079,7 @@
                 </a14:hiddenLine>
               </a:ext>
               <a:ext uri="{AF507438-7753-43e0-B8FC-AC1667EBCBE1}">
-                <a14:hiddenEffects xmlns:a14="http://schemas.microsoft.com/office/drawing/2010/main" xmlns="">
+                <a14:hiddenEffects xmlns="" xmlns:a14="http://schemas.microsoft.com/office/drawing/2010/main">
                   <a:effectLst>
                     <a:outerShdw blurRad="63500" dist="38099" dir="2700000" algn="ctr" rotWithShape="0">
                       <a:schemeClr val="bg2">
@@ -21156,7 +21157,7 @@
               </a:ln>
               <a:extLst>
                 <a:ext uri="{91240B29-F687-4f45-9708-019B960494DF}">
-                  <a14:hiddenLine xmlns:a14="http://schemas.microsoft.com/office/drawing/2010/main" xmlns="" w="25400" cap="flat" cmpd="sng" algn="ctr">
+                  <a14:hiddenLine xmlns="" xmlns:a14="http://schemas.microsoft.com/office/drawing/2010/main" w="25400" cap="flat" cmpd="sng" algn="ctr">
                     <a:solidFill>
                       <a:srgbClr val="000000"/>
                     </a:solidFill>
@@ -21167,7 +21168,7 @@
                   </a14:hiddenLine>
                 </a:ext>
                 <a:ext uri="{AF507438-7753-43e0-B8FC-AC1667EBCBE1}">
-                  <a14:hiddenEffects xmlns:a14="http://schemas.microsoft.com/office/drawing/2010/main" xmlns="">
+                  <a14:hiddenEffects xmlns="" xmlns:a14="http://schemas.microsoft.com/office/drawing/2010/main">
                     <a:effectLst>
                       <a:outerShdw blurRad="63500" dist="38099" dir="2700000" algn="ctr" rotWithShape="0">
                         <a:schemeClr val="bg2">
@@ -21215,7 +21216,7 @@
               </a:ln>
               <a:extLst>
                 <a:ext uri="{91240B29-F687-4f45-9708-019B960494DF}">
-                  <a14:hiddenLine xmlns:a14="http://schemas.microsoft.com/office/drawing/2010/main" xmlns="" w="25400" cap="flat" cmpd="sng" algn="ctr">
+                  <a14:hiddenLine xmlns="" xmlns:a14="http://schemas.microsoft.com/office/drawing/2010/main" w="25400" cap="flat" cmpd="sng" algn="ctr">
                     <a:solidFill>
                       <a:srgbClr val="000000"/>
                     </a:solidFill>
@@ -21226,7 +21227,7 @@
                   </a14:hiddenLine>
                 </a:ext>
                 <a:ext uri="{AF507438-7753-43e0-B8FC-AC1667EBCBE1}">
-                  <a14:hiddenEffects xmlns:a14="http://schemas.microsoft.com/office/drawing/2010/main" xmlns="">
+                  <a14:hiddenEffects xmlns="" xmlns:a14="http://schemas.microsoft.com/office/drawing/2010/main">
                     <a:effectLst>
                       <a:outerShdw blurRad="63500" dist="38099" dir="2700000" algn="ctr" rotWithShape="0">
                         <a:schemeClr val="bg2">
@@ -21290,7 +21291,7 @@
               </a:ln>
               <a:extLst>
                 <a:ext uri="{91240B29-F687-4f45-9708-019B960494DF}">
-                  <a14:hiddenLine xmlns:a14="http://schemas.microsoft.com/office/drawing/2010/main" xmlns="" w="25400" cap="flat" cmpd="sng" algn="ctr">
+                  <a14:hiddenLine xmlns="" xmlns:a14="http://schemas.microsoft.com/office/drawing/2010/main" w="25400" cap="flat" cmpd="sng" algn="ctr">
                     <a:solidFill>
                       <a:srgbClr val="000000"/>
                     </a:solidFill>
@@ -21301,7 +21302,7 @@
                   </a14:hiddenLine>
                 </a:ext>
                 <a:ext uri="{AF507438-7753-43e0-B8FC-AC1667EBCBE1}">
-                  <a14:hiddenEffects xmlns:a14="http://schemas.microsoft.com/office/drawing/2010/main" xmlns="">
+                  <a14:hiddenEffects xmlns="" xmlns:a14="http://schemas.microsoft.com/office/drawing/2010/main">
                     <a:effectLst>
                       <a:outerShdw blurRad="63500" dist="38099" dir="2700000" algn="ctr" rotWithShape="0">
                         <a:schemeClr val="bg2">
@@ -21349,7 +21350,7 @@
               </a:ln>
               <a:extLst>
                 <a:ext uri="{91240B29-F687-4f45-9708-019B960494DF}">
-                  <a14:hiddenLine xmlns:a14="http://schemas.microsoft.com/office/drawing/2010/main" xmlns="" w="25400" cap="flat" cmpd="sng" algn="ctr">
+                  <a14:hiddenLine xmlns="" xmlns:a14="http://schemas.microsoft.com/office/drawing/2010/main" w="25400" cap="flat" cmpd="sng" algn="ctr">
                     <a:solidFill>
                       <a:srgbClr val="000000"/>
                     </a:solidFill>
@@ -21360,7 +21361,7 @@
                   </a14:hiddenLine>
                 </a:ext>
                 <a:ext uri="{AF507438-7753-43e0-B8FC-AC1667EBCBE1}">
-                  <a14:hiddenEffects xmlns:a14="http://schemas.microsoft.com/office/drawing/2010/main" xmlns="">
+                  <a14:hiddenEffects xmlns="" xmlns:a14="http://schemas.microsoft.com/office/drawing/2010/main">
                     <a:effectLst>
                       <a:outerShdw blurRad="63500" dist="38099" dir="2700000" algn="ctr" rotWithShape="0">
                         <a:schemeClr val="bg2">
@@ -21424,7 +21425,7 @@
               </a:ln>
               <a:extLst>
                 <a:ext uri="{91240B29-F687-4f45-9708-019B960494DF}">
-                  <a14:hiddenLine xmlns:a14="http://schemas.microsoft.com/office/drawing/2010/main" xmlns="" w="25400" cap="flat" cmpd="sng" algn="ctr">
+                  <a14:hiddenLine xmlns="" xmlns:a14="http://schemas.microsoft.com/office/drawing/2010/main" w="25400" cap="flat" cmpd="sng" algn="ctr">
                     <a:solidFill>
                       <a:srgbClr val="000000"/>
                     </a:solidFill>
@@ -21435,7 +21436,7 @@
                   </a14:hiddenLine>
                 </a:ext>
                 <a:ext uri="{AF507438-7753-43e0-B8FC-AC1667EBCBE1}">
-                  <a14:hiddenEffects xmlns:a14="http://schemas.microsoft.com/office/drawing/2010/main" xmlns="">
+                  <a14:hiddenEffects xmlns="" xmlns:a14="http://schemas.microsoft.com/office/drawing/2010/main">
                     <a:effectLst>
                       <a:outerShdw blurRad="63500" dist="38099" dir="2700000" algn="ctr" rotWithShape="0">
                         <a:schemeClr val="bg2">
@@ -21483,7 +21484,7 @@
               </a:ln>
               <a:extLst>
                 <a:ext uri="{91240B29-F687-4f45-9708-019B960494DF}">
-                  <a14:hiddenLine xmlns:a14="http://schemas.microsoft.com/office/drawing/2010/main" xmlns="" w="25400" cap="flat" cmpd="sng" algn="ctr">
+                  <a14:hiddenLine xmlns="" xmlns:a14="http://schemas.microsoft.com/office/drawing/2010/main" w="25400" cap="flat" cmpd="sng" algn="ctr">
                     <a:solidFill>
                       <a:srgbClr val="000000"/>
                     </a:solidFill>
@@ -21494,7 +21495,7 @@
                   </a14:hiddenLine>
                 </a:ext>
                 <a:ext uri="{AF507438-7753-43e0-B8FC-AC1667EBCBE1}">
-                  <a14:hiddenEffects xmlns:a14="http://schemas.microsoft.com/office/drawing/2010/main" xmlns="">
+                  <a14:hiddenEffects xmlns="" xmlns:a14="http://schemas.microsoft.com/office/drawing/2010/main">
                     <a:effectLst>
                       <a:outerShdw blurRad="63500" dist="38099" dir="2700000" algn="ctr" rotWithShape="0">
                         <a:schemeClr val="bg2">
@@ -21554,7 +21555,7 @@
             <a:ln/>
             <a:extLst>
               <a:ext uri="{91240B29-F687-4f45-9708-019B960494DF}">
-                <a14:hiddenLine xmlns:a14="http://schemas.microsoft.com/office/drawing/2010/main" xmlns="" w="25400" cap="flat" cmpd="sng" algn="ctr">
+                <a14:hiddenLine xmlns="" xmlns:a14="http://schemas.microsoft.com/office/drawing/2010/main" w="25400" cap="flat" cmpd="sng" algn="ctr">
                   <a:solidFill>
                     <a:srgbClr val="000000"/>
                   </a:solidFill>
@@ -21565,7 +21566,7 @@
                 </a14:hiddenLine>
               </a:ext>
               <a:ext uri="{AF507438-7753-43e0-B8FC-AC1667EBCBE1}">
-                <a14:hiddenEffects xmlns:a14="http://schemas.microsoft.com/office/drawing/2010/main" xmlns="">
+                <a14:hiddenEffects xmlns="" xmlns:a14="http://schemas.microsoft.com/office/drawing/2010/main">
                   <a:effectLst>
                     <a:outerShdw blurRad="63500" dist="38099" dir="2700000" algn="ctr" rotWithShape="0">
                       <a:schemeClr val="bg2">
@@ -21609,7 +21610,7 @@
             <a:ln/>
             <a:extLst>
               <a:ext uri="{91240B29-F687-4f45-9708-019B960494DF}">
-                <a14:hiddenLine xmlns:a14="http://schemas.microsoft.com/office/drawing/2010/main" xmlns="" w="25400" cap="flat" cmpd="sng" algn="ctr">
+                <a14:hiddenLine xmlns="" xmlns:a14="http://schemas.microsoft.com/office/drawing/2010/main" w="25400" cap="flat" cmpd="sng" algn="ctr">
                   <a:solidFill>
                     <a:srgbClr val="000000"/>
                   </a:solidFill>
@@ -21620,7 +21621,7 @@
                 </a14:hiddenLine>
               </a:ext>
               <a:ext uri="{AF507438-7753-43e0-B8FC-AC1667EBCBE1}">
-                <a14:hiddenEffects xmlns:a14="http://schemas.microsoft.com/office/drawing/2010/main" xmlns="">
+                <a14:hiddenEffects xmlns="" xmlns:a14="http://schemas.microsoft.com/office/drawing/2010/main">
                   <a:effectLst>
                     <a:outerShdw blurRad="63500" dist="38099" dir="2700000" algn="ctr" rotWithShape="0">
                       <a:schemeClr val="bg2">
@@ -21664,7 +21665,7 @@
             <a:ln/>
             <a:extLst>
               <a:ext uri="{91240B29-F687-4f45-9708-019B960494DF}">
-                <a14:hiddenLine xmlns:a14="http://schemas.microsoft.com/office/drawing/2010/main" xmlns="" w="25400" cap="flat" cmpd="sng" algn="ctr">
+                <a14:hiddenLine xmlns="" xmlns:a14="http://schemas.microsoft.com/office/drawing/2010/main" w="25400" cap="flat" cmpd="sng" algn="ctr">
                   <a:solidFill>
                     <a:srgbClr val="000000"/>
                   </a:solidFill>
@@ -21675,7 +21676,7 @@
                 </a14:hiddenLine>
               </a:ext>
               <a:ext uri="{AF507438-7753-43e0-B8FC-AC1667EBCBE1}">
-                <a14:hiddenEffects xmlns:a14="http://schemas.microsoft.com/office/drawing/2010/main" xmlns="">
+                <a14:hiddenEffects xmlns="" xmlns:a14="http://schemas.microsoft.com/office/drawing/2010/main">
                   <a:effectLst>
                     <a:outerShdw blurRad="63500" dist="38099" dir="2700000" algn="ctr" rotWithShape="0">
                       <a:schemeClr val="bg2">
@@ -22767,7 +22768,7 @@
         <a:effectLst/>
         <a:extLst>
           <a:ext uri="{91240B29-F687-4f45-9708-019B960494DF}">
-            <a14:hiddenLine xmlns:a14="http://schemas.microsoft.com/office/drawing/2010/main" xmlns="" w="25400" cap="flat" cmpd="sng" algn="ctr">
+            <a14:hiddenLine xmlns="" xmlns:a14="http://schemas.microsoft.com/office/drawing/2010/main" w="25400" cap="flat" cmpd="sng" algn="ctr">
               <a:solidFill>
                 <a:srgbClr val="000000"/>
               </a:solidFill>
@@ -22778,7 +22779,7 @@
             </a14:hiddenLine>
           </a:ext>
           <a:ext uri="{AF507438-7753-43e0-B8FC-AC1667EBCBE1}">
-            <a14:hiddenEffects xmlns:a14="http://schemas.microsoft.com/office/drawing/2010/main" xmlns="">
+            <a14:hiddenEffects xmlns="" xmlns:a14="http://schemas.microsoft.com/office/drawing/2010/main">
               <a:effectLst>
                 <a:outerShdw blurRad="63500" dist="38099" dir="2700000" algn="ctr" rotWithShape="0">
                   <a:schemeClr val="bg2">
@@ -23154,7 +23155,7 @@
         <a:effectLst/>
         <a:extLst>
           <a:ext uri="{91240B29-F687-4f45-9708-019B960494DF}">
-            <a14:hiddenLine xmlns:a14="http://schemas.microsoft.com/office/drawing/2010/main" xmlns="" w="25400" cap="flat" cmpd="sng" algn="ctr">
+            <a14:hiddenLine xmlns="" xmlns:a14="http://schemas.microsoft.com/office/drawing/2010/main" w="25400" cap="flat" cmpd="sng" algn="ctr">
               <a:solidFill>
                 <a:srgbClr val="000000"/>
               </a:solidFill>
@@ -23165,7 +23166,7 @@
             </a14:hiddenLine>
           </a:ext>
           <a:ext uri="{AF507438-7753-43e0-B8FC-AC1667EBCBE1}">
-            <a14:hiddenEffects xmlns:a14="http://schemas.microsoft.com/office/drawing/2010/main" xmlns="">
+            <a14:hiddenEffects xmlns="" xmlns:a14="http://schemas.microsoft.com/office/drawing/2010/main">
               <a:effectLst>
                 <a:outerShdw blurRad="63500" dist="38099" dir="2700000" algn="ctr" rotWithShape="0">
                   <a:schemeClr val="bg2">

--- a/Debug/session2/Debugging Workshop 2.pptx
+++ b/Debug/session2/Debugging Workshop 2.pptx
@@ -327,7 +327,7 @@
               <a:pPr>
                 <a:defRPr/>
               </a:pPr>
-              <a:t>8/11/2016</a:t>
+              <a:t>8/12/2016</a:t>
             </a:fld>
             <a:endParaRPr lang="en-US"/>
           </a:p>
@@ -678,7 +678,7 @@
           </a:ln>
           <a:extLst>
             <a:ext uri="{909E8E84-426E-40dd-AFC4-6F175D3DCCD1}">
-              <a14:hiddenFill xmlns:a14="http://schemas.microsoft.com/office/drawing/2010/main" xmlns="">
+              <a14:hiddenFill xmlns="" xmlns:a14="http://schemas.microsoft.com/office/drawing/2010/main">
                 <a:noFill/>
               </a14:hiddenFill>
             </a:ext>
@@ -722,7 +722,7 @@
           </a:ln>
           <a:extLst>
             <a:ext uri="{909E8E84-426E-40dd-AFC4-6F175D3DCCD1}">
-              <a14:hiddenFill xmlns:a14="http://schemas.microsoft.com/office/drawing/2010/main" xmlns="">
+              <a14:hiddenFill xmlns="" xmlns:a14="http://schemas.microsoft.com/office/drawing/2010/main">
                 <a:noFill/>
               </a14:hiddenFill>
             </a:ext>
@@ -771,14 +771,14 @@
           </a:ln>
           <a:extLst>
             <a:ext uri="{909E8E84-426E-40dd-AFC4-6F175D3DCCD1}">
-              <a14:hiddenFill xmlns:a14="http://schemas.microsoft.com/office/drawing/2010/main" xmlns="">
+              <a14:hiddenFill xmlns="" xmlns:a14="http://schemas.microsoft.com/office/drawing/2010/main">
                 <a:solidFill>
                   <a:srgbClr val="FFFFFF"/>
                 </a:solidFill>
               </a14:hiddenFill>
             </a:ext>
             <a:ext uri="{91240B29-F687-4f45-9708-019B960494DF}">
-              <a14:hiddenLine xmlns:a14="http://schemas.microsoft.com/office/drawing/2010/main" xmlns="" w="9525">
+              <a14:hiddenLine xmlns="" xmlns:a14="http://schemas.microsoft.com/office/drawing/2010/main" w="9525">
                 <a:solidFill>
                   <a:srgbClr val="000000"/>
                 </a:solidFill>
@@ -1124,7 +1124,7 @@
           </a:ln>
           <a:extLst>
             <a:ext uri="{909E8E84-426E-40dd-AFC4-6F175D3DCCD1}">
-              <a14:hiddenFill xmlns:a14="http://schemas.microsoft.com/office/drawing/2010/main" xmlns="">
+              <a14:hiddenFill xmlns="" xmlns:a14="http://schemas.microsoft.com/office/drawing/2010/main">
                 <a:noFill/>
               </a14:hiddenFill>
             </a:ext>
@@ -1173,14 +1173,14 @@
           </a:ln>
           <a:extLst>
             <a:ext uri="{909E8E84-426E-40dd-AFC4-6F175D3DCCD1}">
-              <a14:hiddenFill xmlns:a14="http://schemas.microsoft.com/office/drawing/2010/main" xmlns="">
+              <a14:hiddenFill xmlns="" xmlns:a14="http://schemas.microsoft.com/office/drawing/2010/main">
                 <a:solidFill>
                   <a:srgbClr val="FFFFFF"/>
                 </a:solidFill>
               </a14:hiddenFill>
             </a:ext>
             <a:ext uri="{91240B29-F687-4f45-9708-019B960494DF}">
-              <a14:hiddenLine xmlns:a14="http://schemas.microsoft.com/office/drawing/2010/main" xmlns="" w="9525">
+              <a14:hiddenLine xmlns="" xmlns:a14="http://schemas.microsoft.com/office/drawing/2010/main" w="9525">
                 <a:solidFill>
                   <a:srgbClr val="000000"/>
                 </a:solidFill>
@@ -1409,7 +1409,7 @@
           </a:ln>
           <a:extLst>
             <a:ext uri="{909E8E84-426E-40dd-AFC4-6F175D3DCCD1}">
-              <a14:hiddenFill xmlns:a14="http://schemas.microsoft.com/office/drawing/2010/main" xmlns="">
+              <a14:hiddenFill xmlns="" xmlns:a14="http://schemas.microsoft.com/office/drawing/2010/main">
                 <a:noFill/>
               </a14:hiddenFill>
             </a:ext>
@@ -1453,7 +1453,7 @@
           </a:ln>
           <a:extLst>
             <a:ext uri="{909E8E84-426E-40dd-AFC4-6F175D3DCCD1}">
-              <a14:hiddenFill xmlns:a14="http://schemas.microsoft.com/office/drawing/2010/main" xmlns="">
+              <a14:hiddenFill xmlns="" xmlns:a14="http://schemas.microsoft.com/office/drawing/2010/main">
                 <a:noFill/>
               </a14:hiddenFill>
             </a:ext>
@@ -1502,14 +1502,14 @@
           </a:ln>
           <a:extLst>
             <a:ext uri="{909E8E84-426E-40dd-AFC4-6F175D3DCCD1}">
-              <a14:hiddenFill xmlns:a14="http://schemas.microsoft.com/office/drawing/2010/main" xmlns="">
+              <a14:hiddenFill xmlns="" xmlns:a14="http://schemas.microsoft.com/office/drawing/2010/main">
                 <a:solidFill>
                   <a:srgbClr val="FFFFFF"/>
                 </a:solidFill>
               </a14:hiddenFill>
             </a:ext>
             <a:ext uri="{91240B29-F687-4f45-9708-019B960494DF}">
-              <a14:hiddenLine xmlns:a14="http://schemas.microsoft.com/office/drawing/2010/main" xmlns="" w="9525">
+              <a14:hiddenLine xmlns="" xmlns:a14="http://schemas.microsoft.com/office/drawing/2010/main" w="9525">
                 <a:solidFill>
                   <a:srgbClr val="000000"/>
                 </a:solidFill>
@@ -1781,7 +1781,7 @@
           </a:ln>
           <a:extLst>
             <a:ext uri="{909E8E84-426E-40dd-AFC4-6F175D3DCCD1}">
-              <a14:hiddenFill xmlns:a14="http://schemas.microsoft.com/office/drawing/2010/main" xmlns="">
+              <a14:hiddenFill xmlns="" xmlns:a14="http://schemas.microsoft.com/office/drawing/2010/main">
                 <a:noFill/>
               </a14:hiddenFill>
             </a:ext>
@@ -1993,7 +1993,7 @@
           </a:ln>
           <a:extLst>
             <a:ext uri="{909E8E84-426E-40dd-AFC4-6F175D3DCCD1}">
-              <a14:hiddenFill xmlns:a14="http://schemas.microsoft.com/office/drawing/2010/main" xmlns="">
+              <a14:hiddenFill xmlns="" xmlns:a14="http://schemas.microsoft.com/office/drawing/2010/main">
                 <a:noFill/>
               </a14:hiddenFill>
             </a:ext>
@@ -2210,7 +2210,7 @@
           </a:ln>
           <a:extLst>
             <a:ext uri="{909E8E84-426E-40dd-AFC4-6F175D3DCCD1}">
-              <a14:hiddenFill xmlns:a14="http://schemas.microsoft.com/office/drawing/2010/main" xmlns="">
+              <a14:hiddenFill xmlns="" xmlns:a14="http://schemas.microsoft.com/office/drawing/2010/main">
                 <a:noFill/>
               </a14:hiddenFill>
             </a:ext>
@@ -2459,7 +2459,7 @@
           </a:ln>
           <a:extLst>
             <a:ext uri="{909E8E84-426E-40dd-AFC4-6F175D3DCCD1}">
-              <a14:hiddenFill xmlns:a14="http://schemas.microsoft.com/office/drawing/2010/main" xmlns="">
+              <a14:hiddenFill xmlns="" xmlns:a14="http://schemas.microsoft.com/office/drawing/2010/main">
                 <a:noFill/>
               </a14:hiddenFill>
             </a:ext>
@@ -2508,14 +2508,14 @@
           </a:ln>
           <a:extLst>
             <a:ext uri="{909E8E84-426E-40dd-AFC4-6F175D3DCCD1}">
-              <a14:hiddenFill xmlns:a14="http://schemas.microsoft.com/office/drawing/2010/main" xmlns="">
+              <a14:hiddenFill xmlns="" xmlns:a14="http://schemas.microsoft.com/office/drawing/2010/main">
                 <a:solidFill>
                   <a:srgbClr val="FFFFFF"/>
                 </a:solidFill>
               </a14:hiddenFill>
             </a:ext>
             <a:ext uri="{91240B29-F687-4f45-9708-019B960494DF}">
-              <a14:hiddenLine xmlns:a14="http://schemas.microsoft.com/office/drawing/2010/main" xmlns="" w="9525">
+              <a14:hiddenLine xmlns="" xmlns:a14="http://schemas.microsoft.com/office/drawing/2010/main" w="9525">
                 <a:solidFill>
                   <a:srgbClr val="000000"/>
                 </a:solidFill>
@@ -2776,7 +2776,7 @@
           </a:ln>
           <a:extLst>
             <a:ext uri="{909E8E84-426E-40dd-AFC4-6F175D3DCCD1}">
-              <a14:hiddenFill xmlns:a14="http://schemas.microsoft.com/office/drawing/2010/main" xmlns="">
+              <a14:hiddenFill xmlns="" xmlns:a14="http://schemas.microsoft.com/office/drawing/2010/main">
                 <a:noFill/>
               </a14:hiddenFill>
             </a:ext>
@@ -2825,14 +2825,14 @@
           </a:ln>
           <a:extLst>
             <a:ext uri="{909E8E84-426E-40dd-AFC4-6F175D3DCCD1}">
-              <a14:hiddenFill xmlns:a14="http://schemas.microsoft.com/office/drawing/2010/main" xmlns="">
+              <a14:hiddenFill xmlns="" xmlns:a14="http://schemas.microsoft.com/office/drawing/2010/main">
                 <a:solidFill>
                   <a:srgbClr val="FFFFFF"/>
                 </a:solidFill>
               </a14:hiddenFill>
             </a:ext>
             <a:ext uri="{91240B29-F687-4f45-9708-019B960494DF}">
-              <a14:hiddenLine xmlns:a14="http://schemas.microsoft.com/office/drawing/2010/main" xmlns="" w="9525">
+              <a14:hiddenLine xmlns="" xmlns:a14="http://schemas.microsoft.com/office/drawing/2010/main" w="9525">
                 <a:solidFill>
                   <a:srgbClr val="000000"/>
                 </a:solidFill>
@@ -3479,7 +3479,7 @@
           </a:ln>
           <a:extLst>
             <a:ext uri="{909E8E84-426E-40dd-AFC4-6F175D3DCCD1}">
-              <a14:hiddenFill xmlns:a14="http://schemas.microsoft.com/office/drawing/2010/main" xmlns="">
+              <a14:hiddenFill xmlns="" xmlns:a14="http://schemas.microsoft.com/office/drawing/2010/main">
                 <a:noFill/>
               </a14:hiddenFill>
             </a:ext>
@@ -3682,7 +3682,7 @@
           </a:ln>
           <a:extLst>
             <a:ext uri="{909E8E84-426E-40dd-AFC4-6F175D3DCCD1}">
-              <a14:hiddenFill xmlns:a14="http://schemas.microsoft.com/office/drawing/2010/main" xmlns="">
+              <a14:hiddenFill xmlns="" xmlns:a14="http://schemas.microsoft.com/office/drawing/2010/main">
                 <a:noFill/>
               </a14:hiddenFill>
             </a:ext>
@@ -3723,7 +3723,7 @@
           </a:ln>
           <a:extLst>
             <a:ext uri="{909E8E84-426E-40dd-AFC4-6F175D3DCCD1}">
-              <a14:hiddenFill xmlns:a14="http://schemas.microsoft.com/office/drawing/2010/main" xmlns="">
+              <a14:hiddenFill xmlns="" xmlns:a14="http://schemas.microsoft.com/office/drawing/2010/main">
                 <a:noFill/>
               </a14:hiddenFill>
             </a:ext>
@@ -3933,7 +3933,7 @@
           </a:ln>
           <a:extLst>
             <a:ext uri="{909E8E84-426E-40dd-AFC4-6F175D3DCCD1}">
-              <a14:hiddenFill xmlns:a14="http://schemas.microsoft.com/office/drawing/2010/main" xmlns="">
+              <a14:hiddenFill xmlns="" xmlns:a14="http://schemas.microsoft.com/office/drawing/2010/main">
                 <a:noFill/>
               </a14:hiddenFill>
             </a:ext>
@@ -3982,14 +3982,14 @@
           </a:ln>
           <a:extLst>
             <a:ext uri="{909E8E84-426E-40dd-AFC4-6F175D3DCCD1}">
-              <a14:hiddenFill xmlns:a14="http://schemas.microsoft.com/office/drawing/2010/main" xmlns="">
+              <a14:hiddenFill xmlns="" xmlns:a14="http://schemas.microsoft.com/office/drawing/2010/main">
                 <a:solidFill>
                   <a:srgbClr val="FFFFFF"/>
                 </a:solidFill>
               </a14:hiddenFill>
             </a:ext>
             <a:ext uri="{91240B29-F687-4f45-9708-019B960494DF}">
-              <a14:hiddenLine xmlns:a14="http://schemas.microsoft.com/office/drawing/2010/main" xmlns="" w="9525">
+              <a14:hiddenLine xmlns="" xmlns:a14="http://schemas.microsoft.com/office/drawing/2010/main" w="9525">
                 <a:solidFill>
                   <a:srgbClr val="000000"/>
                 </a:solidFill>
@@ -4218,7 +4218,7 @@
           </a:ln>
           <a:extLst>
             <a:ext uri="{909E8E84-426E-40dd-AFC4-6F175D3DCCD1}">
-              <a14:hiddenFill xmlns:a14="http://schemas.microsoft.com/office/drawing/2010/main" xmlns="">
+              <a14:hiddenFill xmlns="" xmlns:a14="http://schemas.microsoft.com/office/drawing/2010/main">
                 <a:noFill/>
               </a14:hiddenFill>
             </a:ext>
@@ -4426,7 +4426,7 @@
           </a:ln>
           <a:extLst>
             <a:ext uri="{909E8E84-426E-40dd-AFC4-6F175D3DCCD1}">
-              <a14:hiddenFill xmlns:a14="http://schemas.microsoft.com/office/drawing/2010/main" xmlns="">
+              <a14:hiddenFill xmlns="" xmlns:a14="http://schemas.microsoft.com/office/drawing/2010/main">
                 <a:noFill/>
               </a14:hiddenFill>
             </a:ext>
@@ -4675,7 +4675,7 @@
           </a:ln>
           <a:extLst>
             <a:ext uri="{909E8E84-426E-40dd-AFC4-6F175D3DCCD1}">
-              <a14:hiddenFill xmlns:a14="http://schemas.microsoft.com/office/drawing/2010/main" xmlns="">
+              <a14:hiddenFill xmlns="" xmlns:a14="http://schemas.microsoft.com/office/drawing/2010/main">
                 <a:noFill/>
               </a14:hiddenFill>
             </a:ext>
@@ -4724,14 +4724,14 @@
           </a:ln>
           <a:extLst>
             <a:ext uri="{909E8E84-426E-40dd-AFC4-6F175D3DCCD1}">
-              <a14:hiddenFill xmlns:a14="http://schemas.microsoft.com/office/drawing/2010/main" xmlns="">
+              <a14:hiddenFill xmlns="" xmlns:a14="http://schemas.microsoft.com/office/drawing/2010/main">
                 <a:solidFill>
                   <a:srgbClr val="FFFFFF"/>
                 </a:solidFill>
               </a14:hiddenFill>
             </a:ext>
             <a:ext uri="{91240B29-F687-4f45-9708-019B960494DF}">
-              <a14:hiddenLine xmlns:a14="http://schemas.microsoft.com/office/drawing/2010/main" xmlns="" w="9525">
+              <a14:hiddenLine xmlns="" xmlns:a14="http://schemas.microsoft.com/office/drawing/2010/main" w="9525">
                 <a:solidFill>
                   <a:srgbClr val="000000"/>
                 </a:solidFill>
@@ -4992,7 +4992,7 @@
           </a:ln>
           <a:extLst>
             <a:ext uri="{909E8E84-426E-40dd-AFC4-6F175D3DCCD1}">
-              <a14:hiddenFill xmlns:a14="http://schemas.microsoft.com/office/drawing/2010/main" xmlns="">
+              <a14:hiddenFill xmlns="" xmlns:a14="http://schemas.microsoft.com/office/drawing/2010/main">
                 <a:noFill/>
               </a14:hiddenFill>
             </a:ext>
@@ -5041,14 +5041,14 @@
           </a:ln>
           <a:extLst>
             <a:ext uri="{909E8E84-426E-40dd-AFC4-6F175D3DCCD1}">
-              <a14:hiddenFill xmlns:a14="http://schemas.microsoft.com/office/drawing/2010/main" xmlns="">
+              <a14:hiddenFill xmlns="" xmlns:a14="http://schemas.microsoft.com/office/drawing/2010/main">
                 <a:solidFill>
                   <a:srgbClr val="FFFFFF"/>
                 </a:solidFill>
               </a14:hiddenFill>
             </a:ext>
             <a:ext uri="{91240B29-F687-4f45-9708-019B960494DF}">
-              <a14:hiddenLine xmlns:a14="http://schemas.microsoft.com/office/drawing/2010/main" xmlns="" w="9525">
+              <a14:hiddenLine xmlns="" xmlns:a14="http://schemas.microsoft.com/office/drawing/2010/main" w="9525">
                 <a:solidFill>
                   <a:srgbClr val="000000"/>
                 </a:solidFill>
@@ -5689,7 +5689,7 @@
           </a:ln>
           <a:extLst>
             <a:ext uri="{909E8E84-426E-40dd-AFC4-6F175D3DCCD1}">
-              <a14:hiddenFill xmlns:a14="http://schemas.microsoft.com/office/drawing/2010/main" xmlns="">
+              <a14:hiddenFill xmlns="" xmlns:a14="http://schemas.microsoft.com/office/drawing/2010/main">
                 <a:noFill/>
               </a14:hiddenFill>
             </a:ext>
@@ -5730,7 +5730,7 @@
           </a:ln>
           <a:extLst>
             <a:ext uri="{909E8E84-426E-40dd-AFC4-6F175D3DCCD1}">
-              <a14:hiddenFill xmlns:a14="http://schemas.microsoft.com/office/drawing/2010/main" xmlns="">
+              <a14:hiddenFill xmlns="" xmlns:a14="http://schemas.microsoft.com/office/drawing/2010/main">
                 <a:noFill/>
               </a14:hiddenFill>
             </a:ext>
@@ -5872,17 +5872,17 @@
           <a:effectLst/>
           <a:extLst>
             <a:ext uri="{FAA26D3D-D897-4be2-8F04-BA451C77F1D7}">
-              <ma14:placeholderFlag xmlns:ma14="http://schemas.microsoft.com/office/mac/drawingml/2011/main" xmlns="" val="1"/>
+              <ma14:placeholderFlag xmlns="" xmlns:ma14="http://schemas.microsoft.com/office/mac/drawingml/2011/main" val="1"/>
             </a:ext>
             <a:ext uri="{909E8E84-426E-40dd-AFC4-6F175D3DCCD1}">
-              <a14:hiddenFill xmlns:a14="http://schemas.microsoft.com/office/drawing/2010/main" xmlns="">
+              <a14:hiddenFill xmlns="" xmlns:a14="http://schemas.microsoft.com/office/drawing/2010/main">
                 <a:solidFill>
                   <a:srgbClr val="FFFFFF"/>
                 </a:solidFill>
               </a14:hiddenFill>
             </a:ext>
             <a:ext uri="{91240B29-F687-4f45-9708-019B960494DF}">
-              <a14:hiddenLine xmlns:a14="http://schemas.microsoft.com/office/drawing/2010/main" xmlns="" w="12700">
+              <a14:hiddenLine xmlns="" xmlns:a14="http://schemas.microsoft.com/office/drawing/2010/main" w="12700">
                 <a:solidFill>
                   <a:schemeClr val="tx1"/>
                 </a:solidFill>
@@ -5892,7 +5892,7 @@
               </a14:hiddenLine>
             </a:ext>
             <a:ext uri="{AF507438-7753-43e0-B8FC-AC1667EBCBE1}">
-              <a14:hiddenEffects xmlns:a14="http://schemas.microsoft.com/office/drawing/2010/main" xmlns="">
+              <a14:hiddenEffects xmlns="" xmlns:a14="http://schemas.microsoft.com/office/drawing/2010/main">
                 <a:effectLst>
                   <a:outerShdw blurRad="63500" dist="38099" dir="2700000" algn="ctr" rotWithShape="0">
                     <a:srgbClr val="000000">
@@ -5947,17 +5947,17 @@
           <a:effectLst/>
           <a:extLst>
             <a:ext uri="{FAA26D3D-D897-4be2-8F04-BA451C77F1D7}">
-              <ma14:placeholderFlag xmlns:ma14="http://schemas.microsoft.com/office/mac/drawingml/2011/main" xmlns="" val="1"/>
+              <ma14:placeholderFlag xmlns="" xmlns:ma14="http://schemas.microsoft.com/office/mac/drawingml/2011/main" val="1"/>
             </a:ext>
             <a:ext uri="{909E8E84-426E-40dd-AFC4-6F175D3DCCD1}">
-              <a14:hiddenFill xmlns:a14="http://schemas.microsoft.com/office/drawing/2010/main" xmlns="">
+              <a14:hiddenFill xmlns="" xmlns:a14="http://schemas.microsoft.com/office/drawing/2010/main">
                 <a:solidFill>
                   <a:srgbClr val="FFFFFF"/>
                 </a:solidFill>
               </a14:hiddenFill>
             </a:ext>
             <a:ext uri="{91240B29-F687-4f45-9708-019B960494DF}">
-              <a14:hiddenLine xmlns:a14="http://schemas.microsoft.com/office/drawing/2010/main" xmlns="" w="12700">
+              <a14:hiddenLine xmlns="" xmlns:a14="http://schemas.microsoft.com/office/drawing/2010/main" w="12700">
                 <a:solidFill>
                   <a:schemeClr val="tx1"/>
                 </a:solidFill>
@@ -5967,7 +5967,7 @@
               </a14:hiddenLine>
             </a:ext>
             <a:ext uri="{AF507438-7753-43e0-B8FC-AC1667EBCBE1}">
-              <a14:hiddenEffects xmlns:a14="http://schemas.microsoft.com/office/drawing/2010/main" xmlns="">
+              <a14:hiddenEffects xmlns="" xmlns:a14="http://schemas.microsoft.com/office/drawing/2010/main">
                 <a:effectLst>
                   <a:outerShdw blurRad="63500" dist="38099" dir="2700000" algn="ctr" rotWithShape="0">
                     <a:srgbClr val="000000">
@@ -6058,14 +6058,14 @@
           <a:effectLst/>
           <a:extLst>
             <a:ext uri="{909E8E84-426E-40dd-AFC4-6F175D3DCCD1}">
-              <a14:hiddenFill xmlns:a14="http://schemas.microsoft.com/office/drawing/2010/main" xmlns="">
+              <a14:hiddenFill xmlns="" xmlns:a14="http://schemas.microsoft.com/office/drawing/2010/main">
                 <a:solidFill>
                   <a:srgbClr val="FFFFFF"/>
                 </a:solidFill>
               </a14:hiddenFill>
             </a:ext>
             <a:ext uri="{91240B29-F687-4f45-9708-019B960494DF}">
-              <a14:hiddenLine xmlns:a14="http://schemas.microsoft.com/office/drawing/2010/main" xmlns="" w="12700">
+              <a14:hiddenLine xmlns="" xmlns:a14="http://schemas.microsoft.com/office/drawing/2010/main" w="12700">
                 <a:solidFill>
                   <a:schemeClr val="tx1"/>
                 </a:solidFill>
@@ -6075,7 +6075,7 @@
               </a14:hiddenLine>
             </a:ext>
             <a:ext uri="{AF507438-7753-43e0-B8FC-AC1667EBCBE1}">
-              <a14:hiddenEffects xmlns:a14="http://schemas.microsoft.com/office/drawing/2010/main" xmlns="">
+              <a14:hiddenEffects xmlns="" xmlns:a14="http://schemas.microsoft.com/office/drawing/2010/main">
                 <a:effectLst>
                   <a:outerShdw blurRad="63500" dist="38099" dir="2700000" algn="ctr" rotWithShape="0">
                     <a:srgbClr val="000000">
@@ -6770,17 +6770,17 @@
           <a:effectLst/>
           <a:extLst>
             <a:ext uri="{FAA26D3D-D897-4be2-8F04-BA451C77F1D7}">
-              <ma14:placeholderFlag xmlns:ma14="http://schemas.microsoft.com/office/mac/drawingml/2011/main" xmlns="" val="1"/>
+              <ma14:placeholderFlag xmlns="" xmlns:ma14="http://schemas.microsoft.com/office/mac/drawingml/2011/main" val="1"/>
             </a:ext>
             <a:ext uri="{909E8E84-426E-40dd-AFC4-6F175D3DCCD1}">
-              <a14:hiddenFill xmlns:a14="http://schemas.microsoft.com/office/drawing/2010/main" xmlns="">
+              <a14:hiddenFill xmlns="" xmlns:a14="http://schemas.microsoft.com/office/drawing/2010/main">
                 <a:solidFill>
                   <a:srgbClr val="FFFFFF"/>
                 </a:solidFill>
               </a14:hiddenFill>
             </a:ext>
             <a:ext uri="{91240B29-F687-4f45-9708-019B960494DF}">
-              <a14:hiddenLine xmlns:a14="http://schemas.microsoft.com/office/drawing/2010/main" xmlns="" w="12700">
+              <a14:hiddenLine xmlns="" xmlns:a14="http://schemas.microsoft.com/office/drawing/2010/main" w="12700">
                 <a:solidFill>
                   <a:schemeClr val="tx1"/>
                 </a:solidFill>
@@ -6790,7 +6790,7 @@
               </a14:hiddenLine>
             </a:ext>
             <a:ext uri="{AF507438-7753-43e0-B8FC-AC1667EBCBE1}">
-              <a14:hiddenEffects xmlns:a14="http://schemas.microsoft.com/office/drawing/2010/main" xmlns="">
+              <a14:hiddenEffects xmlns="" xmlns:a14="http://schemas.microsoft.com/office/drawing/2010/main">
                 <a:effectLst>
                   <a:outerShdw blurRad="63500" dist="38099" dir="2700000" algn="ctr" rotWithShape="0">
                     <a:srgbClr val="000000">
@@ -6845,17 +6845,17 @@
           <a:effectLst/>
           <a:extLst>
             <a:ext uri="{FAA26D3D-D897-4be2-8F04-BA451C77F1D7}">
-              <ma14:placeholderFlag xmlns:ma14="http://schemas.microsoft.com/office/mac/drawingml/2011/main" xmlns="" val="1"/>
+              <ma14:placeholderFlag xmlns="" xmlns:ma14="http://schemas.microsoft.com/office/mac/drawingml/2011/main" val="1"/>
             </a:ext>
             <a:ext uri="{909E8E84-426E-40dd-AFC4-6F175D3DCCD1}">
-              <a14:hiddenFill xmlns:a14="http://schemas.microsoft.com/office/drawing/2010/main" xmlns="">
+              <a14:hiddenFill xmlns="" xmlns:a14="http://schemas.microsoft.com/office/drawing/2010/main">
                 <a:solidFill>
                   <a:srgbClr val="FFFFFF"/>
                 </a:solidFill>
               </a14:hiddenFill>
             </a:ext>
             <a:ext uri="{91240B29-F687-4f45-9708-019B960494DF}">
-              <a14:hiddenLine xmlns:a14="http://schemas.microsoft.com/office/drawing/2010/main" xmlns="" w="12700">
+              <a14:hiddenLine xmlns="" xmlns:a14="http://schemas.microsoft.com/office/drawing/2010/main" w="12700">
                 <a:solidFill>
                   <a:schemeClr val="tx1"/>
                 </a:solidFill>
@@ -6865,7 +6865,7 @@
               </a14:hiddenLine>
             </a:ext>
             <a:ext uri="{AF507438-7753-43e0-B8FC-AC1667EBCBE1}">
-              <a14:hiddenEffects xmlns:a14="http://schemas.microsoft.com/office/drawing/2010/main" xmlns="">
+              <a14:hiddenEffects xmlns="" xmlns:a14="http://schemas.microsoft.com/office/drawing/2010/main">
                 <a:effectLst>
                   <a:outerShdw blurRad="63500" dist="38099" dir="2700000" algn="ctr" rotWithShape="0">
                     <a:srgbClr val="000000">
@@ -6956,14 +6956,14 @@
           <a:effectLst/>
           <a:extLst>
             <a:ext uri="{909E8E84-426E-40dd-AFC4-6F175D3DCCD1}">
-              <a14:hiddenFill xmlns:a14="http://schemas.microsoft.com/office/drawing/2010/main" xmlns="">
+              <a14:hiddenFill xmlns="" xmlns:a14="http://schemas.microsoft.com/office/drawing/2010/main">
                 <a:solidFill>
                   <a:srgbClr val="FFFFFF"/>
                 </a:solidFill>
               </a14:hiddenFill>
             </a:ext>
             <a:ext uri="{91240B29-F687-4f45-9708-019B960494DF}">
-              <a14:hiddenLine xmlns:a14="http://schemas.microsoft.com/office/drawing/2010/main" xmlns="" w="12700">
+              <a14:hiddenLine xmlns="" xmlns:a14="http://schemas.microsoft.com/office/drawing/2010/main" w="12700">
                 <a:solidFill>
                   <a:schemeClr val="tx1"/>
                 </a:solidFill>
@@ -6973,7 +6973,7 @@
               </a14:hiddenLine>
             </a:ext>
             <a:ext uri="{AF507438-7753-43e0-B8FC-AC1667EBCBE1}">
-              <a14:hiddenEffects xmlns:a14="http://schemas.microsoft.com/office/drawing/2010/main" xmlns="">
+              <a14:hiddenEffects xmlns="" xmlns:a14="http://schemas.microsoft.com/office/drawing/2010/main">
                 <a:effectLst>
                   <a:outerShdw blurRad="63500" dist="38099" dir="2700000" algn="ctr" rotWithShape="0">
                     <a:srgbClr val="000000">
@@ -10338,7 +10338,7 @@
             <a:effectLst/>
             <a:extLst>
               <a:ext uri="{91240B29-F687-4f45-9708-019B960494DF}">
-                <a14:hiddenLine xmlns:a14="http://schemas.microsoft.com/office/drawing/2010/main" xmlns="" w="25400" cap="flat" cmpd="sng" algn="ctr">
+                <a14:hiddenLine xmlns="" xmlns:a14="http://schemas.microsoft.com/office/drawing/2010/main" w="25400" cap="flat" cmpd="sng" algn="ctr">
                   <a:solidFill>
                     <a:srgbClr val="000000"/>
                   </a:solidFill>
@@ -10349,7 +10349,7 @@
                 </a14:hiddenLine>
               </a:ext>
               <a:ext uri="{AF507438-7753-43e0-B8FC-AC1667EBCBE1}">
-                <a14:hiddenEffects xmlns:a14="http://schemas.microsoft.com/office/drawing/2010/main" xmlns="">
+                <a14:hiddenEffects xmlns="" xmlns:a14="http://schemas.microsoft.com/office/drawing/2010/main">
                   <a:effectLst>
                     <a:outerShdw blurRad="63500" dist="38099" dir="2700000" algn="ctr" rotWithShape="0">
                       <a:schemeClr val="bg2">
@@ -10390,7 +10390,7 @@
             <a:effectLst/>
             <a:extLst>
               <a:ext uri="{91240B29-F687-4f45-9708-019B960494DF}">
-                <a14:hiddenLine xmlns:a14="http://schemas.microsoft.com/office/drawing/2010/main" xmlns="" w="25400" cap="flat" cmpd="sng" algn="ctr">
+                <a14:hiddenLine xmlns="" xmlns:a14="http://schemas.microsoft.com/office/drawing/2010/main" w="25400" cap="flat" cmpd="sng" algn="ctr">
                   <a:solidFill>
                     <a:srgbClr val="000000"/>
                   </a:solidFill>
@@ -10401,7 +10401,7 @@
                 </a14:hiddenLine>
               </a:ext>
               <a:ext uri="{AF507438-7753-43e0-B8FC-AC1667EBCBE1}">
-                <a14:hiddenEffects xmlns:a14="http://schemas.microsoft.com/office/drawing/2010/main" xmlns="">
+                <a14:hiddenEffects xmlns="" xmlns:a14="http://schemas.microsoft.com/office/drawing/2010/main">
                   <a:effectLst>
                     <a:outerShdw blurRad="63500" dist="38099" dir="2700000" algn="ctr" rotWithShape="0">
                       <a:schemeClr val="bg2">
@@ -10483,7 +10483,7 @@
             <a:effectLst/>
             <a:extLst>
               <a:ext uri="{91240B29-F687-4f45-9708-019B960494DF}">
-                <a14:hiddenLine xmlns:a14="http://schemas.microsoft.com/office/drawing/2010/main" xmlns="" w="25400" cap="flat" cmpd="sng" algn="ctr">
+                <a14:hiddenLine xmlns="" xmlns:a14="http://schemas.microsoft.com/office/drawing/2010/main" w="25400" cap="flat" cmpd="sng" algn="ctr">
                   <a:solidFill>
                     <a:srgbClr val="000000"/>
                   </a:solidFill>
@@ -10494,7 +10494,7 @@
                 </a14:hiddenLine>
               </a:ext>
               <a:ext uri="{AF507438-7753-43e0-B8FC-AC1667EBCBE1}">
-                <a14:hiddenEffects xmlns:a14="http://schemas.microsoft.com/office/drawing/2010/main" xmlns="">
+                <a14:hiddenEffects xmlns="" xmlns:a14="http://schemas.microsoft.com/office/drawing/2010/main">
                   <a:effectLst>
                     <a:outerShdw blurRad="63500" dist="38099" dir="2700000" algn="ctr" rotWithShape="0">
                       <a:schemeClr val="bg2">
@@ -11778,7 +11778,7 @@
             <a:effectLst/>
             <a:extLst>
               <a:ext uri="{91240B29-F687-4f45-9708-019B960494DF}">
-                <a14:hiddenLine xmlns:a14="http://schemas.microsoft.com/office/drawing/2010/main" xmlns="" w="25400" cap="flat" cmpd="sng" algn="ctr">
+                <a14:hiddenLine xmlns="" xmlns:a14="http://schemas.microsoft.com/office/drawing/2010/main" w="25400" cap="flat" cmpd="sng" algn="ctr">
                   <a:solidFill>
                     <a:srgbClr val="000000"/>
                   </a:solidFill>
@@ -11789,7 +11789,7 @@
                 </a14:hiddenLine>
               </a:ext>
               <a:ext uri="{AF507438-7753-43e0-B8FC-AC1667EBCBE1}">
-                <a14:hiddenEffects xmlns:a14="http://schemas.microsoft.com/office/drawing/2010/main" xmlns="">
+                <a14:hiddenEffects xmlns="" xmlns:a14="http://schemas.microsoft.com/office/drawing/2010/main">
                   <a:effectLst>
                     <a:outerShdw blurRad="63500" dist="38099" dir="2700000" algn="ctr" rotWithShape="0">
                       <a:schemeClr val="bg2">
@@ -11831,7 +11831,7 @@
             <a:effectLst/>
             <a:extLst>
               <a:ext uri="{91240B29-F687-4f45-9708-019B960494DF}">
-                <a14:hiddenLine xmlns:a14="http://schemas.microsoft.com/office/drawing/2010/main" xmlns="" w="25400" cap="flat" cmpd="sng" algn="ctr">
+                <a14:hiddenLine xmlns="" xmlns:a14="http://schemas.microsoft.com/office/drawing/2010/main" w="25400" cap="flat" cmpd="sng" algn="ctr">
                   <a:solidFill>
                     <a:srgbClr val="000000"/>
                   </a:solidFill>
@@ -11842,7 +11842,7 @@
                 </a14:hiddenLine>
               </a:ext>
               <a:ext uri="{AF507438-7753-43e0-B8FC-AC1667EBCBE1}">
-                <a14:hiddenEffects xmlns:a14="http://schemas.microsoft.com/office/drawing/2010/main" xmlns="">
+                <a14:hiddenEffects xmlns="" xmlns:a14="http://schemas.microsoft.com/office/drawing/2010/main">
                   <a:effectLst>
                     <a:outerShdw blurRad="63500" dist="38099" dir="2700000" algn="ctr" rotWithShape="0">
                       <a:schemeClr val="bg2">
@@ -11881,7 +11881,7 @@
             <a:effectLst/>
             <a:extLst>
               <a:ext uri="{91240B29-F687-4f45-9708-019B960494DF}">
-                <a14:hiddenLine xmlns:a14="http://schemas.microsoft.com/office/drawing/2010/main" xmlns="" w="25400" cap="flat" cmpd="sng" algn="ctr">
+                <a14:hiddenLine xmlns="" xmlns:a14="http://schemas.microsoft.com/office/drawing/2010/main" w="25400" cap="flat" cmpd="sng" algn="ctr">
                   <a:solidFill>
                     <a:srgbClr val="000000"/>
                   </a:solidFill>
@@ -11892,7 +11892,7 @@
                 </a14:hiddenLine>
               </a:ext>
               <a:ext uri="{AF507438-7753-43e0-B8FC-AC1667EBCBE1}">
-                <a14:hiddenEffects xmlns:a14="http://schemas.microsoft.com/office/drawing/2010/main" xmlns="">
+                <a14:hiddenEffects xmlns="" xmlns:a14="http://schemas.microsoft.com/office/drawing/2010/main">
                   <a:effectLst>
                     <a:outerShdw blurRad="63500" dist="38099" dir="2700000" algn="ctr" rotWithShape="0">
                       <a:schemeClr val="bg2">
@@ -11934,7 +11934,7 @@
             <a:effectLst/>
             <a:extLst>
               <a:ext uri="{91240B29-F687-4f45-9708-019B960494DF}">
-                <a14:hiddenLine xmlns:a14="http://schemas.microsoft.com/office/drawing/2010/main" xmlns="" w="25400" cap="flat" cmpd="sng" algn="ctr">
+                <a14:hiddenLine xmlns="" xmlns:a14="http://schemas.microsoft.com/office/drawing/2010/main" w="25400" cap="flat" cmpd="sng" algn="ctr">
                   <a:solidFill>
                     <a:srgbClr val="000000"/>
                   </a:solidFill>
@@ -11945,7 +11945,7 @@
                 </a14:hiddenLine>
               </a:ext>
               <a:ext uri="{AF507438-7753-43e0-B8FC-AC1667EBCBE1}">
-                <a14:hiddenEffects xmlns:a14="http://schemas.microsoft.com/office/drawing/2010/main" xmlns="">
+                <a14:hiddenEffects xmlns="" xmlns:a14="http://schemas.microsoft.com/office/drawing/2010/main">
                   <a:effectLst>
                     <a:outerShdw blurRad="63500" dist="38099" dir="2700000" algn="ctr" rotWithShape="0">
                       <a:schemeClr val="bg2">
@@ -11984,7 +11984,7 @@
             <a:effectLst/>
             <a:extLst>
               <a:ext uri="{91240B29-F687-4f45-9708-019B960494DF}">
-                <a14:hiddenLine xmlns:a14="http://schemas.microsoft.com/office/drawing/2010/main" xmlns="" w="25400" cap="flat" cmpd="sng" algn="ctr">
+                <a14:hiddenLine xmlns="" xmlns:a14="http://schemas.microsoft.com/office/drawing/2010/main" w="25400" cap="flat" cmpd="sng" algn="ctr">
                   <a:solidFill>
                     <a:srgbClr val="000000"/>
                   </a:solidFill>
@@ -11995,7 +11995,7 @@
                 </a14:hiddenLine>
               </a:ext>
               <a:ext uri="{AF507438-7753-43e0-B8FC-AC1667EBCBE1}">
-                <a14:hiddenEffects xmlns:a14="http://schemas.microsoft.com/office/drawing/2010/main" xmlns="">
+                <a14:hiddenEffects xmlns="" xmlns:a14="http://schemas.microsoft.com/office/drawing/2010/main">
                   <a:effectLst>
                     <a:outerShdw blurRad="63500" dist="38099" dir="2700000" algn="ctr" rotWithShape="0">
                       <a:schemeClr val="bg2">
@@ -12037,7 +12037,7 @@
             <a:effectLst/>
             <a:extLst>
               <a:ext uri="{91240B29-F687-4f45-9708-019B960494DF}">
-                <a14:hiddenLine xmlns:a14="http://schemas.microsoft.com/office/drawing/2010/main" xmlns="" w="25400" cap="flat" cmpd="sng" algn="ctr">
+                <a14:hiddenLine xmlns="" xmlns:a14="http://schemas.microsoft.com/office/drawing/2010/main" w="25400" cap="flat" cmpd="sng" algn="ctr">
                   <a:solidFill>
                     <a:srgbClr val="000000"/>
                   </a:solidFill>
@@ -12048,7 +12048,7 @@
                 </a14:hiddenLine>
               </a:ext>
               <a:ext uri="{AF507438-7753-43e0-B8FC-AC1667EBCBE1}">
-                <a14:hiddenEffects xmlns:a14="http://schemas.microsoft.com/office/drawing/2010/main" xmlns="">
+                <a14:hiddenEffects xmlns="" xmlns:a14="http://schemas.microsoft.com/office/drawing/2010/main">
                   <a:effectLst>
                     <a:outerShdw blurRad="63500" dist="38099" dir="2700000" algn="ctr" rotWithShape="0">
                       <a:schemeClr val="bg2">
@@ -12093,7 +12093,7 @@
             <a:effectLst/>
             <a:extLst>
               <a:ext uri="{91240B29-F687-4f45-9708-019B960494DF}">
-                <a14:hiddenLine xmlns:a14="http://schemas.microsoft.com/office/drawing/2010/main" xmlns="" w="25400" cap="flat" cmpd="sng" algn="ctr">
+                <a14:hiddenLine xmlns="" xmlns:a14="http://schemas.microsoft.com/office/drawing/2010/main" w="25400" cap="flat" cmpd="sng" algn="ctr">
                   <a:solidFill>
                     <a:srgbClr val="000000"/>
                   </a:solidFill>
@@ -12104,7 +12104,7 @@
                 </a14:hiddenLine>
               </a:ext>
               <a:ext uri="{AF507438-7753-43e0-B8FC-AC1667EBCBE1}">
-                <a14:hiddenEffects xmlns:a14="http://schemas.microsoft.com/office/drawing/2010/main" xmlns="">
+                <a14:hiddenEffects xmlns="" xmlns:a14="http://schemas.microsoft.com/office/drawing/2010/main">
                   <a:effectLst>
                     <a:outerShdw blurRad="63500" dist="38099" dir="2700000" algn="ctr" rotWithShape="0">
                       <a:schemeClr val="bg2">
@@ -12376,7 +12376,7 @@
             </a:ln>
             <a:extLst>
               <a:ext uri="{91240B29-F687-4f45-9708-019B960494DF}">
-                <a14:hiddenLine xmlns:a14="http://schemas.microsoft.com/office/drawing/2010/main" xmlns="" w="25400" cap="flat" cmpd="sng" algn="ctr">
+                <a14:hiddenLine xmlns="" xmlns:a14="http://schemas.microsoft.com/office/drawing/2010/main" w="25400" cap="flat" cmpd="sng" algn="ctr">
                   <a:solidFill>
                     <a:srgbClr val="000000"/>
                   </a:solidFill>
@@ -12387,7 +12387,7 @@
                 </a14:hiddenLine>
               </a:ext>
               <a:ext uri="{AF507438-7753-43e0-B8FC-AC1667EBCBE1}">
-                <a14:hiddenEffects xmlns:a14="http://schemas.microsoft.com/office/drawing/2010/main" xmlns="">
+                <a14:hiddenEffects xmlns="" xmlns:a14="http://schemas.microsoft.com/office/drawing/2010/main">
                   <a:effectLst>
                     <a:outerShdw blurRad="63500" dist="38099" dir="2700000" algn="ctr" rotWithShape="0">
                       <a:schemeClr val="bg2">
@@ -12436,7 +12436,7 @@
             </a:ln>
             <a:extLst>
               <a:ext uri="{91240B29-F687-4f45-9708-019B960494DF}">
-                <a14:hiddenLine xmlns:a14="http://schemas.microsoft.com/office/drawing/2010/main" xmlns="" w="25400" cap="flat" cmpd="sng" algn="ctr">
+                <a14:hiddenLine xmlns="" xmlns:a14="http://schemas.microsoft.com/office/drawing/2010/main" w="25400" cap="flat" cmpd="sng" algn="ctr">
                   <a:solidFill>
                     <a:srgbClr val="000000"/>
                   </a:solidFill>
@@ -12447,7 +12447,7 @@
                 </a14:hiddenLine>
               </a:ext>
               <a:ext uri="{AF507438-7753-43e0-B8FC-AC1667EBCBE1}">
-                <a14:hiddenEffects xmlns:a14="http://schemas.microsoft.com/office/drawing/2010/main" xmlns="">
+                <a14:hiddenEffects xmlns="" xmlns:a14="http://schemas.microsoft.com/office/drawing/2010/main">
                   <a:effectLst>
                     <a:outerShdw blurRad="63500" dist="38099" dir="2700000" algn="ctr" rotWithShape="0">
                       <a:schemeClr val="bg2">
@@ -13108,7 +13108,7 @@
             <a:effectLst/>
             <a:extLst>
               <a:ext uri="{91240B29-F687-4f45-9708-019B960494DF}">
-                <a14:hiddenLine xmlns:a14="http://schemas.microsoft.com/office/drawing/2010/main" xmlns="" w="25400" cap="flat" cmpd="sng" algn="ctr">
+                <a14:hiddenLine xmlns="" xmlns:a14="http://schemas.microsoft.com/office/drawing/2010/main" w="25400" cap="flat" cmpd="sng" algn="ctr">
                   <a:solidFill>
                     <a:srgbClr val="000000"/>
                   </a:solidFill>
@@ -13119,7 +13119,7 @@
                 </a14:hiddenLine>
               </a:ext>
               <a:ext uri="{AF507438-7753-43e0-B8FC-AC1667EBCBE1}">
-                <a14:hiddenEffects xmlns:a14="http://schemas.microsoft.com/office/drawing/2010/main" xmlns="">
+                <a14:hiddenEffects xmlns="" xmlns:a14="http://schemas.microsoft.com/office/drawing/2010/main">
                   <a:effectLst>
                     <a:outerShdw blurRad="63500" dist="38099" dir="2700000" algn="ctr" rotWithShape="0">
                       <a:schemeClr val="bg2">
@@ -13161,7 +13161,7 @@
             <a:effectLst/>
             <a:extLst>
               <a:ext uri="{91240B29-F687-4f45-9708-019B960494DF}">
-                <a14:hiddenLine xmlns:a14="http://schemas.microsoft.com/office/drawing/2010/main" xmlns="" w="25400" cap="flat" cmpd="sng" algn="ctr">
+                <a14:hiddenLine xmlns="" xmlns:a14="http://schemas.microsoft.com/office/drawing/2010/main" w="25400" cap="flat" cmpd="sng" algn="ctr">
                   <a:solidFill>
                     <a:srgbClr val="000000"/>
                   </a:solidFill>
@@ -13172,7 +13172,7 @@
                 </a14:hiddenLine>
               </a:ext>
               <a:ext uri="{AF507438-7753-43e0-B8FC-AC1667EBCBE1}">
-                <a14:hiddenEffects xmlns:a14="http://schemas.microsoft.com/office/drawing/2010/main" xmlns="">
+                <a14:hiddenEffects xmlns="" xmlns:a14="http://schemas.microsoft.com/office/drawing/2010/main">
                   <a:effectLst>
                     <a:outerShdw blurRad="63500" dist="38099" dir="2700000" algn="ctr" rotWithShape="0">
                       <a:schemeClr val="bg2">
@@ -13211,7 +13211,7 @@
             <a:effectLst/>
             <a:extLst>
               <a:ext uri="{91240B29-F687-4f45-9708-019B960494DF}">
-                <a14:hiddenLine xmlns:a14="http://schemas.microsoft.com/office/drawing/2010/main" xmlns="" w="25400" cap="flat" cmpd="sng" algn="ctr">
+                <a14:hiddenLine xmlns="" xmlns:a14="http://schemas.microsoft.com/office/drawing/2010/main" w="25400" cap="flat" cmpd="sng" algn="ctr">
                   <a:solidFill>
                     <a:srgbClr val="000000"/>
                   </a:solidFill>
@@ -13222,7 +13222,7 @@
                 </a14:hiddenLine>
               </a:ext>
               <a:ext uri="{AF507438-7753-43e0-B8FC-AC1667EBCBE1}">
-                <a14:hiddenEffects xmlns:a14="http://schemas.microsoft.com/office/drawing/2010/main" xmlns="">
+                <a14:hiddenEffects xmlns="" xmlns:a14="http://schemas.microsoft.com/office/drawing/2010/main">
                   <a:effectLst>
                     <a:outerShdw blurRad="63500" dist="38099" dir="2700000" algn="ctr" rotWithShape="0">
                       <a:schemeClr val="bg2">
@@ -13264,7 +13264,7 @@
             <a:effectLst/>
             <a:extLst>
               <a:ext uri="{91240B29-F687-4f45-9708-019B960494DF}">
-                <a14:hiddenLine xmlns:a14="http://schemas.microsoft.com/office/drawing/2010/main" xmlns="" w="25400" cap="flat" cmpd="sng" algn="ctr">
+                <a14:hiddenLine xmlns="" xmlns:a14="http://schemas.microsoft.com/office/drawing/2010/main" w="25400" cap="flat" cmpd="sng" algn="ctr">
                   <a:solidFill>
                     <a:srgbClr val="000000"/>
                   </a:solidFill>
@@ -13275,7 +13275,7 @@
                 </a14:hiddenLine>
               </a:ext>
               <a:ext uri="{AF507438-7753-43e0-B8FC-AC1667EBCBE1}">
-                <a14:hiddenEffects xmlns:a14="http://schemas.microsoft.com/office/drawing/2010/main" xmlns="">
+                <a14:hiddenEffects xmlns="" xmlns:a14="http://schemas.microsoft.com/office/drawing/2010/main">
                   <a:effectLst>
                     <a:outerShdw blurRad="63500" dist="38099" dir="2700000" algn="ctr" rotWithShape="0">
                       <a:schemeClr val="bg2">
@@ -13314,7 +13314,7 @@
             <a:effectLst/>
             <a:extLst>
               <a:ext uri="{91240B29-F687-4f45-9708-019B960494DF}">
-                <a14:hiddenLine xmlns:a14="http://schemas.microsoft.com/office/drawing/2010/main" xmlns="" w="25400" cap="flat" cmpd="sng" algn="ctr">
+                <a14:hiddenLine xmlns="" xmlns:a14="http://schemas.microsoft.com/office/drawing/2010/main" w="25400" cap="flat" cmpd="sng" algn="ctr">
                   <a:solidFill>
                     <a:srgbClr val="000000"/>
                   </a:solidFill>
@@ -13325,7 +13325,7 @@
                 </a14:hiddenLine>
               </a:ext>
               <a:ext uri="{AF507438-7753-43e0-B8FC-AC1667EBCBE1}">
-                <a14:hiddenEffects xmlns:a14="http://schemas.microsoft.com/office/drawing/2010/main" xmlns="">
+                <a14:hiddenEffects xmlns="" xmlns:a14="http://schemas.microsoft.com/office/drawing/2010/main">
                   <a:effectLst>
                     <a:outerShdw blurRad="63500" dist="38099" dir="2700000" algn="ctr" rotWithShape="0">
                       <a:schemeClr val="bg2">
@@ -13367,7 +13367,7 @@
             <a:effectLst/>
             <a:extLst>
               <a:ext uri="{91240B29-F687-4f45-9708-019B960494DF}">
-                <a14:hiddenLine xmlns:a14="http://schemas.microsoft.com/office/drawing/2010/main" xmlns="" w="25400" cap="flat" cmpd="sng" algn="ctr">
+                <a14:hiddenLine xmlns="" xmlns:a14="http://schemas.microsoft.com/office/drawing/2010/main" w="25400" cap="flat" cmpd="sng" algn="ctr">
                   <a:solidFill>
                     <a:srgbClr val="000000"/>
                   </a:solidFill>
@@ -13378,7 +13378,7 @@
                 </a14:hiddenLine>
               </a:ext>
               <a:ext uri="{AF507438-7753-43e0-B8FC-AC1667EBCBE1}">
-                <a14:hiddenEffects xmlns:a14="http://schemas.microsoft.com/office/drawing/2010/main" xmlns="">
+                <a14:hiddenEffects xmlns="" xmlns:a14="http://schemas.microsoft.com/office/drawing/2010/main">
                   <a:effectLst>
                     <a:outerShdw blurRad="63500" dist="38099" dir="2700000" algn="ctr" rotWithShape="0">
                       <a:schemeClr val="bg2">
@@ -13423,7 +13423,7 @@
             <a:effectLst/>
             <a:extLst>
               <a:ext uri="{91240B29-F687-4f45-9708-019B960494DF}">
-                <a14:hiddenLine xmlns:a14="http://schemas.microsoft.com/office/drawing/2010/main" xmlns="" w="25400" cap="flat" cmpd="sng" algn="ctr">
+                <a14:hiddenLine xmlns="" xmlns:a14="http://schemas.microsoft.com/office/drawing/2010/main" w="25400" cap="flat" cmpd="sng" algn="ctr">
                   <a:solidFill>
                     <a:srgbClr val="000000"/>
                   </a:solidFill>
@@ -13434,7 +13434,7 @@
                 </a14:hiddenLine>
               </a:ext>
               <a:ext uri="{AF507438-7753-43e0-B8FC-AC1667EBCBE1}">
-                <a14:hiddenEffects xmlns:a14="http://schemas.microsoft.com/office/drawing/2010/main" xmlns="">
+                <a14:hiddenEffects xmlns="" xmlns:a14="http://schemas.microsoft.com/office/drawing/2010/main">
                   <a:effectLst>
                     <a:outerShdw blurRad="63500" dist="38099" dir="2700000" algn="ctr" rotWithShape="0">
                       <a:schemeClr val="bg2">
@@ -13533,7 +13533,7 @@
             </a:ln>
             <a:extLst>
               <a:ext uri="{91240B29-F687-4f45-9708-019B960494DF}">
-                <a14:hiddenLine xmlns:a14="http://schemas.microsoft.com/office/drawing/2010/main" xmlns="" w="25400" cap="flat" cmpd="sng" algn="ctr">
+                <a14:hiddenLine xmlns="" xmlns:a14="http://schemas.microsoft.com/office/drawing/2010/main" w="25400" cap="flat" cmpd="sng" algn="ctr">
                   <a:solidFill>
                     <a:srgbClr val="000000"/>
                   </a:solidFill>
@@ -13544,7 +13544,7 @@
                 </a14:hiddenLine>
               </a:ext>
               <a:ext uri="{AF507438-7753-43e0-B8FC-AC1667EBCBE1}">
-                <a14:hiddenEffects xmlns:a14="http://schemas.microsoft.com/office/drawing/2010/main" xmlns="">
+                <a14:hiddenEffects xmlns="" xmlns:a14="http://schemas.microsoft.com/office/drawing/2010/main">
                   <a:effectLst>
                     <a:outerShdw blurRad="63500" dist="38099" dir="2700000" algn="ctr" rotWithShape="0">
                       <a:schemeClr val="bg2">
@@ -13593,7 +13593,7 @@
             </a:ln>
             <a:extLst>
               <a:ext uri="{91240B29-F687-4f45-9708-019B960494DF}">
-                <a14:hiddenLine xmlns:a14="http://schemas.microsoft.com/office/drawing/2010/main" xmlns="" w="25400" cap="flat" cmpd="sng" algn="ctr">
+                <a14:hiddenLine xmlns="" xmlns:a14="http://schemas.microsoft.com/office/drawing/2010/main" w="25400" cap="flat" cmpd="sng" algn="ctr">
                   <a:solidFill>
                     <a:srgbClr val="000000"/>
                   </a:solidFill>
@@ -13604,7 +13604,7 @@
                 </a14:hiddenLine>
               </a:ext>
               <a:ext uri="{AF507438-7753-43e0-B8FC-AC1667EBCBE1}">
-                <a14:hiddenEffects xmlns:a14="http://schemas.microsoft.com/office/drawing/2010/main" xmlns="">
+                <a14:hiddenEffects xmlns="" xmlns:a14="http://schemas.microsoft.com/office/drawing/2010/main">
                   <a:effectLst>
                     <a:outerShdw blurRad="63500" dist="38099" dir="2700000" algn="ctr" rotWithShape="0">
                       <a:schemeClr val="bg2">
@@ -13667,7 +13667,7 @@
             </a:ln>
             <a:extLst>
               <a:ext uri="{91240B29-F687-4f45-9708-019B960494DF}">
-                <a14:hiddenLine xmlns:a14="http://schemas.microsoft.com/office/drawing/2010/main" xmlns="" w="25400" cap="flat" cmpd="sng" algn="ctr">
+                <a14:hiddenLine xmlns="" xmlns:a14="http://schemas.microsoft.com/office/drawing/2010/main" w="25400" cap="flat" cmpd="sng" algn="ctr">
                   <a:solidFill>
                     <a:srgbClr val="000000"/>
                   </a:solidFill>
@@ -13678,7 +13678,7 @@
                 </a14:hiddenLine>
               </a:ext>
               <a:ext uri="{AF507438-7753-43e0-B8FC-AC1667EBCBE1}">
-                <a14:hiddenEffects xmlns:a14="http://schemas.microsoft.com/office/drawing/2010/main" xmlns="">
+                <a14:hiddenEffects xmlns="" xmlns:a14="http://schemas.microsoft.com/office/drawing/2010/main">
                   <a:effectLst>
                     <a:outerShdw blurRad="63500" dist="38099" dir="2700000" algn="ctr" rotWithShape="0">
                       <a:schemeClr val="bg2">
@@ -13727,7 +13727,7 @@
             </a:ln>
             <a:extLst>
               <a:ext uri="{91240B29-F687-4f45-9708-019B960494DF}">
-                <a14:hiddenLine xmlns:a14="http://schemas.microsoft.com/office/drawing/2010/main" xmlns="" w="25400" cap="flat" cmpd="sng" algn="ctr">
+                <a14:hiddenLine xmlns="" xmlns:a14="http://schemas.microsoft.com/office/drawing/2010/main" w="25400" cap="flat" cmpd="sng" algn="ctr">
                   <a:solidFill>
                     <a:srgbClr val="000000"/>
                   </a:solidFill>
@@ -13738,7 +13738,7 @@
                 </a14:hiddenLine>
               </a:ext>
               <a:ext uri="{AF507438-7753-43e0-B8FC-AC1667EBCBE1}">
-                <a14:hiddenEffects xmlns:a14="http://schemas.microsoft.com/office/drawing/2010/main" xmlns="">
+                <a14:hiddenEffects xmlns="" xmlns:a14="http://schemas.microsoft.com/office/drawing/2010/main">
                   <a:effectLst>
                     <a:outerShdw blurRad="63500" dist="38099" dir="2700000" algn="ctr" rotWithShape="0">
                       <a:schemeClr val="bg2">
@@ -13801,7 +13801,7 @@
             </a:ln>
             <a:extLst>
               <a:ext uri="{91240B29-F687-4f45-9708-019B960494DF}">
-                <a14:hiddenLine xmlns:a14="http://schemas.microsoft.com/office/drawing/2010/main" xmlns="" w="25400" cap="flat" cmpd="sng" algn="ctr">
+                <a14:hiddenLine xmlns="" xmlns:a14="http://schemas.microsoft.com/office/drawing/2010/main" w="25400" cap="flat" cmpd="sng" algn="ctr">
                   <a:solidFill>
                     <a:srgbClr val="000000"/>
                   </a:solidFill>
@@ -13812,7 +13812,7 @@
                 </a14:hiddenLine>
               </a:ext>
               <a:ext uri="{AF507438-7753-43e0-B8FC-AC1667EBCBE1}">
-                <a14:hiddenEffects xmlns:a14="http://schemas.microsoft.com/office/drawing/2010/main" xmlns="">
+                <a14:hiddenEffects xmlns="" xmlns:a14="http://schemas.microsoft.com/office/drawing/2010/main">
                   <a:effectLst>
                     <a:outerShdw blurRad="63500" dist="38099" dir="2700000" algn="ctr" rotWithShape="0">
                       <a:schemeClr val="bg2">
@@ -13861,7 +13861,7 @@
             </a:ln>
             <a:extLst>
               <a:ext uri="{91240B29-F687-4f45-9708-019B960494DF}">
-                <a14:hiddenLine xmlns:a14="http://schemas.microsoft.com/office/drawing/2010/main" xmlns="" w="25400" cap="flat" cmpd="sng" algn="ctr">
+                <a14:hiddenLine xmlns="" xmlns:a14="http://schemas.microsoft.com/office/drawing/2010/main" w="25400" cap="flat" cmpd="sng" algn="ctr">
                   <a:solidFill>
                     <a:srgbClr val="000000"/>
                   </a:solidFill>
@@ -13872,7 +13872,7 @@
                 </a14:hiddenLine>
               </a:ext>
               <a:ext uri="{AF507438-7753-43e0-B8FC-AC1667EBCBE1}">
-                <a14:hiddenEffects xmlns:a14="http://schemas.microsoft.com/office/drawing/2010/main" xmlns="">
+                <a14:hiddenEffects xmlns="" xmlns:a14="http://schemas.microsoft.com/office/drawing/2010/main">
                   <a:effectLst>
                     <a:outerShdw blurRad="63500" dist="38099" dir="2700000" algn="ctr" rotWithShape="0">
                       <a:schemeClr val="bg2">
@@ -13935,7 +13935,7 @@
             </a:ln>
             <a:extLst>
               <a:ext uri="{91240B29-F687-4f45-9708-019B960494DF}">
-                <a14:hiddenLine xmlns:a14="http://schemas.microsoft.com/office/drawing/2010/main" xmlns="" w="25400" cap="flat" cmpd="sng" algn="ctr">
+                <a14:hiddenLine xmlns="" xmlns:a14="http://schemas.microsoft.com/office/drawing/2010/main" w="25400" cap="flat" cmpd="sng" algn="ctr">
                   <a:solidFill>
                     <a:srgbClr val="000000"/>
                   </a:solidFill>
@@ -13946,7 +13946,7 @@
                 </a14:hiddenLine>
               </a:ext>
               <a:ext uri="{AF507438-7753-43e0-B8FC-AC1667EBCBE1}">
-                <a14:hiddenEffects xmlns:a14="http://schemas.microsoft.com/office/drawing/2010/main" xmlns="">
+                <a14:hiddenEffects xmlns="" xmlns:a14="http://schemas.microsoft.com/office/drawing/2010/main">
                   <a:effectLst>
                     <a:outerShdw blurRad="63500" dist="38099" dir="2700000" algn="ctr" rotWithShape="0">
                       <a:schemeClr val="bg2">
@@ -13995,7 +13995,7 @@
             </a:ln>
             <a:extLst>
               <a:ext uri="{91240B29-F687-4f45-9708-019B960494DF}">
-                <a14:hiddenLine xmlns:a14="http://schemas.microsoft.com/office/drawing/2010/main" xmlns="" w="25400" cap="flat" cmpd="sng" algn="ctr">
+                <a14:hiddenLine xmlns="" xmlns:a14="http://schemas.microsoft.com/office/drawing/2010/main" w="25400" cap="flat" cmpd="sng" algn="ctr">
                   <a:solidFill>
                     <a:srgbClr val="000000"/>
                   </a:solidFill>
@@ -14006,7 +14006,7 @@
                 </a14:hiddenLine>
               </a:ext>
               <a:ext uri="{AF507438-7753-43e0-B8FC-AC1667EBCBE1}">
-                <a14:hiddenEffects xmlns:a14="http://schemas.microsoft.com/office/drawing/2010/main" xmlns="">
+                <a14:hiddenEffects xmlns="" xmlns:a14="http://schemas.microsoft.com/office/drawing/2010/main">
                   <a:effectLst>
                     <a:outerShdw blurRad="63500" dist="38099" dir="2700000" algn="ctr" rotWithShape="0">
                       <a:schemeClr val="bg2">
@@ -14069,7 +14069,7 @@
             </a:ln>
             <a:extLst>
               <a:ext uri="{91240B29-F687-4f45-9708-019B960494DF}">
-                <a14:hiddenLine xmlns:a14="http://schemas.microsoft.com/office/drawing/2010/main" xmlns="" w="25400" cap="flat" cmpd="sng" algn="ctr">
+                <a14:hiddenLine xmlns="" xmlns:a14="http://schemas.microsoft.com/office/drawing/2010/main" w="25400" cap="flat" cmpd="sng" algn="ctr">
                   <a:solidFill>
                     <a:srgbClr val="000000"/>
                   </a:solidFill>
@@ -14080,7 +14080,7 @@
                 </a14:hiddenLine>
               </a:ext>
               <a:ext uri="{AF507438-7753-43e0-B8FC-AC1667EBCBE1}">
-                <a14:hiddenEffects xmlns:a14="http://schemas.microsoft.com/office/drawing/2010/main" xmlns="">
+                <a14:hiddenEffects xmlns="" xmlns:a14="http://schemas.microsoft.com/office/drawing/2010/main">
                   <a:effectLst>
                     <a:outerShdw blurRad="63500" dist="38099" dir="2700000" algn="ctr" rotWithShape="0">
                       <a:schemeClr val="bg2">
@@ -14129,7 +14129,7 @@
             </a:ln>
             <a:extLst>
               <a:ext uri="{91240B29-F687-4f45-9708-019B960494DF}">
-                <a14:hiddenLine xmlns:a14="http://schemas.microsoft.com/office/drawing/2010/main" xmlns="" w="25400" cap="flat" cmpd="sng" algn="ctr">
+                <a14:hiddenLine xmlns="" xmlns:a14="http://schemas.microsoft.com/office/drawing/2010/main" w="25400" cap="flat" cmpd="sng" algn="ctr">
                   <a:solidFill>
                     <a:srgbClr val="000000"/>
                   </a:solidFill>
@@ -14140,7 +14140,7 @@
                 </a14:hiddenLine>
               </a:ext>
               <a:ext uri="{AF507438-7753-43e0-B8FC-AC1667EBCBE1}">
-                <a14:hiddenEffects xmlns:a14="http://schemas.microsoft.com/office/drawing/2010/main" xmlns="">
+                <a14:hiddenEffects xmlns="" xmlns:a14="http://schemas.microsoft.com/office/drawing/2010/main">
                   <a:effectLst>
                     <a:outerShdw blurRad="63500" dist="38099" dir="2700000" algn="ctr" rotWithShape="0">
                       <a:schemeClr val="bg2">
@@ -14203,7 +14203,7 @@
             </a:ln>
             <a:extLst>
               <a:ext uri="{91240B29-F687-4f45-9708-019B960494DF}">
-                <a14:hiddenLine xmlns:a14="http://schemas.microsoft.com/office/drawing/2010/main" xmlns="" w="25400" cap="flat" cmpd="sng" algn="ctr">
+                <a14:hiddenLine xmlns="" xmlns:a14="http://schemas.microsoft.com/office/drawing/2010/main" w="25400" cap="flat" cmpd="sng" algn="ctr">
                   <a:solidFill>
                     <a:srgbClr val="000000"/>
                   </a:solidFill>
@@ -14214,7 +14214,7 @@
                 </a14:hiddenLine>
               </a:ext>
               <a:ext uri="{AF507438-7753-43e0-B8FC-AC1667EBCBE1}">
-                <a14:hiddenEffects xmlns:a14="http://schemas.microsoft.com/office/drawing/2010/main" xmlns="">
+                <a14:hiddenEffects xmlns="" xmlns:a14="http://schemas.microsoft.com/office/drawing/2010/main">
                   <a:effectLst>
                     <a:outerShdw blurRad="63500" dist="38099" dir="2700000" algn="ctr" rotWithShape="0">
                       <a:schemeClr val="bg2">
@@ -14263,7 +14263,7 @@
             </a:ln>
             <a:extLst>
               <a:ext uri="{91240B29-F687-4f45-9708-019B960494DF}">
-                <a14:hiddenLine xmlns:a14="http://schemas.microsoft.com/office/drawing/2010/main" xmlns="" w="25400" cap="flat" cmpd="sng" algn="ctr">
+                <a14:hiddenLine xmlns="" xmlns:a14="http://schemas.microsoft.com/office/drawing/2010/main" w="25400" cap="flat" cmpd="sng" algn="ctr">
                   <a:solidFill>
                     <a:srgbClr val="000000"/>
                   </a:solidFill>
@@ -14274,7 +14274,7 @@
                 </a14:hiddenLine>
               </a:ext>
               <a:ext uri="{AF507438-7753-43e0-B8FC-AC1667EBCBE1}">
-                <a14:hiddenEffects xmlns:a14="http://schemas.microsoft.com/office/drawing/2010/main" xmlns="">
+                <a14:hiddenEffects xmlns="" xmlns:a14="http://schemas.microsoft.com/office/drawing/2010/main">
                   <a:effectLst>
                     <a:outerShdw blurRad="63500" dist="38099" dir="2700000" algn="ctr" rotWithShape="0">
                       <a:schemeClr val="bg2">
@@ -14999,7 +14999,7 @@
             </a:ln>
             <a:extLst>
               <a:ext uri="{91240B29-F687-4f45-9708-019B960494DF}">
-                <a14:hiddenLine xmlns:a14="http://schemas.microsoft.com/office/drawing/2010/main" xmlns="" w="25400" cap="flat" cmpd="sng" algn="ctr">
+                <a14:hiddenLine xmlns="" xmlns:a14="http://schemas.microsoft.com/office/drawing/2010/main" w="25400" cap="flat" cmpd="sng" algn="ctr">
                   <a:solidFill>
                     <a:srgbClr val="000000"/>
                   </a:solidFill>
@@ -15010,7 +15010,7 @@
                 </a14:hiddenLine>
               </a:ext>
               <a:ext uri="{AF507438-7753-43e0-B8FC-AC1667EBCBE1}">
-                <a14:hiddenEffects xmlns:a14="http://schemas.microsoft.com/office/drawing/2010/main" xmlns="">
+                <a14:hiddenEffects xmlns="" xmlns:a14="http://schemas.microsoft.com/office/drawing/2010/main">
                   <a:effectLst>
                     <a:outerShdw blurRad="63500" dist="38099" dir="2700000" algn="ctr" rotWithShape="0">
                       <a:schemeClr val="bg2">
@@ -15060,7 +15060,7 @@
             </a:ln>
             <a:extLst>
               <a:ext uri="{91240B29-F687-4f45-9708-019B960494DF}">
-                <a14:hiddenLine xmlns:a14="http://schemas.microsoft.com/office/drawing/2010/main" xmlns="" w="25400" cap="flat" cmpd="sng" algn="ctr">
+                <a14:hiddenLine xmlns="" xmlns:a14="http://schemas.microsoft.com/office/drawing/2010/main" w="25400" cap="flat" cmpd="sng" algn="ctr">
                   <a:solidFill>
                     <a:srgbClr val="000000"/>
                   </a:solidFill>
@@ -15071,7 +15071,7 @@
                 </a14:hiddenLine>
               </a:ext>
               <a:ext uri="{AF507438-7753-43e0-B8FC-AC1667EBCBE1}">
-                <a14:hiddenEffects xmlns:a14="http://schemas.microsoft.com/office/drawing/2010/main" xmlns="">
+                <a14:hiddenEffects xmlns="" xmlns:a14="http://schemas.microsoft.com/office/drawing/2010/main">
                   <a:effectLst>
                     <a:outerShdw blurRad="63500" dist="38099" dir="2700000" algn="ctr" rotWithShape="0">
                       <a:schemeClr val="bg2">
@@ -16482,7 +16482,7 @@
             </a:ln>
             <a:extLst>
               <a:ext uri="{91240B29-F687-4f45-9708-019B960494DF}">
-                <a14:hiddenLine xmlns:a14="http://schemas.microsoft.com/office/drawing/2010/main" xmlns="" w="25400" cap="flat" cmpd="sng" algn="ctr">
+                <a14:hiddenLine xmlns="" xmlns:a14="http://schemas.microsoft.com/office/drawing/2010/main" w="25400" cap="flat" cmpd="sng" algn="ctr">
                   <a:solidFill>
                     <a:srgbClr val="000000"/>
                   </a:solidFill>
@@ -16493,7 +16493,7 @@
                 </a14:hiddenLine>
               </a:ext>
               <a:ext uri="{AF507438-7753-43e0-B8FC-AC1667EBCBE1}">
-                <a14:hiddenEffects xmlns:a14="http://schemas.microsoft.com/office/drawing/2010/main" xmlns="">
+                <a14:hiddenEffects xmlns="" xmlns:a14="http://schemas.microsoft.com/office/drawing/2010/main">
                   <a:effectLst>
                     <a:outerShdw blurRad="63500" dist="38099" dir="2700000" algn="ctr" rotWithShape="0">
                       <a:schemeClr val="bg2">
@@ -16543,7 +16543,7 @@
             </a:ln>
             <a:extLst>
               <a:ext uri="{91240B29-F687-4f45-9708-019B960494DF}">
-                <a14:hiddenLine xmlns:a14="http://schemas.microsoft.com/office/drawing/2010/main" xmlns="" w="25400" cap="flat" cmpd="sng" algn="ctr">
+                <a14:hiddenLine xmlns="" xmlns:a14="http://schemas.microsoft.com/office/drawing/2010/main" w="25400" cap="flat" cmpd="sng" algn="ctr">
                   <a:solidFill>
                     <a:srgbClr val="000000"/>
                   </a:solidFill>
@@ -16554,7 +16554,7 @@
                 </a14:hiddenLine>
               </a:ext>
               <a:ext uri="{AF507438-7753-43e0-B8FC-AC1667EBCBE1}">
-                <a14:hiddenEffects xmlns:a14="http://schemas.microsoft.com/office/drawing/2010/main" xmlns="">
+                <a14:hiddenEffects xmlns="" xmlns:a14="http://schemas.microsoft.com/office/drawing/2010/main">
                   <a:effectLst>
                     <a:outerShdw blurRad="63500" dist="38099" dir="2700000" algn="ctr" rotWithShape="0">
                       <a:schemeClr val="bg2">
@@ -16604,7 +16604,7 @@
             </a:ln>
             <a:extLst>
               <a:ext uri="{91240B29-F687-4f45-9708-019B960494DF}">
-                <a14:hiddenLine xmlns:a14="http://schemas.microsoft.com/office/drawing/2010/main" xmlns="" w="25400" cap="flat" cmpd="sng" algn="ctr">
+                <a14:hiddenLine xmlns="" xmlns:a14="http://schemas.microsoft.com/office/drawing/2010/main" w="25400" cap="flat" cmpd="sng" algn="ctr">
                   <a:solidFill>
                     <a:srgbClr val="000000"/>
                   </a:solidFill>
@@ -16615,7 +16615,7 @@
                 </a14:hiddenLine>
               </a:ext>
               <a:ext uri="{AF507438-7753-43e0-B8FC-AC1667EBCBE1}">
-                <a14:hiddenEffects xmlns:a14="http://schemas.microsoft.com/office/drawing/2010/main" xmlns="">
+                <a14:hiddenEffects xmlns="" xmlns:a14="http://schemas.microsoft.com/office/drawing/2010/main">
                   <a:effectLst>
                     <a:outerShdw blurRad="63500" dist="38099" dir="2700000" algn="ctr" rotWithShape="0">
                       <a:schemeClr val="bg2">
@@ -16665,7 +16665,7 @@
             </a:ln>
             <a:extLst>
               <a:ext uri="{91240B29-F687-4f45-9708-019B960494DF}">
-                <a14:hiddenLine xmlns:a14="http://schemas.microsoft.com/office/drawing/2010/main" xmlns="" w="25400" cap="flat" cmpd="sng" algn="ctr">
+                <a14:hiddenLine xmlns="" xmlns:a14="http://schemas.microsoft.com/office/drawing/2010/main" w="25400" cap="flat" cmpd="sng" algn="ctr">
                   <a:solidFill>
                     <a:srgbClr val="000000"/>
                   </a:solidFill>
@@ -16676,7 +16676,7 @@
                 </a14:hiddenLine>
               </a:ext>
               <a:ext uri="{AF507438-7753-43e0-B8FC-AC1667EBCBE1}">
-                <a14:hiddenEffects xmlns:a14="http://schemas.microsoft.com/office/drawing/2010/main" xmlns="">
+                <a14:hiddenEffects xmlns="" xmlns:a14="http://schemas.microsoft.com/office/drawing/2010/main">
                   <a:effectLst>
                     <a:outerShdw blurRad="63500" dist="38099" dir="2700000" algn="ctr" rotWithShape="0">
                       <a:schemeClr val="bg2">
@@ -17446,7 +17446,7 @@
         <a:effectLst/>
         <a:extLst>
           <a:ext uri="{91240B29-F687-4f45-9708-019B960494DF}">
-            <a14:hiddenLine xmlns:a14="http://schemas.microsoft.com/office/drawing/2010/main" xmlns="" w="25400" cap="flat" cmpd="sng" algn="ctr">
+            <a14:hiddenLine xmlns="" xmlns:a14="http://schemas.microsoft.com/office/drawing/2010/main" w="25400" cap="flat" cmpd="sng" algn="ctr">
               <a:solidFill>
                 <a:srgbClr val="000000"/>
               </a:solidFill>
@@ -17457,7 +17457,7 @@
             </a14:hiddenLine>
           </a:ext>
           <a:ext uri="{AF507438-7753-43e0-B8FC-AC1667EBCBE1}">
-            <a14:hiddenEffects xmlns:a14="http://schemas.microsoft.com/office/drawing/2010/main" xmlns="">
+            <a14:hiddenEffects xmlns="" xmlns:a14="http://schemas.microsoft.com/office/drawing/2010/main">
               <a:effectLst>
                 <a:outerShdw blurRad="63500" dist="38099" dir="2700000" algn="ctr" rotWithShape="0">
                   <a:schemeClr val="bg2">
@@ -17833,7 +17833,7 @@
         <a:effectLst/>
         <a:extLst>
           <a:ext uri="{91240B29-F687-4f45-9708-019B960494DF}">
-            <a14:hiddenLine xmlns:a14="http://schemas.microsoft.com/office/drawing/2010/main" xmlns="" w="25400" cap="flat" cmpd="sng" algn="ctr">
+            <a14:hiddenLine xmlns="" xmlns:a14="http://schemas.microsoft.com/office/drawing/2010/main" w="25400" cap="flat" cmpd="sng" algn="ctr">
               <a:solidFill>
                 <a:srgbClr val="000000"/>
               </a:solidFill>
@@ -17844,7 +17844,7 @@
             </a14:hiddenLine>
           </a:ext>
           <a:ext uri="{AF507438-7753-43e0-B8FC-AC1667EBCBE1}">
-            <a14:hiddenEffects xmlns:a14="http://schemas.microsoft.com/office/drawing/2010/main" xmlns="">
+            <a14:hiddenEffects xmlns="" xmlns:a14="http://schemas.microsoft.com/office/drawing/2010/main">
               <a:effectLst>
                 <a:outerShdw blurRad="63500" dist="38099" dir="2700000" algn="ctr" rotWithShape="0">
                   <a:schemeClr val="bg2">
